--- a/DVA231_Project_presentation.pptx
+++ b/DVA231_Project_presentation.pptx
@@ -5,10 +5,10 @@
     <p:sldMasterId id="2147483648" r:id="rId1"/>
   </p:sldMasterIdLst>
   <p:notesMasterIdLst>
-    <p:notesMasterId r:id="rId9"/>
+    <p:notesMasterId r:id="rId10"/>
   </p:notesMasterIdLst>
   <p:handoutMasterIdLst>
-    <p:handoutMasterId r:id="rId10"/>
+    <p:handoutMasterId r:id="rId11"/>
   </p:handoutMasterIdLst>
   <p:sldIdLst>
     <p:sldId id="256" r:id="rId2"/>
@@ -18,6 +18,7 @@
     <p:sldId id="292" r:id="rId6"/>
     <p:sldId id="288" r:id="rId7"/>
     <p:sldId id="285" r:id="rId8"/>
+    <p:sldId id="294" r:id="rId9"/>
   </p:sldIdLst>
   <p:sldSz cx="12192000" cy="6858000"/>
   <p:notesSz cx="6858000" cy="9144000"/>
@@ -118,7 +119,7 @@
   </p:defaultTextStyle>
   <p:extLst>
     <p:ext uri="{EFAFB233-063F-42B5-8137-9DF3F51BA10A}">
-      <p15:sldGuideLst xmlns:p15="http://schemas.microsoft.com/office/powerpoint/2012/main" xmlns="">
+      <p15:sldGuideLst xmlns="" xmlns:p15="http://schemas.microsoft.com/office/powerpoint/2012/main">
         <p15:guide id="1" orient="horz" pos="2328" userDrawn="1">
           <p15:clr>
             <a:srgbClr val="A4A3A4"/>
@@ -152,7 +153,7 @@
       </p15:sldGuideLst>
     </p:ext>
     <p:ext uri="{2D200454-40CA-4A62-9FC3-DE9A4176ACB9}">
-      <p15:notesGuideLst xmlns:p15="http://schemas.microsoft.com/office/powerpoint/2012/main" xmlns=""/>
+      <p15:notesGuideLst xmlns="" xmlns:p15="http://schemas.microsoft.com/office/powerpoint/2012/main"/>
     </p:ext>
   </p:extLst>
 </p:presentation>
@@ -185,7 +186,7 @@
           <p:cNvPr id="2" name="Kopfzeilenplatzhalter 1">
             <a:extLst>
               <a:ext uri="{FF2B5EF4-FFF2-40B4-BE49-F238E27FC236}">
-                <a16:creationId xmlns:a16="http://schemas.microsoft.com/office/drawing/2014/main" xmlns="" id="{B46527B0-0B24-4087-B225-DB4F5C738F6E}"/>
+                <a16:creationId xmlns="" xmlns:a16="http://schemas.microsoft.com/office/drawing/2014/main" id="{B46527B0-0B24-4087-B225-DB4F5C738F6E}"/>
               </a:ext>
             </a:extLst>
           </p:cNvPr>
@@ -223,7 +224,7 @@
           <p:cNvPr id="3" name="Datumsplatzhalter 2">
             <a:extLst>
               <a:ext uri="{FF2B5EF4-FFF2-40B4-BE49-F238E27FC236}">
-                <a16:creationId xmlns:a16="http://schemas.microsoft.com/office/drawing/2014/main" xmlns="" id="{F72798E0-F322-4236-8531-A1882BFE4007}"/>
+                <a16:creationId xmlns="" xmlns:a16="http://schemas.microsoft.com/office/drawing/2014/main" id="{F72798E0-F322-4236-8531-A1882BFE4007}"/>
               </a:ext>
             </a:extLst>
           </p:cNvPr>
@@ -265,7 +266,7 @@
           <p:cNvPr id="4" name="Fußzeilenplatzhalter 3">
             <a:extLst>
               <a:ext uri="{FF2B5EF4-FFF2-40B4-BE49-F238E27FC236}">
-                <a16:creationId xmlns:a16="http://schemas.microsoft.com/office/drawing/2014/main" xmlns="" id="{B4E5881F-2FD0-41BC-8E76-C691E59E146C}"/>
+                <a16:creationId xmlns="" xmlns:a16="http://schemas.microsoft.com/office/drawing/2014/main" id="{B4E5881F-2FD0-41BC-8E76-C691E59E146C}"/>
               </a:ext>
             </a:extLst>
           </p:cNvPr>
@@ -303,7 +304,7 @@
           <p:cNvPr id="5" name="Foliennummernplatzhalter 4">
             <a:extLst>
               <a:ext uri="{FF2B5EF4-FFF2-40B4-BE49-F238E27FC236}">
-                <a16:creationId xmlns:a16="http://schemas.microsoft.com/office/drawing/2014/main" xmlns="" id="{62CA62C5-8A29-4592-9E3E-4C457F263C0A}"/>
+                <a16:creationId xmlns="" xmlns:a16="http://schemas.microsoft.com/office/drawing/2014/main" id="{62CA62C5-8A29-4592-9E3E-4C457F263C0A}"/>
               </a:ext>
             </a:extLst>
           </p:cNvPr>
@@ -1135,6 +1136,92 @@
 </p:notes>
 </file>
 
+<file path=ppt/notesSlides/notesSlide6.xml><?xml version="1.0" encoding="utf-8"?>
+<p:notes xmlns:a="http://schemas.openxmlformats.org/drawingml/2006/main" xmlns:r="http://schemas.openxmlformats.org/officeDocument/2006/relationships" xmlns:p="http://schemas.openxmlformats.org/presentationml/2006/main">
+  <p:cSld>
+    <p:spTree>
+      <p:nvGrpSpPr>
+        <p:cNvPr id="1" name=""/>
+        <p:cNvGrpSpPr/>
+        <p:nvPr/>
+      </p:nvGrpSpPr>
+      <p:grpSpPr>
+        <a:xfrm>
+          <a:off x="0" y="0"/>
+          <a:ext cx="0" cy="0"/>
+          <a:chOff x="0" y="0"/>
+          <a:chExt cx="0" cy="0"/>
+        </a:xfrm>
+      </p:grpSpPr>
+      <p:sp>
+        <p:nvSpPr>
+          <p:cNvPr id="2" name="Folienbildplatzhalter 1"/>
+          <p:cNvSpPr>
+            <a:spLocks noGrp="1" noRot="1" noChangeAspect="1"/>
+          </p:cNvSpPr>
+          <p:nvPr>
+            <p:ph type="sldImg"/>
+          </p:nvPr>
+        </p:nvSpPr>
+        <p:spPr/>
+      </p:sp>
+      <p:sp>
+        <p:nvSpPr>
+          <p:cNvPr id="3" name="Notizenplatzhalter 2"/>
+          <p:cNvSpPr>
+            <a:spLocks noGrp="1"/>
+          </p:cNvSpPr>
+          <p:nvPr>
+            <p:ph type="body" idx="1"/>
+          </p:nvPr>
+        </p:nvSpPr>
+        <p:spPr/>
+        <p:txBody>
+          <a:bodyPr rtlCol="0"/>
+          <a:lstStyle/>
+          <a:p>
+            <a:pPr rtl="0"/>
+            <a:endParaRPr lang="de-DE" dirty="0"/>
+          </a:p>
+        </p:txBody>
+      </p:sp>
+      <p:sp>
+        <p:nvSpPr>
+          <p:cNvPr id="4" name="Foliennummernplatzhalter 3"/>
+          <p:cNvSpPr>
+            <a:spLocks noGrp="1"/>
+          </p:cNvSpPr>
+          <p:nvPr>
+            <p:ph type="sldNum" sz="quarter" idx="5"/>
+          </p:nvPr>
+        </p:nvSpPr>
+        <p:spPr/>
+        <p:txBody>
+          <a:bodyPr rtlCol="0"/>
+          <a:lstStyle/>
+          <a:p>
+            <a:pPr rtl="0"/>
+            <a:fld id="{BE60DC36-8EFA-4378-9855-E019C55AC472}" type="slidenum">
+              <a:rPr lang="de-DE" smtClean="0"/>
+              <a:t>8</a:t>
+            </a:fld>
+            <a:endParaRPr lang="de-DE" dirty="0"/>
+          </a:p>
+        </p:txBody>
+      </p:sp>
+    </p:spTree>
+    <p:extLst>
+      <p:ext uri="{BB962C8B-B14F-4D97-AF65-F5344CB8AC3E}">
+        <p14:creationId xmlns:p14="http://schemas.microsoft.com/office/powerpoint/2010/main" val="1054801191"/>
+      </p:ext>
+    </p:extLst>
+  </p:cSld>
+  <p:clrMapOvr>
+    <a:masterClrMapping/>
+  </p:clrMapOvr>
+</p:notes>
+</file>
+
 <file path=ppt/slideLayouts/slideLayout1.xml><?xml version="1.0" encoding="utf-8"?>
 <p:sldLayout xmlns:a="http://schemas.openxmlformats.org/drawingml/2006/main" xmlns:r="http://schemas.openxmlformats.org/officeDocument/2006/relationships" xmlns:p="http://schemas.openxmlformats.org/presentationml/2006/main" type="title" preserve="1">
   <p:cSld name="Titelfolie">
@@ -1157,7 +1244,7 @@
           <p:cNvPr id="2" name="Titel 1">
             <a:extLst>
               <a:ext uri="{FF2B5EF4-FFF2-40B4-BE49-F238E27FC236}">
-                <a16:creationId xmlns:a16="http://schemas.microsoft.com/office/drawing/2014/main" xmlns="" id="{8E0F864C-44C4-4000-952D-01F31BFB3FD3}"/>
+                <a16:creationId xmlns="" xmlns:a16="http://schemas.microsoft.com/office/drawing/2014/main" id="{8E0F864C-44C4-4000-952D-01F31BFB3FD3}"/>
               </a:ext>
             </a:extLst>
           </p:cNvPr>
@@ -1196,7 +1283,7 @@
           <p:cNvPr id="3" name="Untertitel 2">
             <a:extLst>
               <a:ext uri="{FF2B5EF4-FFF2-40B4-BE49-F238E27FC236}">
-                <a16:creationId xmlns:a16="http://schemas.microsoft.com/office/drawing/2014/main" xmlns="" id="{21392E06-C914-467E-9D4F-BD763EDA2DD5}"/>
+                <a16:creationId xmlns="" xmlns:a16="http://schemas.microsoft.com/office/drawing/2014/main" id="{21392E06-C914-467E-9D4F-BD763EDA2DD5}"/>
               </a:ext>
             </a:extLst>
           </p:cNvPr>
@@ -1268,7 +1355,7 @@
           <p:cNvPr id="4" name="Datumsplatzhalter 3">
             <a:extLst>
               <a:ext uri="{FF2B5EF4-FFF2-40B4-BE49-F238E27FC236}">
-                <a16:creationId xmlns:a16="http://schemas.microsoft.com/office/drawing/2014/main" xmlns="" id="{1FBEFBAF-82E9-49AD-B2CF-7D154E024431}"/>
+                <a16:creationId xmlns="" xmlns:a16="http://schemas.microsoft.com/office/drawing/2014/main" id="{1FBEFBAF-82E9-49AD-B2CF-7D154E024431}"/>
               </a:ext>
             </a:extLst>
           </p:cNvPr>
@@ -1298,7 +1385,7 @@
           <p:cNvPr id="5" name="Fußzeilenplatzhalter 4">
             <a:extLst>
               <a:ext uri="{FF2B5EF4-FFF2-40B4-BE49-F238E27FC236}">
-                <a16:creationId xmlns:a16="http://schemas.microsoft.com/office/drawing/2014/main" xmlns="" id="{5AD8006A-94B1-44F7-972D-56767EDE3CC3}"/>
+                <a16:creationId xmlns="" xmlns:a16="http://schemas.microsoft.com/office/drawing/2014/main" id="{5AD8006A-94B1-44F7-972D-56767EDE3CC3}"/>
               </a:ext>
             </a:extLst>
           </p:cNvPr>
@@ -1324,7 +1411,7 @@
           <p:cNvPr id="6" name="Foliennummernplatzhalter 5">
             <a:extLst>
               <a:ext uri="{FF2B5EF4-FFF2-40B4-BE49-F238E27FC236}">
-                <a16:creationId xmlns:a16="http://schemas.microsoft.com/office/drawing/2014/main" xmlns="" id="{F5E7BFAB-D84B-45E1-A0BD-2516AC14F8AC}"/>
+                <a16:creationId xmlns="" xmlns:a16="http://schemas.microsoft.com/office/drawing/2014/main" id="{F5E7BFAB-D84B-45E1-A0BD-2516AC14F8AC}"/>
               </a:ext>
             </a:extLst>
           </p:cNvPr>
@@ -1384,7 +1471,7 @@
           <p:cNvPr id="2" name="Titel 1">
             <a:extLst>
               <a:ext uri="{FF2B5EF4-FFF2-40B4-BE49-F238E27FC236}">
-                <a16:creationId xmlns:a16="http://schemas.microsoft.com/office/drawing/2014/main" xmlns="" id="{65F7B869-BFB2-4C20-8AB1-46704BB3D177}"/>
+                <a16:creationId xmlns="" xmlns:a16="http://schemas.microsoft.com/office/drawing/2014/main" id="{65F7B869-BFB2-4C20-8AB1-46704BB3D177}"/>
               </a:ext>
             </a:extLst>
           </p:cNvPr>
@@ -1414,7 +1501,7 @@
           <p:cNvPr id="3" name="Vertikaler Textplatzhalter 2">
             <a:extLst>
               <a:ext uri="{FF2B5EF4-FFF2-40B4-BE49-F238E27FC236}">
-                <a16:creationId xmlns:a16="http://schemas.microsoft.com/office/drawing/2014/main" xmlns="" id="{19F007DB-4F12-4428-9C48-5120DF07046D}"/>
+                <a16:creationId xmlns="" xmlns:a16="http://schemas.microsoft.com/office/drawing/2014/main" id="{19F007DB-4F12-4428-9C48-5120DF07046D}"/>
               </a:ext>
             </a:extLst>
           </p:cNvPr>
@@ -1472,7 +1559,7 @@
           <p:cNvPr id="4" name="Datumsplatzhalter 3">
             <a:extLst>
               <a:ext uri="{FF2B5EF4-FFF2-40B4-BE49-F238E27FC236}">
-                <a16:creationId xmlns:a16="http://schemas.microsoft.com/office/drawing/2014/main" xmlns="" id="{16FFA8DA-0E31-4CA6-BBFC-2467AAD1D30B}"/>
+                <a16:creationId xmlns="" xmlns:a16="http://schemas.microsoft.com/office/drawing/2014/main" id="{16FFA8DA-0E31-4CA6-BBFC-2467AAD1D30B}"/>
               </a:ext>
             </a:extLst>
           </p:cNvPr>
@@ -1502,7 +1589,7 @@
           <p:cNvPr id="5" name="Fußzeilenplatzhalter 4">
             <a:extLst>
               <a:ext uri="{FF2B5EF4-FFF2-40B4-BE49-F238E27FC236}">
-                <a16:creationId xmlns:a16="http://schemas.microsoft.com/office/drawing/2014/main" xmlns="" id="{064974BD-9845-459A-9AAA-12731E2507C4}"/>
+                <a16:creationId xmlns="" xmlns:a16="http://schemas.microsoft.com/office/drawing/2014/main" id="{064974BD-9845-459A-9AAA-12731E2507C4}"/>
               </a:ext>
             </a:extLst>
           </p:cNvPr>
@@ -1528,7 +1615,7 @@
           <p:cNvPr id="6" name="Foliennummernplatzhalter 5">
             <a:extLst>
               <a:ext uri="{FF2B5EF4-FFF2-40B4-BE49-F238E27FC236}">
-                <a16:creationId xmlns:a16="http://schemas.microsoft.com/office/drawing/2014/main" xmlns="" id="{C2A71B0A-FDFB-4B2C-A9EC-2334C590013E}"/>
+                <a16:creationId xmlns="" xmlns:a16="http://schemas.microsoft.com/office/drawing/2014/main" id="{C2A71B0A-FDFB-4B2C-A9EC-2334C590013E}"/>
               </a:ext>
             </a:extLst>
           </p:cNvPr>
@@ -1588,7 +1675,7 @@
           <p:cNvPr id="2" name="Vertikaler Titel 1">
             <a:extLst>
               <a:ext uri="{FF2B5EF4-FFF2-40B4-BE49-F238E27FC236}">
-                <a16:creationId xmlns:a16="http://schemas.microsoft.com/office/drawing/2014/main" xmlns="" id="{E60B5D73-1652-4A8E-B5A3-101523D7290A}"/>
+                <a16:creationId xmlns="" xmlns:a16="http://schemas.microsoft.com/office/drawing/2014/main" id="{E60B5D73-1652-4A8E-B5A3-101523D7290A}"/>
               </a:ext>
             </a:extLst>
           </p:cNvPr>
@@ -1623,7 +1710,7 @@
           <p:cNvPr id="3" name="Vertikaler Textplatzhalter 2">
             <a:extLst>
               <a:ext uri="{FF2B5EF4-FFF2-40B4-BE49-F238E27FC236}">
-                <a16:creationId xmlns:a16="http://schemas.microsoft.com/office/drawing/2014/main" xmlns="" id="{A9B7FB99-7425-444D-B602-01B672BCE8C6}"/>
+                <a16:creationId xmlns="" xmlns:a16="http://schemas.microsoft.com/office/drawing/2014/main" id="{A9B7FB99-7425-444D-B602-01B672BCE8C6}"/>
               </a:ext>
             </a:extLst>
           </p:cNvPr>
@@ -1686,7 +1773,7 @@
           <p:cNvPr id="4" name="Datumsplatzhalter 3">
             <a:extLst>
               <a:ext uri="{FF2B5EF4-FFF2-40B4-BE49-F238E27FC236}">
-                <a16:creationId xmlns:a16="http://schemas.microsoft.com/office/drawing/2014/main" xmlns="" id="{00EEA9C5-552A-48A1-AB54-ED54209B3B48}"/>
+                <a16:creationId xmlns="" xmlns:a16="http://schemas.microsoft.com/office/drawing/2014/main" id="{00EEA9C5-552A-48A1-AB54-ED54209B3B48}"/>
               </a:ext>
             </a:extLst>
           </p:cNvPr>
@@ -1716,7 +1803,7 @@
           <p:cNvPr id="5" name="Fußzeilenplatzhalter 4">
             <a:extLst>
               <a:ext uri="{FF2B5EF4-FFF2-40B4-BE49-F238E27FC236}">
-                <a16:creationId xmlns:a16="http://schemas.microsoft.com/office/drawing/2014/main" xmlns="" id="{1A83AAA3-4155-48FB-8F00-16DBE0C9C256}"/>
+                <a16:creationId xmlns="" xmlns:a16="http://schemas.microsoft.com/office/drawing/2014/main" id="{1A83AAA3-4155-48FB-8F00-16DBE0C9C256}"/>
               </a:ext>
             </a:extLst>
           </p:cNvPr>
@@ -1742,7 +1829,7 @@
           <p:cNvPr id="6" name="Foliennummernplatzhalter 5">
             <a:extLst>
               <a:ext uri="{FF2B5EF4-FFF2-40B4-BE49-F238E27FC236}">
-                <a16:creationId xmlns:a16="http://schemas.microsoft.com/office/drawing/2014/main" xmlns="" id="{5D694EAE-CB3C-4DEF-A66D-583C7AAC92D8}"/>
+                <a16:creationId xmlns="" xmlns:a16="http://schemas.microsoft.com/office/drawing/2014/main" id="{5D694EAE-CB3C-4DEF-A66D-583C7AAC92D8}"/>
               </a:ext>
             </a:extLst>
           </p:cNvPr>
@@ -1802,7 +1889,7 @@
           <p:cNvPr id="2" name="Titel 1">
             <a:extLst>
               <a:ext uri="{FF2B5EF4-FFF2-40B4-BE49-F238E27FC236}">
-                <a16:creationId xmlns:a16="http://schemas.microsoft.com/office/drawing/2014/main" xmlns="" id="{4C807FBE-061D-452C-A8A6-213063CFD678}"/>
+                <a16:creationId xmlns="" xmlns:a16="http://schemas.microsoft.com/office/drawing/2014/main" id="{4C807FBE-061D-452C-A8A6-213063CFD678}"/>
               </a:ext>
             </a:extLst>
           </p:cNvPr>
@@ -1832,7 +1919,7 @@
           <p:cNvPr id="3" name="Inhaltsplatzhalter 2">
             <a:extLst>
               <a:ext uri="{FF2B5EF4-FFF2-40B4-BE49-F238E27FC236}">
-                <a16:creationId xmlns:a16="http://schemas.microsoft.com/office/drawing/2014/main" xmlns="" id="{433A3535-1708-499D-B5D2-7D8F9FD182D0}"/>
+                <a16:creationId xmlns="" xmlns:a16="http://schemas.microsoft.com/office/drawing/2014/main" id="{433A3535-1708-499D-B5D2-7D8F9FD182D0}"/>
               </a:ext>
             </a:extLst>
           </p:cNvPr>
@@ -1890,7 +1977,7 @@
           <p:cNvPr id="4" name="Datumsplatzhalter 3">
             <a:extLst>
               <a:ext uri="{FF2B5EF4-FFF2-40B4-BE49-F238E27FC236}">
-                <a16:creationId xmlns:a16="http://schemas.microsoft.com/office/drawing/2014/main" xmlns="" id="{ACB06063-A112-49AB-80C8-504D99ECD771}"/>
+                <a16:creationId xmlns="" xmlns:a16="http://schemas.microsoft.com/office/drawing/2014/main" id="{ACB06063-A112-49AB-80C8-504D99ECD771}"/>
               </a:ext>
             </a:extLst>
           </p:cNvPr>
@@ -1920,7 +2007,7 @@
           <p:cNvPr id="5" name="Fußzeilenplatzhalter 4">
             <a:extLst>
               <a:ext uri="{FF2B5EF4-FFF2-40B4-BE49-F238E27FC236}">
-                <a16:creationId xmlns:a16="http://schemas.microsoft.com/office/drawing/2014/main" xmlns="" id="{6344C8D5-F898-4318-A76D-1FBD87329198}"/>
+                <a16:creationId xmlns="" xmlns:a16="http://schemas.microsoft.com/office/drawing/2014/main" id="{6344C8D5-F898-4318-A76D-1FBD87329198}"/>
               </a:ext>
             </a:extLst>
           </p:cNvPr>
@@ -1946,7 +2033,7 @@
           <p:cNvPr id="6" name="Foliennummernplatzhalter 5">
             <a:extLst>
               <a:ext uri="{FF2B5EF4-FFF2-40B4-BE49-F238E27FC236}">
-                <a16:creationId xmlns:a16="http://schemas.microsoft.com/office/drawing/2014/main" xmlns="" id="{2976EC76-E8E8-4FFA-B671-7FA2F3EF5DEF}"/>
+                <a16:creationId xmlns="" xmlns:a16="http://schemas.microsoft.com/office/drawing/2014/main" id="{2976EC76-E8E8-4FFA-B671-7FA2F3EF5DEF}"/>
               </a:ext>
             </a:extLst>
           </p:cNvPr>
@@ -2006,7 +2093,7 @@
           <p:cNvPr id="2" name="Titel 1">
             <a:extLst>
               <a:ext uri="{FF2B5EF4-FFF2-40B4-BE49-F238E27FC236}">
-                <a16:creationId xmlns:a16="http://schemas.microsoft.com/office/drawing/2014/main" xmlns="" id="{B6C2CABF-E3C1-431A-A69C-D4881CC43F0F}"/>
+                <a16:creationId xmlns="" xmlns:a16="http://schemas.microsoft.com/office/drawing/2014/main" id="{B6C2CABF-E3C1-431A-A69C-D4881CC43F0F}"/>
               </a:ext>
             </a:extLst>
           </p:cNvPr>
@@ -2045,7 +2132,7 @@
           <p:cNvPr id="3" name="Textplatzhalter 2">
             <a:extLst>
               <a:ext uri="{FF2B5EF4-FFF2-40B4-BE49-F238E27FC236}">
-                <a16:creationId xmlns:a16="http://schemas.microsoft.com/office/drawing/2014/main" xmlns="" id="{D5584226-69DA-4211-B2C8-C29FD05A4A69}"/>
+                <a16:creationId xmlns="" xmlns:a16="http://schemas.microsoft.com/office/drawing/2014/main" id="{D5584226-69DA-4211-B2C8-C29FD05A4A69}"/>
               </a:ext>
             </a:extLst>
           </p:cNvPr>
@@ -2170,7 +2257,7 @@
           <p:cNvPr id="4" name="Datumsplatzhalter 3">
             <a:extLst>
               <a:ext uri="{FF2B5EF4-FFF2-40B4-BE49-F238E27FC236}">
-                <a16:creationId xmlns:a16="http://schemas.microsoft.com/office/drawing/2014/main" xmlns="" id="{D5FF82DB-B518-40FD-8A66-44B874C055FB}"/>
+                <a16:creationId xmlns="" xmlns:a16="http://schemas.microsoft.com/office/drawing/2014/main" id="{D5FF82DB-B518-40FD-8A66-44B874C055FB}"/>
               </a:ext>
             </a:extLst>
           </p:cNvPr>
@@ -2200,7 +2287,7 @@
           <p:cNvPr id="5" name="Fußzeilenplatzhalter 4">
             <a:extLst>
               <a:ext uri="{FF2B5EF4-FFF2-40B4-BE49-F238E27FC236}">
-                <a16:creationId xmlns:a16="http://schemas.microsoft.com/office/drawing/2014/main" xmlns="" id="{FCC1CCEE-725F-4745-837B-87EFB70E71D8}"/>
+                <a16:creationId xmlns="" xmlns:a16="http://schemas.microsoft.com/office/drawing/2014/main" id="{FCC1CCEE-725F-4745-837B-87EFB70E71D8}"/>
               </a:ext>
             </a:extLst>
           </p:cNvPr>
@@ -2226,7 +2313,7 @@
           <p:cNvPr id="6" name="Foliennummernplatzhalter 5">
             <a:extLst>
               <a:ext uri="{FF2B5EF4-FFF2-40B4-BE49-F238E27FC236}">
-                <a16:creationId xmlns:a16="http://schemas.microsoft.com/office/drawing/2014/main" xmlns="" id="{C561522A-E0E6-406B-BF30-A7C7A57294BE}"/>
+                <a16:creationId xmlns="" xmlns:a16="http://schemas.microsoft.com/office/drawing/2014/main" id="{C561522A-E0E6-406B-BF30-A7C7A57294BE}"/>
               </a:ext>
             </a:extLst>
           </p:cNvPr>
@@ -2286,7 +2373,7 @@
           <p:cNvPr id="2" name="Titel 1">
             <a:extLst>
               <a:ext uri="{FF2B5EF4-FFF2-40B4-BE49-F238E27FC236}">
-                <a16:creationId xmlns:a16="http://schemas.microsoft.com/office/drawing/2014/main" xmlns="" id="{DBCC9BDC-6F21-4EF5-A8DD-E35E27EACA58}"/>
+                <a16:creationId xmlns="" xmlns:a16="http://schemas.microsoft.com/office/drawing/2014/main" id="{DBCC9BDC-6F21-4EF5-A8DD-E35E27EACA58}"/>
               </a:ext>
             </a:extLst>
           </p:cNvPr>
@@ -2316,7 +2403,7 @@
           <p:cNvPr id="3" name="Inhaltsplatzhalter 2">
             <a:extLst>
               <a:ext uri="{FF2B5EF4-FFF2-40B4-BE49-F238E27FC236}">
-                <a16:creationId xmlns:a16="http://schemas.microsoft.com/office/drawing/2014/main" xmlns="" id="{6B968D5F-2AB6-42D3-A54E-AB3E60325170}"/>
+                <a16:creationId xmlns="" xmlns:a16="http://schemas.microsoft.com/office/drawing/2014/main" id="{6B968D5F-2AB6-42D3-A54E-AB3E60325170}"/>
               </a:ext>
             </a:extLst>
           </p:cNvPr>
@@ -2379,7 +2466,7 @@
           <p:cNvPr id="4" name="Inhaltsplatzhalter 3">
             <a:extLst>
               <a:ext uri="{FF2B5EF4-FFF2-40B4-BE49-F238E27FC236}">
-                <a16:creationId xmlns:a16="http://schemas.microsoft.com/office/drawing/2014/main" xmlns="" id="{465AB07F-D5F7-402A-AE4E-027BF1CA9127}"/>
+                <a16:creationId xmlns="" xmlns:a16="http://schemas.microsoft.com/office/drawing/2014/main" id="{465AB07F-D5F7-402A-AE4E-027BF1CA9127}"/>
               </a:ext>
             </a:extLst>
           </p:cNvPr>
@@ -2442,7 +2529,7 @@
           <p:cNvPr id="5" name="Datumsplatzhalter 4">
             <a:extLst>
               <a:ext uri="{FF2B5EF4-FFF2-40B4-BE49-F238E27FC236}">
-                <a16:creationId xmlns:a16="http://schemas.microsoft.com/office/drawing/2014/main" xmlns="" id="{85108EDC-3863-43B9-93C7-37465DC73B28}"/>
+                <a16:creationId xmlns="" xmlns:a16="http://schemas.microsoft.com/office/drawing/2014/main" id="{85108EDC-3863-43B9-93C7-37465DC73B28}"/>
               </a:ext>
             </a:extLst>
           </p:cNvPr>
@@ -2472,7 +2559,7 @@
           <p:cNvPr id="6" name="Fußzeilenplatzhalter 5">
             <a:extLst>
               <a:ext uri="{FF2B5EF4-FFF2-40B4-BE49-F238E27FC236}">
-                <a16:creationId xmlns:a16="http://schemas.microsoft.com/office/drawing/2014/main" xmlns="" id="{A777D452-958D-4159-A9A4-16DD29680A04}"/>
+                <a16:creationId xmlns="" xmlns:a16="http://schemas.microsoft.com/office/drawing/2014/main" id="{A777D452-958D-4159-A9A4-16DD29680A04}"/>
               </a:ext>
             </a:extLst>
           </p:cNvPr>
@@ -2498,7 +2585,7 @@
           <p:cNvPr id="7" name="Foliennummernplatzhalter 6">
             <a:extLst>
               <a:ext uri="{FF2B5EF4-FFF2-40B4-BE49-F238E27FC236}">
-                <a16:creationId xmlns:a16="http://schemas.microsoft.com/office/drawing/2014/main" xmlns="" id="{289654B6-1460-48B9-AC7E-592F68BAB276}"/>
+                <a16:creationId xmlns="" xmlns:a16="http://schemas.microsoft.com/office/drawing/2014/main" id="{289654B6-1460-48B9-AC7E-592F68BAB276}"/>
               </a:ext>
             </a:extLst>
           </p:cNvPr>
@@ -2558,7 +2645,7 @@
           <p:cNvPr id="2" name="Titel 1">
             <a:extLst>
               <a:ext uri="{FF2B5EF4-FFF2-40B4-BE49-F238E27FC236}">
-                <a16:creationId xmlns:a16="http://schemas.microsoft.com/office/drawing/2014/main" xmlns="" id="{7EE8C848-926A-4FD3-A311-A100A2662BE1}"/>
+                <a16:creationId xmlns="" xmlns:a16="http://schemas.microsoft.com/office/drawing/2014/main" id="{7EE8C848-926A-4FD3-A311-A100A2662BE1}"/>
               </a:ext>
             </a:extLst>
           </p:cNvPr>
@@ -2593,7 +2680,7 @@
           <p:cNvPr id="3" name="Textplatzhalter 2">
             <a:extLst>
               <a:ext uri="{FF2B5EF4-FFF2-40B4-BE49-F238E27FC236}">
-                <a16:creationId xmlns:a16="http://schemas.microsoft.com/office/drawing/2014/main" xmlns="" id="{3C8ECD90-B4F0-4DFB-BB3D-F2310207896F}"/>
+                <a16:creationId xmlns="" xmlns:a16="http://schemas.microsoft.com/office/drawing/2014/main" id="{3C8ECD90-B4F0-4DFB-BB3D-F2310207896F}"/>
               </a:ext>
             </a:extLst>
           </p:cNvPr>
@@ -2664,7 +2751,7 @@
           <p:cNvPr id="4" name="Inhaltsplatzhalter 3">
             <a:extLst>
               <a:ext uri="{FF2B5EF4-FFF2-40B4-BE49-F238E27FC236}">
-                <a16:creationId xmlns:a16="http://schemas.microsoft.com/office/drawing/2014/main" xmlns="" id="{335A6C3A-033E-474B-AB97-D8291A04E7DD}"/>
+                <a16:creationId xmlns="" xmlns:a16="http://schemas.microsoft.com/office/drawing/2014/main" id="{335A6C3A-033E-474B-AB97-D8291A04E7DD}"/>
               </a:ext>
             </a:extLst>
           </p:cNvPr>
@@ -2727,7 +2814,7 @@
           <p:cNvPr id="5" name="Textplatzhalter 4">
             <a:extLst>
               <a:ext uri="{FF2B5EF4-FFF2-40B4-BE49-F238E27FC236}">
-                <a16:creationId xmlns:a16="http://schemas.microsoft.com/office/drawing/2014/main" xmlns="" id="{A532B928-3A23-4FCA-AD1F-E45A467B54F5}"/>
+                <a16:creationId xmlns="" xmlns:a16="http://schemas.microsoft.com/office/drawing/2014/main" id="{A532B928-3A23-4FCA-AD1F-E45A467B54F5}"/>
               </a:ext>
             </a:extLst>
           </p:cNvPr>
@@ -2798,7 +2885,7 @@
           <p:cNvPr id="6" name="Inhaltsplatzhalter 5">
             <a:extLst>
               <a:ext uri="{FF2B5EF4-FFF2-40B4-BE49-F238E27FC236}">
-                <a16:creationId xmlns:a16="http://schemas.microsoft.com/office/drawing/2014/main" xmlns="" id="{3BDC8376-6FC6-4A11-B0DB-9A148E9C00E2}"/>
+                <a16:creationId xmlns="" xmlns:a16="http://schemas.microsoft.com/office/drawing/2014/main" id="{3BDC8376-6FC6-4A11-B0DB-9A148E9C00E2}"/>
               </a:ext>
             </a:extLst>
           </p:cNvPr>
@@ -2861,7 +2948,7 @@
           <p:cNvPr id="7" name="Datumsplatzhalter 6">
             <a:extLst>
               <a:ext uri="{FF2B5EF4-FFF2-40B4-BE49-F238E27FC236}">
-                <a16:creationId xmlns:a16="http://schemas.microsoft.com/office/drawing/2014/main" xmlns="" id="{6E80206F-8846-425C-A56E-16FFBA442014}"/>
+                <a16:creationId xmlns="" xmlns:a16="http://schemas.microsoft.com/office/drawing/2014/main" id="{6E80206F-8846-425C-A56E-16FFBA442014}"/>
               </a:ext>
             </a:extLst>
           </p:cNvPr>
@@ -2891,7 +2978,7 @@
           <p:cNvPr id="8" name="Fußzeilenplatzhalter 7">
             <a:extLst>
               <a:ext uri="{FF2B5EF4-FFF2-40B4-BE49-F238E27FC236}">
-                <a16:creationId xmlns:a16="http://schemas.microsoft.com/office/drawing/2014/main" xmlns="" id="{6A45E89F-12CF-4561-A5F2-1E05783A3063}"/>
+                <a16:creationId xmlns="" xmlns:a16="http://schemas.microsoft.com/office/drawing/2014/main" id="{6A45E89F-12CF-4561-A5F2-1E05783A3063}"/>
               </a:ext>
             </a:extLst>
           </p:cNvPr>
@@ -2917,7 +3004,7 @@
           <p:cNvPr id="9" name="Foliennummernplatzhalter 8">
             <a:extLst>
               <a:ext uri="{FF2B5EF4-FFF2-40B4-BE49-F238E27FC236}">
-                <a16:creationId xmlns:a16="http://schemas.microsoft.com/office/drawing/2014/main" xmlns="" id="{9EB4DFE4-927C-43B1-A061-5CB97FFB33BE}"/>
+                <a16:creationId xmlns="" xmlns:a16="http://schemas.microsoft.com/office/drawing/2014/main" id="{9EB4DFE4-927C-43B1-A061-5CB97FFB33BE}"/>
               </a:ext>
             </a:extLst>
           </p:cNvPr>
@@ -2977,7 +3064,7 @@
           <p:cNvPr id="2" name="Titel 1">
             <a:extLst>
               <a:ext uri="{FF2B5EF4-FFF2-40B4-BE49-F238E27FC236}">
-                <a16:creationId xmlns:a16="http://schemas.microsoft.com/office/drawing/2014/main" xmlns="" id="{B560E367-8DA0-4655-BCBC-F4280D8642CD}"/>
+                <a16:creationId xmlns="" xmlns:a16="http://schemas.microsoft.com/office/drawing/2014/main" id="{B560E367-8DA0-4655-BCBC-F4280D8642CD}"/>
               </a:ext>
             </a:extLst>
           </p:cNvPr>
@@ -3007,7 +3094,7 @@
           <p:cNvPr id="3" name="Datumsplatzhalter 2">
             <a:extLst>
               <a:ext uri="{FF2B5EF4-FFF2-40B4-BE49-F238E27FC236}">
-                <a16:creationId xmlns:a16="http://schemas.microsoft.com/office/drawing/2014/main" xmlns="" id="{2FEF9592-AA3C-4CF8-A5DB-4D010195A438}"/>
+                <a16:creationId xmlns="" xmlns:a16="http://schemas.microsoft.com/office/drawing/2014/main" id="{2FEF9592-AA3C-4CF8-A5DB-4D010195A438}"/>
               </a:ext>
             </a:extLst>
           </p:cNvPr>
@@ -3037,7 +3124,7 @@
           <p:cNvPr id="4" name="Fußzeilenplatzhalter 3">
             <a:extLst>
               <a:ext uri="{FF2B5EF4-FFF2-40B4-BE49-F238E27FC236}">
-                <a16:creationId xmlns:a16="http://schemas.microsoft.com/office/drawing/2014/main" xmlns="" id="{3C2C9377-F93E-4515-852A-264707755154}"/>
+                <a16:creationId xmlns="" xmlns:a16="http://schemas.microsoft.com/office/drawing/2014/main" id="{3C2C9377-F93E-4515-852A-264707755154}"/>
               </a:ext>
             </a:extLst>
           </p:cNvPr>
@@ -3063,7 +3150,7 @@
           <p:cNvPr id="5" name="Foliennummernplatzhalter 4">
             <a:extLst>
               <a:ext uri="{FF2B5EF4-FFF2-40B4-BE49-F238E27FC236}">
-                <a16:creationId xmlns:a16="http://schemas.microsoft.com/office/drawing/2014/main" xmlns="" id="{9AED076D-476B-42BA-8795-14FE6C1E6974}"/>
+                <a16:creationId xmlns="" xmlns:a16="http://schemas.microsoft.com/office/drawing/2014/main" id="{9AED076D-476B-42BA-8795-14FE6C1E6974}"/>
               </a:ext>
             </a:extLst>
           </p:cNvPr>
@@ -3123,7 +3210,7 @@
           <p:cNvPr id="2" name="Datumsplatzhalter 1">
             <a:extLst>
               <a:ext uri="{FF2B5EF4-FFF2-40B4-BE49-F238E27FC236}">
-                <a16:creationId xmlns:a16="http://schemas.microsoft.com/office/drawing/2014/main" xmlns="" id="{1EA599B4-6AB2-4190-82B5-7667EE1E922A}"/>
+                <a16:creationId xmlns="" xmlns:a16="http://schemas.microsoft.com/office/drawing/2014/main" id="{1EA599B4-6AB2-4190-82B5-7667EE1E922A}"/>
               </a:ext>
             </a:extLst>
           </p:cNvPr>
@@ -3153,7 +3240,7 @@
           <p:cNvPr id="3" name="Fußzeilenplatzhalter 2">
             <a:extLst>
               <a:ext uri="{FF2B5EF4-FFF2-40B4-BE49-F238E27FC236}">
-                <a16:creationId xmlns:a16="http://schemas.microsoft.com/office/drawing/2014/main" xmlns="" id="{1B8FBFB3-AD86-4E39-B8AE-B4EC14528156}"/>
+                <a16:creationId xmlns="" xmlns:a16="http://schemas.microsoft.com/office/drawing/2014/main" id="{1B8FBFB3-AD86-4E39-B8AE-B4EC14528156}"/>
               </a:ext>
             </a:extLst>
           </p:cNvPr>
@@ -3179,7 +3266,7 @@
           <p:cNvPr id="4" name="Foliennummernplatzhalter 3">
             <a:extLst>
               <a:ext uri="{FF2B5EF4-FFF2-40B4-BE49-F238E27FC236}">
-                <a16:creationId xmlns:a16="http://schemas.microsoft.com/office/drawing/2014/main" xmlns="" id="{B9A4AF55-C114-4B60-9A20-56B00A11B3BF}"/>
+                <a16:creationId xmlns="" xmlns:a16="http://schemas.microsoft.com/office/drawing/2014/main" id="{B9A4AF55-C114-4B60-9A20-56B00A11B3BF}"/>
               </a:ext>
             </a:extLst>
           </p:cNvPr>
@@ -3239,7 +3326,7 @@
           <p:cNvPr id="2" name="Titel 1">
             <a:extLst>
               <a:ext uri="{FF2B5EF4-FFF2-40B4-BE49-F238E27FC236}">
-                <a16:creationId xmlns:a16="http://schemas.microsoft.com/office/drawing/2014/main" xmlns="" id="{70883DA1-5CB8-405D-9613-8A9B7BC5664C}"/>
+                <a16:creationId xmlns="" xmlns:a16="http://schemas.microsoft.com/office/drawing/2014/main" id="{70883DA1-5CB8-405D-9613-8A9B7BC5664C}"/>
               </a:ext>
             </a:extLst>
           </p:cNvPr>
@@ -3278,7 +3365,7 @@
           <p:cNvPr id="3" name="Inhaltsplatzhalter 2">
             <a:extLst>
               <a:ext uri="{FF2B5EF4-FFF2-40B4-BE49-F238E27FC236}">
-                <a16:creationId xmlns:a16="http://schemas.microsoft.com/office/drawing/2014/main" xmlns="" id="{9842BB15-A24D-42E9-9CAE-BB827226301E}"/>
+                <a16:creationId xmlns="" xmlns:a16="http://schemas.microsoft.com/office/drawing/2014/main" id="{9842BB15-A24D-42E9-9CAE-BB827226301E}"/>
               </a:ext>
             </a:extLst>
           </p:cNvPr>
@@ -3369,7 +3456,7 @@
           <p:cNvPr id="4" name="Textplatzhalter 3">
             <a:extLst>
               <a:ext uri="{FF2B5EF4-FFF2-40B4-BE49-F238E27FC236}">
-                <a16:creationId xmlns:a16="http://schemas.microsoft.com/office/drawing/2014/main" xmlns="" id="{78F0849D-D3C3-462A-9751-4EAB0B9145E4}"/>
+                <a16:creationId xmlns="" xmlns:a16="http://schemas.microsoft.com/office/drawing/2014/main" id="{78F0849D-D3C3-462A-9751-4EAB0B9145E4}"/>
               </a:ext>
             </a:extLst>
           </p:cNvPr>
@@ -3440,7 +3527,7 @@
           <p:cNvPr id="5" name="Datumsplatzhalter 4">
             <a:extLst>
               <a:ext uri="{FF2B5EF4-FFF2-40B4-BE49-F238E27FC236}">
-                <a16:creationId xmlns:a16="http://schemas.microsoft.com/office/drawing/2014/main" xmlns="" id="{F180DD20-7A20-4574-98A4-427795876739}"/>
+                <a16:creationId xmlns="" xmlns:a16="http://schemas.microsoft.com/office/drawing/2014/main" id="{F180DD20-7A20-4574-98A4-427795876739}"/>
               </a:ext>
             </a:extLst>
           </p:cNvPr>
@@ -3470,7 +3557,7 @@
           <p:cNvPr id="6" name="Fußzeilenplatzhalter 5">
             <a:extLst>
               <a:ext uri="{FF2B5EF4-FFF2-40B4-BE49-F238E27FC236}">
-                <a16:creationId xmlns:a16="http://schemas.microsoft.com/office/drawing/2014/main" xmlns="" id="{54D0ED2B-71C4-421A-9DB0-676E00C10BDC}"/>
+                <a16:creationId xmlns="" xmlns:a16="http://schemas.microsoft.com/office/drawing/2014/main" id="{54D0ED2B-71C4-421A-9DB0-676E00C10BDC}"/>
               </a:ext>
             </a:extLst>
           </p:cNvPr>
@@ -3496,7 +3583,7 @@
           <p:cNvPr id="7" name="Foliennummernplatzhalter 6">
             <a:extLst>
               <a:ext uri="{FF2B5EF4-FFF2-40B4-BE49-F238E27FC236}">
-                <a16:creationId xmlns:a16="http://schemas.microsoft.com/office/drawing/2014/main" xmlns="" id="{78C4572A-ADFC-4C53-BCA2-42BDF693BC4D}"/>
+                <a16:creationId xmlns="" xmlns:a16="http://schemas.microsoft.com/office/drawing/2014/main" id="{78C4572A-ADFC-4C53-BCA2-42BDF693BC4D}"/>
               </a:ext>
             </a:extLst>
           </p:cNvPr>
@@ -3556,7 +3643,7 @@
           <p:cNvPr id="2" name="Titel 1">
             <a:extLst>
               <a:ext uri="{FF2B5EF4-FFF2-40B4-BE49-F238E27FC236}">
-                <a16:creationId xmlns:a16="http://schemas.microsoft.com/office/drawing/2014/main" xmlns="" id="{028F5C67-EEEC-4AB0-9653-0F80D6B10941}"/>
+                <a16:creationId xmlns="" xmlns:a16="http://schemas.microsoft.com/office/drawing/2014/main" id="{028F5C67-EEEC-4AB0-9653-0F80D6B10941}"/>
               </a:ext>
             </a:extLst>
           </p:cNvPr>
@@ -3595,7 +3682,7 @@
           <p:cNvPr id="3" name="Bildplatzhalter 2">
             <a:extLst>
               <a:ext uri="{FF2B5EF4-FFF2-40B4-BE49-F238E27FC236}">
-                <a16:creationId xmlns:a16="http://schemas.microsoft.com/office/drawing/2014/main" xmlns="" id="{1DD50D6D-5277-4324-AF23-5FAF007834EB}"/>
+                <a16:creationId xmlns="" xmlns:a16="http://schemas.microsoft.com/office/drawing/2014/main" id="{1DD50D6D-5277-4324-AF23-5FAF007834EB}"/>
               </a:ext>
             </a:extLst>
           </p:cNvPr>
@@ -3666,7 +3753,7 @@
           <p:cNvPr id="4" name="Textplatzhalter 3">
             <a:extLst>
               <a:ext uri="{FF2B5EF4-FFF2-40B4-BE49-F238E27FC236}">
-                <a16:creationId xmlns:a16="http://schemas.microsoft.com/office/drawing/2014/main" xmlns="" id="{75275657-2BF9-4761-96B6-50EE3CFCFAD0}"/>
+                <a16:creationId xmlns="" xmlns:a16="http://schemas.microsoft.com/office/drawing/2014/main" id="{75275657-2BF9-4761-96B6-50EE3CFCFAD0}"/>
               </a:ext>
             </a:extLst>
           </p:cNvPr>
@@ -3737,7 +3824,7 @@
           <p:cNvPr id="5" name="Datumsplatzhalter 4">
             <a:extLst>
               <a:ext uri="{FF2B5EF4-FFF2-40B4-BE49-F238E27FC236}">
-                <a16:creationId xmlns:a16="http://schemas.microsoft.com/office/drawing/2014/main" xmlns="" id="{5C3C3F7B-A4C8-4F9D-8165-BC5186EA0929}"/>
+                <a16:creationId xmlns="" xmlns:a16="http://schemas.microsoft.com/office/drawing/2014/main" id="{5C3C3F7B-A4C8-4F9D-8165-BC5186EA0929}"/>
               </a:ext>
             </a:extLst>
           </p:cNvPr>
@@ -3767,7 +3854,7 @@
           <p:cNvPr id="6" name="Fußzeilenplatzhalter 5">
             <a:extLst>
               <a:ext uri="{FF2B5EF4-FFF2-40B4-BE49-F238E27FC236}">
-                <a16:creationId xmlns:a16="http://schemas.microsoft.com/office/drawing/2014/main" xmlns="" id="{DE696EA5-2FA2-464D-982F-C53E6426A843}"/>
+                <a16:creationId xmlns="" xmlns:a16="http://schemas.microsoft.com/office/drawing/2014/main" id="{DE696EA5-2FA2-464D-982F-C53E6426A843}"/>
               </a:ext>
             </a:extLst>
           </p:cNvPr>
@@ -3793,7 +3880,7 @@
           <p:cNvPr id="7" name="Foliennummernplatzhalter 6">
             <a:extLst>
               <a:ext uri="{FF2B5EF4-FFF2-40B4-BE49-F238E27FC236}">
-                <a16:creationId xmlns:a16="http://schemas.microsoft.com/office/drawing/2014/main" xmlns="" id="{8911B398-191B-4AB1-86ED-00D0046EACF5}"/>
+                <a16:creationId xmlns="" xmlns:a16="http://schemas.microsoft.com/office/drawing/2014/main" id="{8911B398-191B-4AB1-86ED-00D0046EACF5}"/>
               </a:ext>
             </a:extLst>
           </p:cNvPr>
@@ -3858,7 +3945,7 @@
           <p:cNvPr id="2" name="Titelplatzhalter 1">
             <a:extLst>
               <a:ext uri="{FF2B5EF4-FFF2-40B4-BE49-F238E27FC236}">
-                <a16:creationId xmlns:a16="http://schemas.microsoft.com/office/drawing/2014/main" xmlns="" id="{7B3445CA-54C1-4DDE-A216-DD2414E3F593}"/>
+                <a16:creationId xmlns="" xmlns:a16="http://schemas.microsoft.com/office/drawing/2014/main" id="{7B3445CA-54C1-4DDE-A216-DD2414E3F593}"/>
               </a:ext>
             </a:extLst>
           </p:cNvPr>
@@ -3897,7 +3984,7 @@
           <p:cNvPr id="3" name="Textplatzhalter 2">
             <a:extLst>
               <a:ext uri="{FF2B5EF4-FFF2-40B4-BE49-F238E27FC236}">
-                <a16:creationId xmlns:a16="http://schemas.microsoft.com/office/drawing/2014/main" xmlns="" id="{0306395A-6879-4E93-B24E-067F88AC1D69}"/>
+                <a16:creationId xmlns="" xmlns:a16="http://schemas.microsoft.com/office/drawing/2014/main" id="{0306395A-6879-4E93-B24E-067F88AC1D69}"/>
               </a:ext>
             </a:extLst>
           </p:cNvPr>
@@ -3964,7 +4051,7 @@
           <p:cNvPr id="4" name="Datumsplatzhalter 3">
             <a:extLst>
               <a:ext uri="{FF2B5EF4-FFF2-40B4-BE49-F238E27FC236}">
-                <a16:creationId xmlns:a16="http://schemas.microsoft.com/office/drawing/2014/main" xmlns="" id="{9450FF5B-A6A6-4F0F-AA5D-3F0F69A43AEB}"/>
+                <a16:creationId xmlns="" xmlns:a16="http://schemas.microsoft.com/office/drawing/2014/main" id="{9450FF5B-A6A6-4F0F-AA5D-3F0F69A43AEB}"/>
               </a:ext>
             </a:extLst>
           </p:cNvPr>
@@ -4012,7 +4099,7 @@
           <p:cNvPr id="5" name="Fußzeilenplatzhalter 4">
             <a:extLst>
               <a:ext uri="{FF2B5EF4-FFF2-40B4-BE49-F238E27FC236}">
-                <a16:creationId xmlns:a16="http://schemas.microsoft.com/office/drawing/2014/main" xmlns="" id="{FA798FAA-76CC-42EF-8BE0-466A41BBAB09}"/>
+                <a16:creationId xmlns="" xmlns:a16="http://schemas.microsoft.com/office/drawing/2014/main" id="{FA798FAA-76CC-42EF-8BE0-466A41BBAB09}"/>
               </a:ext>
             </a:extLst>
           </p:cNvPr>
@@ -4056,7 +4143,7 @@
           <p:cNvPr id="6" name="Foliennummernplatzhalter 5">
             <a:extLst>
               <a:ext uri="{FF2B5EF4-FFF2-40B4-BE49-F238E27FC236}">
-                <a16:creationId xmlns:a16="http://schemas.microsoft.com/office/drawing/2014/main" xmlns="" id="{5149FF02-6890-4E10-B958-1097AD32C6FA}"/>
+                <a16:creationId xmlns="" xmlns:a16="http://schemas.microsoft.com/office/drawing/2014/main" id="{5149FF02-6890-4E10-B958-1097AD32C6FA}"/>
               </a:ext>
             </a:extLst>
           </p:cNvPr>
@@ -4443,7 +4530,7 @@
           <p:cNvPr id="2" name="Titel 1">
             <a:extLst>
               <a:ext uri="{FF2B5EF4-FFF2-40B4-BE49-F238E27FC236}">
-                <a16:creationId xmlns:a16="http://schemas.microsoft.com/office/drawing/2014/main" xmlns="" id="{C4300AEF-1595-4419-801B-6E36A33BB8CF}"/>
+                <a16:creationId xmlns="" xmlns:a16="http://schemas.microsoft.com/office/drawing/2014/main" id="{C4300AEF-1595-4419-801B-6E36A33BB8CF}"/>
               </a:ext>
             </a:extLst>
           </p:cNvPr>
@@ -4548,10 +4635,10 @@
           <p:cNvPr id="4" name="Raute 3">
             <a:extLst>
               <a:ext uri="{FF2B5EF4-FFF2-40B4-BE49-F238E27FC236}">
-                <a16:creationId xmlns:a16="http://schemas.microsoft.com/office/drawing/2014/main" xmlns="" id="{1C59176D-59A8-4C02-B448-EE01232FB3E7}"/>
+                <a16:creationId xmlns="" xmlns:a16="http://schemas.microsoft.com/office/drawing/2014/main" id="{1C59176D-59A8-4C02-B448-EE01232FB3E7}"/>
               </a:ext>
               <a:ext uri="{C183D7F6-B498-43B3-948B-1728B52AA6E4}">
-                <adec:decorative xmlns:adec="http://schemas.microsoft.com/office/drawing/2017/decorative" xmlns="" val="1"/>
+                <adec:decorative xmlns="" xmlns:adec="http://schemas.microsoft.com/office/drawing/2017/decorative" val="1"/>
               </a:ext>
             </a:extLst>
           </p:cNvPr>
@@ -4603,10 +4690,10 @@
           <p:cNvPr id="5" name="Raute 4">
             <a:extLst>
               <a:ext uri="{FF2B5EF4-FFF2-40B4-BE49-F238E27FC236}">
-                <a16:creationId xmlns:a16="http://schemas.microsoft.com/office/drawing/2014/main" xmlns="" id="{A50B1817-3C7F-41BC-8557-7A00C928EE16}"/>
+                <a16:creationId xmlns="" xmlns:a16="http://schemas.microsoft.com/office/drawing/2014/main" id="{A50B1817-3C7F-41BC-8557-7A00C928EE16}"/>
               </a:ext>
               <a:ext uri="{C183D7F6-B498-43B3-948B-1728B52AA6E4}">
-                <adec:decorative xmlns:adec="http://schemas.microsoft.com/office/drawing/2017/decorative" xmlns="" val="1"/>
+                <adec:decorative xmlns="" xmlns:adec="http://schemas.microsoft.com/office/drawing/2017/decorative" val="1"/>
               </a:ext>
             </a:extLst>
           </p:cNvPr>
@@ -4695,7 +4782,7 @@
           <p:cNvPr id="4" name="Titel 3" hidden="1">
             <a:extLst>
               <a:ext uri="{FF2B5EF4-FFF2-40B4-BE49-F238E27FC236}">
-                <a16:creationId xmlns:a16="http://schemas.microsoft.com/office/drawing/2014/main" xmlns="" id="{B5981CF1-BC08-49F8-B0F9-AAF98EC67450}"/>
+                <a16:creationId xmlns="" xmlns:a16="http://schemas.microsoft.com/office/drawing/2014/main" id="{B5981CF1-BC08-49F8-B0F9-AAF98EC67450}"/>
               </a:ext>
             </a:extLst>
           </p:cNvPr>
@@ -4728,10 +4815,10 @@
           <p:cNvPr id="8" name="Gerader Verbinder 7">
             <a:extLst>
               <a:ext uri="{FF2B5EF4-FFF2-40B4-BE49-F238E27FC236}">
-                <a16:creationId xmlns:a16="http://schemas.microsoft.com/office/drawing/2014/main" xmlns="" id="{D0986099-F5F2-4E8B-BE17-81194861A00C}"/>
+                <a16:creationId xmlns="" xmlns:a16="http://schemas.microsoft.com/office/drawing/2014/main" id="{D0986099-F5F2-4E8B-BE17-81194861A00C}"/>
               </a:ext>
               <a:ext uri="{C183D7F6-B498-43B3-948B-1728B52AA6E4}">
-                <adec:decorative xmlns:adec="http://schemas.microsoft.com/office/drawing/2017/decorative" xmlns="" val="1"/>
+                <adec:decorative xmlns="" xmlns:adec="http://schemas.microsoft.com/office/drawing/2017/decorative" val="1"/>
               </a:ext>
             </a:extLst>
           </p:cNvPr>
@@ -4777,7 +4864,7 @@
           <p:cNvPr id="11" name="Titel 1">
             <a:extLst>
               <a:ext uri="{FF2B5EF4-FFF2-40B4-BE49-F238E27FC236}">
-                <a16:creationId xmlns:a16="http://schemas.microsoft.com/office/drawing/2014/main" xmlns="" id="{4E3F5479-058B-4FA8-92E9-18CAB8CDC5C5}"/>
+                <a16:creationId xmlns="" xmlns:a16="http://schemas.microsoft.com/office/drawing/2014/main" id="{4E3F5479-058B-4FA8-92E9-18CAB8CDC5C5}"/>
               </a:ext>
             </a:extLst>
           </p:cNvPr>
@@ -4858,10 +4945,10 @@
           <p:cNvPr id="14" name="Gerader Verbinder 13">
             <a:extLst>
               <a:ext uri="{FF2B5EF4-FFF2-40B4-BE49-F238E27FC236}">
-                <a16:creationId xmlns:a16="http://schemas.microsoft.com/office/drawing/2014/main" xmlns="" id="{83E690F4-843A-47A5-8620-4FB01C0D8E68}"/>
+                <a16:creationId xmlns="" xmlns:a16="http://schemas.microsoft.com/office/drawing/2014/main" id="{83E690F4-843A-47A5-8620-4FB01C0D8E68}"/>
               </a:ext>
               <a:ext uri="{C183D7F6-B498-43B3-948B-1728B52AA6E4}">
-                <adec:decorative xmlns:adec="http://schemas.microsoft.com/office/drawing/2017/decorative" xmlns="" val="1"/>
+                <adec:decorative xmlns="" xmlns:adec="http://schemas.microsoft.com/office/drawing/2017/decorative" val="1"/>
               </a:ext>
             </a:extLst>
           </p:cNvPr>
@@ -4907,7 +4994,7 @@
           <p:cNvPr id="31" name="Gruppieren 30" descr="Symbol, das ein Balkendiagramm mit einem Liniendiagramm darstellt">
             <a:extLst>
               <a:ext uri="{FF2B5EF4-FFF2-40B4-BE49-F238E27FC236}">
-                <a16:creationId xmlns:a16="http://schemas.microsoft.com/office/drawing/2014/main" xmlns="" id="{044C3643-8A0E-47C1-BEB8-C73203B5E58D}"/>
+                <a16:creationId xmlns="" xmlns:a16="http://schemas.microsoft.com/office/drawing/2014/main" id="{044C3643-8A0E-47C1-BEB8-C73203B5E58D}"/>
               </a:ext>
             </a:extLst>
           </p:cNvPr>
@@ -4930,7 +5017,7 @@
             <p:cNvPr id="32" name="Freihandform 372">
               <a:extLst>
                 <a:ext uri="{FF2B5EF4-FFF2-40B4-BE49-F238E27FC236}">
-                  <a16:creationId xmlns:a16="http://schemas.microsoft.com/office/drawing/2014/main" xmlns="" id="{56E8F5A5-5318-470B-8F42-337C264086AA}"/>
+                  <a16:creationId xmlns="" xmlns:a16="http://schemas.microsoft.com/office/drawing/2014/main" id="{56E8F5A5-5318-470B-8F42-337C264086AA}"/>
                 </a:ext>
               </a:extLst>
             </p:cNvPr>
@@ -5667,7 +5754,7 @@
             <p:cNvPr id="33" name="Freihandform 373">
               <a:extLst>
                 <a:ext uri="{FF2B5EF4-FFF2-40B4-BE49-F238E27FC236}">
-                  <a16:creationId xmlns:a16="http://schemas.microsoft.com/office/drawing/2014/main" xmlns="" id="{6AA1356D-8F1B-4281-BEC5-5B4EBF7467B1}"/>
+                  <a16:creationId xmlns="" xmlns:a16="http://schemas.microsoft.com/office/drawing/2014/main" id="{6AA1356D-8F1B-4281-BEC5-5B4EBF7467B1}"/>
                 </a:ext>
               </a:extLst>
             </p:cNvPr>
@@ -6658,7 +6745,7 @@
           <p:cNvPr id="35" name="Freihandform 4665" descr="Symbol, das einen Graph darstellt ">
             <a:extLst>
               <a:ext uri="{FF2B5EF4-FFF2-40B4-BE49-F238E27FC236}">
-                <a16:creationId xmlns:a16="http://schemas.microsoft.com/office/drawing/2014/main" xmlns="" id="{557E39B2-E017-4E5C-B53E-DDE3B9D4C92C}"/>
+                <a16:creationId xmlns="" xmlns:a16="http://schemas.microsoft.com/office/drawing/2014/main" id="{557E39B2-E017-4E5C-B53E-DDE3B9D4C92C}"/>
               </a:ext>
             </a:extLst>
           </p:cNvPr>
@@ -7851,7 +7938,7 @@
           <p:cNvPr id="36" name="Gruppieren 35" descr="Symbol, das einen Menschen und ein Zahnrad darstellt ">
             <a:extLst>
               <a:ext uri="{FF2B5EF4-FFF2-40B4-BE49-F238E27FC236}">
-                <a16:creationId xmlns:a16="http://schemas.microsoft.com/office/drawing/2014/main" xmlns="" id="{ECC5F635-1712-4572-A9EC-F94E2199DDBD}"/>
+                <a16:creationId xmlns="" xmlns:a16="http://schemas.microsoft.com/office/drawing/2014/main" id="{ECC5F635-1712-4572-A9EC-F94E2199DDBD}"/>
               </a:ext>
             </a:extLst>
           </p:cNvPr>
@@ -7874,7 +7961,7 @@
             <p:cNvPr id="37" name="Freihandform 3673">
               <a:extLst>
                 <a:ext uri="{FF2B5EF4-FFF2-40B4-BE49-F238E27FC236}">
-                  <a16:creationId xmlns:a16="http://schemas.microsoft.com/office/drawing/2014/main" xmlns="" id="{D1391604-D4EC-48A8-AE57-EDF194392FB1}"/>
+                  <a16:creationId xmlns="" xmlns:a16="http://schemas.microsoft.com/office/drawing/2014/main" id="{D1391604-D4EC-48A8-AE57-EDF194392FB1}"/>
                 </a:ext>
               </a:extLst>
             </p:cNvPr>
@@ -8609,7 +8696,7 @@
             <p:cNvPr id="38" name="Freihandform 3674">
               <a:extLst>
                 <a:ext uri="{FF2B5EF4-FFF2-40B4-BE49-F238E27FC236}">
-                  <a16:creationId xmlns:a16="http://schemas.microsoft.com/office/drawing/2014/main" xmlns="" id="{44A4D0F8-0767-41BC-BE62-0AED99EC8B25}"/>
+                  <a16:creationId xmlns="" xmlns:a16="http://schemas.microsoft.com/office/drawing/2014/main" id="{44A4D0F8-0767-41BC-BE62-0AED99EC8B25}"/>
                 </a:ext>
               </a:extLst>
             </p:cNvPr>
@@ -9416,7 +9503,7 @@
           <p:cNvPr id="39" name="Gruppieren 38" descr="Symbol, das Zahnräder darstellt ">
             <a:extLst>
               <a:ext uri="{FF2B5EF4-FFF2-40B4-BE49-F238E27FC236}">
-                <a16:creationId xmlns:a16="http://schemas.microsoft.com/office/drawing/2014/main" xmlns="" id="{5BC0E3F0-447D-4721-AB1F-C8243BA36671}"/>
+                <a16:creationId xmlns="" xmlns:a16="http://schemas.microsoft.com/office/drawing/2014/main" id="{5BC0E3F0-447D-4721-AB1F-C8243BA36671}"/>
               </a:ext>
             </a:extLst>
           </p:cNvPr>
@@ -9439,7 +9526,7 @@
             <p:cNvPr id="40" name="Freihandform 4359">
               <a:extLst>
                 <a:ext uri="{FF2B5EF4-FFF2-40B4-BE49-F238E27FC236}">
-                  <a16:creationId xmlns:a16="http://schemas.microsoft.com/office/drawing/2014/main" xmlns="" id="{351831F3-9830-4A23-8B34-11A3FCCA027E}"/>
+                  <a16:creationId xmlns="" xmlns:a16="http://schemas.microsoft.com/office/drawing/2014/main" id="{351831F3-9830-4A23-8B34-11A3FCCA027E}"/>
                 </a:ext>
               </a:extLst>
             </p:cNvPr>
@@ -10438,7 +10525,7 @@
             <p:cNvPr id="41" name="Freihandform 4360">
               <a:extLst>
                 <a:ext uri="{FF2B5EF4-FFF2-40B4-BE49-F238E27FC236}">
-                  <a16:creationId xmlns:a16="http://schemas.microsoft.com/office/drawing/2014/main" xmlns="" id="{CDB8F87B-81A2-480F-ADA8-BFB5FD890ACD}"/>
+                  <a16:creationId xmlns="" xmlns:a16="http://schemas.microsoft.com/office/drawing/2014/main" id="{CDB8F87B-81A2-480F-ADA8-BFB5FD890ACD}"/>
                 </a:ext>
               </a:extLst>
             </p:cNvPr>
@@ -11353,7 +11440,7 @@
           <p:cNvPr id="42" name="Freihandform 4346" descr="Symbol, das ein Kastengrafikdiagramm darstellt ">
             <a:extLst>
               <a:ext uri="{FF2B5EF4-FFF2-40B4-BE49-F238E27FC236}">
-                <a16:creationId xmlns:a16="http://schemas.microsoft.com/office/drawing/2014/main" xmlns="" id="{D131817A-5B27-4718-8BAC-45C9CEDA45D9}"/>
+                <a16:creationId xmlns="" xmlns:a16="http://schemas.microsoft.com/office/drawing/2014/main" id="{D131817A-5B27-4718-8BAC-45C9CEDA45D9}"/>
               </a:ext>
             </a:extLst>
           </p:cNvPr>
@@ -13068,7 +13155,7 @@
           <p:cNvPr id="2" name="Textfeld 1">
             <a:extLst>
               <a:ext uri="{FF2B5EF4-FFF2-40B4-BE49-F238E27FC236}">
-                <a16:creationId xmlns:a16="http://schemas.microsoft.com/office/drawing/2014/main" xmlns="" id="{59919A1F-B0E3-4494-8033-4C8D44E65BB2}"/>
+                <a16:creationId xmlns="" xmlns:a16="http://schemas.microsoft.com/office/drawing/2014/main" id="{59919A1F-B0E3-4494-8033-4C8D44E65BB2}"/>
               </a:ext>
             </a:extLst>
           </p:cNvPr>
@@ -13095,7 +13182,6 @@
               <a:rPr lang="en-US" sz="2400" dirty="0" smtClean="0"/>
               <a:t>Web Application for searching Cocktail-Recipes </a:t>
             </a:r>
-            <a:endParaRPr lang="en-US" sz="2400" dirty="0" smtClean="0"/>
           </a:p>
           <a:p>
             <a:pPr marL="342900" indent="-342900">
@@ -13104,15 +13190,7 @@
             </a:pPr>
             <a:r>
               <a:rPr lang="en-US" sz="2400" dirty="0" smtClean="0"/>
-              <a:t>Cocktails </a:t>
-            </a:r>
-            <a:r>
-              <a:rPr lang="en-US" sz="2400" dirty="0" smtClean="0"/>
-              <a:t>with specific </a:t>
-            </a:r>
-            <a:r>
-              <a:rPr lang="en-US" sz="2400" dirty="0" smtClean="0"/>
-              <a:t>ingredients</a:t>
+              <a:t>Cocktails with specific ingredients</a:t>
             </a:r>
           </a:p>
           <a:p>
@@ -13122,11 +13200,7 @@
             </a:pPr>
             <a:r>
               <a:rPr lang="en-US" sz="2400" dirty="0" smtClean="0"/>
-              <a:t>Random </a:t>
-            </a:r>
-            <a:r>
-              <a:rPr lang="en-US" sz="2400" dirty="0" smtClean="0"/>
-              <a:t>Cocktails</a:t>
+              <a:t>Random Cocktails</a:t>
             </a:r>
           </a:p>
           <a:p>
@@ -13136,11 +13210,7 @@
           <a:p>
             <a:r>
               <a:rPr lang="en-US" sz="2400" dirty="0" smtClean="0"/>
-              <a:t>User registration with following </a:t>
-            </a:r>
-            <a:r>
-              <a:rPr lang="en-US" sz="2400" dirty="0" smtClean="0"/>
-              <a:t>features:</a:t>
+              <a:t>User registration with following features:</a:t>
             </a:r>
           </a:p>
           <a:p>
@@ -13150,15 +13220,7 @@
             </a:pPr>
             <a:r>
               <a:rPr lang="en-US" sz="2400" dirty="0" smtClean="0"/>
-              <a:t>Creating </a:t>
-            </a:r>
-            <a:r>
-              <a:rPr lang="en-US" sz="2400" dirty="0" smtClean="0"/>
-              <a:t>Cocktails for other </a:t>
-            </a:r>
-            <a:r>
-              <a:rPr lang="en-US" sz="2400" dirty="0" smtClean="0"/>
-              <a:t>visitors</a:t>
+              <a:t>Creating Cocktails for other visitors</a:t>
             </a:r>
           </a:p>
           <a:p>
@@ -13168,15 +13230,7 @@
             </a:pPr>
             <a:r>
               <a:rPr lang="en-US" sz="2400" dirty="0" smtClean="0"/>
-              <a:t>Reviewing </a:t>
-            </a:r>
-            <a:r>
-              <a:rPr lang="en-US" sz="2400" dirty="0" smtClean="0"/>
-              <a:t>and rating existing </a:t>
-            </a:r>
-            <a:r>
-              <a:rPr lang="en-US" sz="2400" dirty="0" smtClean="0"/>
-              <a:t>Cocktails</a:t>
+              <a:t>Reviewing and rating existing Cocktails</a:t>
             </a:r>
           </a:p>
           <a:p>
@@ -13186,11 +13240,7 @@
             </a:pPr>
             <a:r>
               <a:rPr lang="en-US" sz="2400" dirty="0" smtClean="0"/>
-              <a:t>Bookmark </a:t>
-            </a:r>
-            <a:r>
-              <a:rPr lang="en-US" sz="2400" dirty="0" smtClean="0"/>
-              <a:t>favorite Cocktails</a:t>
+              <a:t>Bookmark favorite Cocktails</a:t>
             </a:r>
           </a:p>
           <a:p>
@@ -13203,11 +13253,7 @@
           <a:p>
             <a:r>
               <a:rPr lang="en-US" sz="2400" dirty="0" smtClean="0"/>
-              <a:t>Moderator with following </a:t>
-            </a:r>
-            <a:r>
-              <a:rPr lang="en-US" sz="2400" dirty="0" smtClean="0"/>
-              <a:t>features:</a:t>
+              <a:t>Moderator with following features:</a:t>
             </a:r>
           </a:p>
           <a:p>
@@ -13227,11 +13273,7 @@
             </a:pPr>
             <a:r>
               <a:rPr lang="en-US" sz="2400" dirty="0" smtClean="0"/>
-              <a:t>Remove </a:t>
-            </a:r>
-            <a:r>
-              <a:rPr lang="en-US" sz="2400" dirty="0" smtClean="0"/>
-              <a:t>Reviews</a:t>
+              <a:t>Remove Reviews</a:t>
             </a:r>
           </a:p>
           <a:p>
@@ -13241,11 +13283,7 @@
             </a:pPr>
             <a:r>
               <a:rPr lang="en-US" sz="2400" dirty="0" smtClean="0"/>
-              <a:t>Blacklist </a:t>
-            </a:r>
-            <a:r>
-              <a:rPr lang="en-US" sz="2400" dirty="0" smtClean="0"/>
-              <a:t>Cocktails</a:t>
+              <a:t>Blacklist Cocktails</a:t>
             </a:r>
           </a:p>
           <a:p>
@@ -13278,7 +13316,7 @@
           <p:cNvPr id="5" name="Gruppieren 4">
             <a:extLst>
               <a:ext uri="{FF2B5EF4-FFF2-40B4-BE49-F238E27FC236}">
-                <a16:creationId xmlns:a16="http://schemas.microsoft.com/office/drawing/2014/main" xmlns="" id="{578740F7-8698-4ECA-8037-3100C8714F83}"/>
+                <a16:creationId xmlns="" xmlns:a16="http://schemas.microsoft.com/office/drawing/2014/main" id="{578740F7-8698-4ECA-8037-3100C8714F83}"/>
               </a:ext>
             </a:extLst>
           </p:cNvPr>
@@ -13299,7 +13337,7 @@
               <a:hlinkClick r:id="rId4"/>
               <a:extLst>
                 <a:ext uri="{FF2B5EF4-FFF2-40B4-BE49-F238E27FC236}">
-                  <a16:creationId xmlns:a16="http://schemas.microsoft.com/office/drawing/2014/main" xmlns="" id="{7CA7C01B-3349-49FB-A04B-6B5278F6A4B6}"/>
+                  <a16:creationId xmlns="" xmlns:a16="http://schemas.microsoft.com/office/drawing/2014/main" id="{7CA7C01B-3349-49FB-A04B-6B5278F6A4B6}"/>
                 </a:ext>
               </a:extLst>
             </p:cNvPr>
@@ -13335,7 +13373,7 @@
             <p:cNvPr id="3" name="Textfeld 2">
               <a:extLst>
                 <a:ext uri="{FF2B5EF4-FFF2-40B4-BE49-F238E27FC236}">
-                  <a16:creationId xmlns:a16="http://schemas.microsoft.com/office/drawing/2014/main" xmlns="" id="{4FE7F08F-8B70-4C59-9FB2-378E2789EC1A}"/>
+                  <a16:creationId xmlns="" xmlns:a16="http://schemas.microsoft.com/office/drawing/2014/main" id="{4FE7F08F-8B70-4C59-9FB2-378E2789EC1A}"/>
                 </a:ext>
               </a:extLst>
             </p:cNvPr>
@@ -13409,10 +13447,10 @@
           <p:cNvPr id="2" name="Gerader Verbinder 7">
             <a:extLst>
               <a:ext uri="{FF2B5EF4-FFF2-40B4-BE49-F238E27FC236}">
-                <a16:creationId xmlns:a16="http://schemas.microsoft.com/office/drawing/2014/main" xmlns="" id="{D0986099-F5F2-4E8B-BE17-81194861A00C}"/>
+                <a16:creationId xmlns="" xmlns:a16="http://schemas.microsoft.com/office/drawing/2014/main" id="{D0986099-F5F2-4E8B-BE17-81194861A00C}"/>
               </a:ext>
               <a:ext uri="{C183D7F6-B498-43B3-948B-1728B52AA6E4}">
-                <adec:decorative xmlns:adec="http://schemas.microsoft.com/office/drawing/2017/decorative" xmlns="" val="1"/>
+                <adec:decorative xmlns="" xmlns:adec="http://schemas.microsoft.com/office/drawing/2017/decorative" val="1"/>
               </a:ext>
             </a:extLst>
           </p:cNvPr>
@@ -13458,7 +13496,7 @@
           <p:cNvPr id="3" name="Titel 1">
             <a:extLst>
               <a:ext uri="{FF2B5EF4-FFF2-40B4-BE49-F238E27FC236}">
-                <a16:creationId xmlns:a16="http://schemas.microsoft.com/office/drawing/2014/main" xmlns="" id="{4E3F5479-058B-4FA8-92E9-18CAB8CDC5C5}"/>
+                <a16:creationId xmlns="" xmlns:a16="http://schemas.microsoft.com/office/drawing/2014/main" id="{4E3F5479-058B-4FA8-92E9-18CAB8CDC5C5}"/>
               </a:ext>
             </a:extLst>
           </p:cNvPr>
@@ -13528,10 +13566,10 @@
           <p:cNvPr id="4" name="Gerader Verbinder 13">
             <a:extLst>
               <a:ext uri="{FF2B5EF4-FFF2-40B4-BE49-F238E27FC236}">
-                <a16:creationId xmlns:a16="http://schemas.microsoft.com/office/drawing/2014/main" xmlns="" id="{83E690F4-843A-47A5-8620-4FB01C0D8E68}"/>
+                <a16:creationId xmlns="" xmlns:a16="http://schemas.microsoft.com/office/drawing/2014/main" id="{83E690F4-843A-47A5-8620-4FB01C0D8E68}"/>
               </a:ext>
               <a:ext uri="{C183D7F6-B498-43B3-948B-1728B52AA6E4}">
-                <adec:decorative xmlns:adec="http://schemas.microsoft.com/office/drawing/2017/decorative" xmlns="" val="1"/>
+                <adec:decorative xmlns="" xmlns:adec="http://schemas.microsoft.com/office/drawing/2017/decorative" val="1"/>
               </a:ext>
             </a:extLst>
           </p:cNvPr>
@@ -13690,7 +13728,7 @@
           <p:cNvPr id="4" name="Titel 3" hidden="1">
             <a:extLst>
               <a:ext uri="{FF2B5EF4-FFF2-40B4-BE49-F238E27FC236}">
-                <a16:creationId xmlns:a16="http://schemas.microsoft.com/office/drawing/2014/main" xmlns="" id="{B5981CF1-BC08-49F8-B0F9-AAF98EC67450}"/>
+                <a16:creationId xmlns="" xmlns:a16="http://schemas.microsoft.com/office/drawing/2014/main" id="{B5981CF1-BC08-49F8-B0F9-AAF98EC67450}"/>
               </a:ext>
             </a:extLst>
           </p:cNvPr>
@@ -13723,10 +13761,10 @@
           <p:cNvPr id="8" name="Gerader Verbinder 7">
             <a:extLst>
               <a:ext uri="{FF2B5EF4-FFF2-40B4-BE49-F238E27FC236}">
-                <a16:creationId xmlns:a16="http://schemas.microsoft.com/office/drawing/2014/main" xmlns="" id="{D0986099-F5F2-4E8B-BE17-81194861A00C}"/>
+                <a16:creationId xmlns="" xmlns:a16="http://schemas.microsoft.com/office/drawing/2014/main" id="{D0986099-F5F2-4E8B-BE17-81194861A00C}"/>
               </a:ext>
               <a:ext uri="{C183D7F6-B498-43B3-948B-1728B52AA6E4}">
-                <adec:decorative xmlns:adec="http://schemas.microsoft.com/office/drawing/2017/decorative" xmlns="" val="1"/>
+                <adec:decorative xmlns="" xmlns:adec="http://schemas.microsoft.com/office/drawing/2017/decorative" val="1"/>
               </a:ext>
             </a:extLst>
           </p:cNvPr>
@@ -13772,7 +13810,7 @@
           <p:cNvPr id="11" name="Titel 1">
             <a:extLst>
               <a:ext uri="{FF2B5EF4-FFF2-40B4-BE49-F238E27FC236}">
-                <a16:creationId xmlns:a16="http://schemas.microsoft.com/office/drawing/2014/main" xmlns="" id="{4E3F5479-058B-4FA8-92E9-18CAB8CDC5C5}"/>
+                <a16:creationId xmlns="" xmlns:a16="http://schemas.microsoft.com/office/drawing/2014/main" id="{4E3F5479-058B-4FA8-92E9-18CAB8CDC5C5}"/>
               </a:ext>
             </a:extLst>
           </p:cNvPr>
@@ -13842,10 +13880,10 @@
           <p:cNvPr id="14" name="Gerader Verbinder 13">
             <a:extLst>
               <a:ext uri="{FF2B5EF4-FFF2-40B4-BE49-F238E27FC236}">
-                <a16:creationId xmlns:a16="http://schemas.microsoft.com/office/drawing/2014/main" xmlns="" id="{83E690F4-843A-47A5-8620-4FB01C0D8E68}"/>
+                <a16:creationId xmlns="" xmlns:a16="http://schemas.microsoft.com/office/drawing/2014/main" id="{83E690F4-843A-47A5-8620-4FB01C0D8E68}"/>
               </a:ext>
               <a:ext uri="{C183D7F6-B498-43B3-948B-1728B52AA6E4}">
-                <adec:decorative xmlns:adec="http://schemas.microsoft.com/office/drawing/2017/decorative" xmlns="" val="1"/>
+                <adec:decorative xmlns="" xmlns:adec="http://schemas.microsoft.com/office/drawing/2017/decorative" val="1"/>
               </a:ext>
             </a:extLst>
           </p:cNvPr>
@@ -13891,7 +13929,7 @@
           <p:cNvPr id="31" name="Gruppieren 30" descr="Symbol, das ein Balkendiagramm mit einem Liniendiagramm darstellt">
             <a:extLst>
               <a:ext uri="{FF2B5EF4-FFF2-40B4-BE49-F238E27FC236}">
-                <a16:creationId xmlns:a16="http://schemas.microsoft.com/office/drawing/2014/main" xmlns="" id="{044C3643-8A0E-47C1-BEB8-C73203B5E58D}"/>
+                <a16:creationId xmlns="" xmlns:a16="http://schemas.microsoft.com/office/drawing/2014/main" id="{044C3643-8A0E-47C1-BEB8-C73203B5E58D}"/>
               </a:ext>
             </a:extLst>
           </p:cNvPr>
@@ -13914,7 +13952,7 @@
             <p:cNvPr id="32" name="Freihandform 372">
               <a:extLst>
                 <a:ext uri="{FF2B5EF4-FFF2-40B4-BE49-F238E27FC236}">
-                  <a16:creationId xmlns:a16="http://schemas.microsoft.com/office/drawing/2014/main" xmlns="" id="{56E8F5A5-5318-470B-8F42-337C264086AA}"/>
+                  <a16:creationId xmlns="" xmlns:a16="http://schemas.microsoft.com/office/drawing/2014/main" id="{56E8F5A5-5318-470B-8F42-337C264086AA}"/>
                 </a:ext>
               </a:extLst>
             </p:cNvPr>
@@ -14651,7 +14689,7 @@
             <p:cNvPr id="33" name="Freihandform 373">
               <a:extLst>
                 <a:ext uri="{FF2B5EF4-FFF2-40B4-BE49-F238E27FC236}">
-                  <a16:creationId xmlns:a16="http://schemas.microsoft.com/office/drawing/2014/main" xmlns="" id="{6AA1356D-8F1B-4281-BEC5-5B4EBF7467B1}"/>
+                  <a16:creationId xmlns="" xmlns:a16="http://schemas.microsoft.com/office/drawing/2014/main" id="{6AA1356D-8F1B-4281-BEC5-5B4EBF7467B1}"/>
                 </a:ext>
               </a:extLst>
             </p:cNvPr>
@@ -15642,7 +15680,7 @@
           <p:cNvPr id="35" name="Freihandform 4665" descr="Symbol, das einen Graph darstellt ">
             <a:extLst>
               <a:ext uri="{FF2B5EF4-FFF2-40B4-BE49-F238E27FC236}">
-                <a16:creationId xmlns:a16="http://schemas.microsoft.com/office/drawing/2014/main" xmlns="" id="{557E39B2-E017-4E5C-B53E-DDE3B9D4C92C}"/>
+                <a16:creationId xmlns="" xmlns:a16="http://schemas.microsoft.com/office/drawing/2014/main" id="{557E39B2-E017-4E5C-B53E-DDE3B9D4C92C}"/>
               </a:ext>
             </a:extLst>
           </p:cNvPr>
@@ -16835,7 +16873,7 @@
           <p:cNvPr id="36" name="Gruppieren 35" descr="Symbol, das einen Menschen und ein Zahnrad darstellt ">
             <a:extLst>
               <a:ext uri="{FF2B5EF4-FFF2-40B4-BE49-F238E27FC236}">
-                <a16:creationId xmlns:a16="http://schemas.microsoft.com/office/drawing/2014/main" xmlns="" id="{ECC5F635-1712-4572-A9EC-F94E2199DDBD}"/>
+                <a16:creationId xmlns="" xmlns:a16="http://schemas.microsoft.com/office/drawing/2014/main" id="{ECC5F635-1712-4572-A9EC-F94E2199DDBD}"/>
               </a:ext>
             </a:extLst>
           </p:cNvPr>
@@ -16858,7 +16896,7 @@
             <p:cNvPr id="37" name="Freihandform 3673">
               <a:extLst>
                 <a:ext uri="{FF2B5EF4-FFF2-40B4-BE49-F238E27FC236}">
-                  <a16:creationId xmlns:a16="http://schemas.microsoft.com/office/drawing/2014/main" xmlns="" id="{D1391604-D4EC-48A8-AE57-EDF194392FB1}"/>
+                  <a16:creationId xmlns="" xmlns:a16="http://schemas.microsoft.com/office/drawing/2014/main" id="{D1391604-D4EC-48A8-AE57-EDF194392FB1}"/>
                 </a:ext>
               </a:extLst>
             </p:cNvPr>
@@ -17593,7 +17631,7 @@
             <p:cNvPr id="38" name="Freihandform 3674">
               <a:extLst>
                 <a:ext uri="{FF2B5EF4-FFF2-40B4-BE49-F238E27FC236}">
-                  <a16:creationId xmlns:a16="http://schemas.microsoft.com/office/drawing/2014/main" xmlns="" id="{44A4D0F8-0767-41BC-BE62-0AED99EC8B25}"/>
+                  <a16:creationId xmlns="" xmlns:a16="http://schemas.microsoft.com/office/drawing/2014/main" id="{44A4D0F8-0767-41BC-BE62-0AED99EC8B25}"/>
                 </a:ext>
               </a:extLst>
             </p:cNvPr>
@@ -18400,7 +18438,7 @@
           <p:cNvPr id="39" name="Gruppieren 38" descr="Symbol, das Zahnräder darstellt ">
             <a:extLst>
               <a:ext uri="{FF2B5EF4-FFF2-40B4-BE49-F238E27FC236}">
-                <a16:creationId xmlns:a16="http://schemas.microsoft.com/office/drawing/2014/main" xmlns="" id="{5BC0E3F0-447D-4721-AB1F-C8243BA36671}"/>
+                <a16:creationId xmlns="" xmlns:a16="http://schemas.microsoft.com/office/drawing/2014/main" id="{5BC0E3F0-447D-4721-AB1F-C8243BA36671}"/>
               </a:ext>
             </a:extLst>
           </p:cNvPr>
@@ -18423,7 +18461,7 @@
             <p:cNvPr id="40" name="Freihandform 4359">
               <a:extLst>
                 <a:ext uri="{FF2B5EF4-FFF2-40B4-BE49-F238E27FC236}">
-                  <a16:creationId xmlns:a16="http://schemas.microsoft.com/office/drawing/2014/main" xmlns="" id="{351831F3-9830-4A23-8B34-11A3FCCA027E}"/>
+                  <a16:creationId xmlns="" xmlns:a16="http://schemas.microsoft.com/office/drawing/2014/main" id="{351831F3-9830-4A23-8B34-11A3FCCA027E}"/>
                 </a:ext>
               </a:extLst>
             </p:cNvPr>
@@ -19422,7 +19460,7 @@
             <p:cNvPr id="41" name="Freihandform 4360">
               <a:extLst>
                 <a:ext uri="{FF2B5EF4-FFF2-40B4-BE49-F238E27FC236}">
-                  <a16:creationId xmlns:a16="http://schemas.microsoft.com/office/drawing/2014/main" xmlns="" id="{CDB8F87B-81A2-480F-ADA8-BFB5FD890ACD}"/>
+                  <a16:creationId xmlns="" xmlns:a16="http://schemas.microsoft.com/office/drawing/2014/main" id="{CDB8F87B-81A2-480F-ADA8-BFB5FD890ACD}"/>
                 </a:ext>
               </a:extLst>
             </p:cNvPr>
@@ -20337,7 +20375,7 @@
           <p:cNvPr id="42" name="Freihandform 4346" descr="Symbol, das ein Kastengrafikdiagramm darstellt ">
             <a:extLst>
               <a:ext uri="{FF2B5EF4-FFF2-40B4-BE49-F238E27FC236}">
-                <a16:creationId xmlns:a16="http://schemas.microsoft.com/office/drawing/2014/main" xmlns="" id="{D131817A-5B27-4718-8BAC-45C9CEDA45D9}"/>
+                <a16:creationId xmlns="" xmlns:a16="http://schemas.microsoft.com/office/drawing/2014/main" id="{D131817A-5B27-4718-8BAC-45C9CEDA45D9}"/>
               </a:ext>
             </a:extLst>
           </p:cNvPr>
@@ -22052,7 +22090,7 @@
           <p:cNvPr id="2" name="Textfeld 1">
             <a:extLst>
               <a:ext uri="{FF2B5EF4-FFF2-40B4-BE49-F238E27FC236}">
-                <a16:creationId xmlns:a16="http://schemas.microsoft.com/office/drawing/2014/main" xmlns="" id="{59919A1F-B0E3-4494-8033-4C8D44E65BB2}"/>
+                <a16:creationId xmlns="" xmlns:a16="http://schemas.microsoft.com/office/drawing/2014/main" id="{59919A1F-B0E3-4494-8033-4C8D44E65BB2}"/>
               </a:ext>
             </a:extLst>
           </p:cNvPr>
@@ -22089,7 +22127,6 @@
               <a:rPr lang="en-US" sz="2400" dirty="0" smtClean="0"/>
               <a:t>Cocktail REST API</a:t>
             </a:r>
-            <a:endParaRPr lang="en-US" sz="2400" dirty="0" smtClean="0"/>
           </a:p>
           <a:p>
             <a:pPr marL="342900" indent="-342900">
@@ -22102,11 +22139,7 @@
             </a:r>
             <a:r>
               <a:rPr lang="en-US" sz="2400" dirty="0" smtClean="0"/>
-              <a:t>web </a:t>
-            </a:r>
-            <a:r>
-              <a:rPr lang="en-US" sz="2400" dirty="0" smtClean="0"/>
-              <a:t>framework (Python)</a:t>
+              <a:t>web framework (Python)</a:t>
             </a:r>
           </a:p>
           <a:p>
@@ -22139,7 +22172,6 @@
               <a:rPr lang="en-US" sz="2400" b="1" dirty="0" smtClean="0"/>
               <a:t>Front-end:</a:t>
             </a:r>
-            <a:endParaRPr lang="en-US" sz="2400" b="1" dirty="0" smtClean="0"/>
           </a:p>
           <a:p>
             <a:pPr marL="342900" indent="-342900">
@@ -22199,7 +22231,6 @@
               <a:rPr lang="en-US" sz="2400" dirty="0" smtClean="0"/>
               <a:t>Font Awesome</a:t>
             </a:r>
-            <a:endParaRPr lang="en-US" sz="2400" dirty="0" smtClean="0"/>
           </a:p>
           <a:p>
             <a:pPr marL="285750" indent="-285750">
@@ -22532,10 +22563,10 @@
           <p:cNvPr id="3" name="Gerader Verbinder 7">
             <a:extLst>
               <a:ext uri="{FF2B5EF4-FFF2-40B4-BE49-F238E27FC236}">
-                <a16:creationId xmlns:a16="http://schemas.microsoft.com/office/drawing/2014/main" xmlns="" id="{D0986099-F5F2-4E8B-BE17-81194861A00C}"/>
+                <a16:creationId xmlns="" xmlns:a16="http://schemas.microsoft.com/office/drawing/2014/main" id="{D0986099-F5F2-4E8B-BE17-81194861A00C}"/>
               </a:ext>
               <a:ext uri="{C183D7F6-B498-43B3-948B-1728B52AA6E4}">
-                <adec:decorative xmlns:adec="http://schemas.microsoft.com/office/drawing/2017/decorative" xmlns="" val="1"/>
+                <adec:decorative xmlns="" xmlns:adec="http://schemas.microsoft.com/office/drawing/2017/decorative" val="1"/>
               </a:ext>
             </a:extLst>
           </p:cNvPr>
@@ -22581,7 +22612,7 @@
           <p:cNvPr id="4" name="Titel 1">
             <a:extLst>
               <a:ext uri="{FF2B5EF4-FFF2-40B4-BE49-F238E27FC236}">
-                <a16:creationId xmlns:a16="http://schemas.microsoft.com/office/drawing/2014/main" xmlns="" id="{4E3F5479-058B-4FA8-92E9-18CAB8CDC5C5}"/>
+                <a16:creationId xmlns="" xmlns:a16="http://schemas.microsoft.com/office/drawing/2014/main" id="{4E3F5479-058B-4FA8-92E9-18CAB8CDC5C5}"/>
               </a:ext>
             </a:extLst>
           </p:cNvPr>
@@ -22651,10 +22682,10 @@
           <p:cNvPr id="5" name="Gerader Verbinder 13">
             <a:extLst>
               <a:ext uri="{FF2B5EF4-FFF2-40B4-BE49-F238E27FC236}">
-                <a16:creationId xmlns:a16="http://schemas.microsoft.com/office/drawing/2014/main" xmlns="" id="{83E690F4-843A-47A5-8620-4FB01C0D8E68}"/>
+                <a16:creationId xmlns="" xmlns:a16="http://schemas.microsoft.com/office/drawing/2014/main" id="{83E690F4-843A-47A5-8620-4FB01C0D8E68}"/>
               </a:ext>
               <a:ext uri="{C183D7F6-B498-43B3-948B-1728B52AA6E4}">
-                <adec:decorative xmlns:adec="http://schemas.microsoft.com/office/drawing/2017/decorative" xmlns="" val="1"/>
+                <adec:decorative xmlns="" xmlns:adec="http://schemas.microsoft.com/office/drawing/2017/decorative" val="1"/>
               </a:ext>
             </a:extLst>
           </p:cNvPr>
@@ -22737,7 +22768,7 @@
           <p:cNvPr id="4" name="Titel 3" hidden="1">
             <a:extLst>
               <a:ext uri="{FF2B5EF4-FFF2-40B4-BE49-F238E27FC236}">
-                <a16:creationId xmlns:a16="http://schemas.microsoft.com/office/drawing/2014/main" xmlns="" id="{B5981CF1-BC08-49F8-B0F9-AAF98EC67450}"/>
+                <a16:creationId xmlns="" xmlns:a16="http://schemas.microsoft.com/office/drawing/2014/main" id="{B5981CF1-BC08-49F8-B0F9-AAF98EC67450}"/>
               </a:ext>
             </a:extLst>
           </p:cNvPr>
@@ -22770,10 +22801,10 @@
           <p:cNvPr id="8" name="Gerader Verbinder 7">
             <a:extLst>
               <a:ext uri="{FF2B5EF4-FFF2-40B4-BE49-F238E27FC236}">
-                <a16:creationId xmlns:a16="http://schemas.microsoft.com/office/drawing/2014/main" xmlns="" id="{D0986099-F5F2-4E8B-BE17-81194861A00C}"/>
+                <a16:creationId xmlns="" xmlns:a16="http://schemas.microsoft.com/office/drawing/2014/main" id="{D0986099-F5F2-4E8B-BE17-81194861A00C}"/>
               </a:ext>
               <a:ext uri="{C183D7F6-B498-43B3-948B-1728B52AA6E4}">
-                <adec:decorative xmlns:adec="http://schemas.microsoft.com/office/drawing/2017/decorative" xmlns="" val="1"/>
+                <adec:decorative xmlns="" xmlns:adec="http://schemas.microsoft.com/office/drawing/2017/decorative" val="1"/>
               </a:ext>
             </a:extLst>
           </p:cNvPr>
@@ -22819,7 +22850,7 @@
           <p:cNvPr id="11" name="Titel 1">
             <a:extLst>
               <a:ext uri="{FF2B5EF4-FFF2-40B4-BE49-F238E27FC236}">
-                <a16:creationId xmlns:a16="http://schemas.microsoft.com/office/drawing/2014/main" xmlns="" id="{4E3F5479-058B-4FA8-92E9-18CAB8CDC5C5}"/>
+                <a16:creationId xmlns="" xmlns:a16="http://schemas.microsoft.com/office/drawing/2014/main" id="{4E3F5479-058B-4FA8-92E9-18CAB8CDC5C5}"/>
               </a:ext>
             </a:extLst>
           </p:cNvPr>
@@ -22889,10 +22920,10 @@
           <p:cNvPr id="14" name="Gerader Verbinder 13">
             <a:extLst>
               <a:ext uri="{FF2B5EF4-FFF2-40B4-BE49-F238E27FC236}">
-                <a16:creationId xmlns:a16="http://schemas.microsoft.com/office/drawing/2014/main" xmlns="" id="{83E690F4-843A-47A5-8620-4FB01C0D8E68}"/>
+                <a16:creationId xmlns="" xmlns:a16="http://schemas.microsoft.com/office/drawing/2014/main" id="{83E690F4-843A-47A5-8620-4FB01C0D8E68}"/>
               </a:ext>
               <a:ext uri="{C183D7F6-B498-43B3-948B-1728B52AA6E4}">
-                <adec:decorative xmlns:adec="http://schemas.microsoft.com/office/drawing/2017/decorative" xmlns="" val="1"/>
+                <adec:decorative xmlns="" xmlns:adec="http://schemas.microsoft.com/office/drawing/2017/decorative" val="1"/>
               </a:ext>
             </a:extLst>
           </p:cNvPr>
@@ -22938,7 +22969,7 @@
           <p:cNvPr id="31" name="Gruppieren 30" descr="Symbol, das ein Balkendiagramm mit einem Liniendiagramm darstellt">
             <a:extLst>
               <a:ext uri="{FF2B5EF4-FFF2-40B4-BE49-F238E27FC236}">
-                <a16:creationId xmlns:a16="http://schemas.microsoft.com/office/drawing/2014/main" xmlns="" id="{044C3643-8A0E-47C1-BEB8-C73203B5E58D}"/>
+                <a16:creationId xmlns="" xmlns:a16="http://schemas.microsoft.com/office/drawing/2014/main" id="{044C3643-8A0E-47C1-BEB8-C73203B5E58D}"/>
               </a:ext>
             </a:extLst>
           </p:cNvPr>
@@ -22961,7 +22992,7 @@
             <p:cNvPr id="32" name="Freihandform 372">
               <a:extLst>
                 <a:ext uri="{FF2B5EF4-FFF2-40B4-BE49-F238E27FC236}">
-                  <a16:creationId xmlns:a16="http://schemas.microsoft.com/office/drawing/2014/main" xmlns="" id="{56E8F5A5-5318-470B-8F42-337C264086AA}"/>
+                  <a16:creationId xmlns="" xmlns:a16="http://schemas.microsoft.com/office/drawing/2014/main" id="{56E8F5A5-5318-470B-8F42-337C264086AA}"/>
                 </a:ext>
               </a:extLst>
             </p:cNvPr>
@@ -23698,7 +23729,7 @@
             <p:cNvPr id="33" name="Freihandform 373">
               <a:extLst>
                 <a:ext uri="{FF2B5EF4-FFF2-40B4-BE49-F238E27FC236}">
-                  <a16:creationId xmlns:a16="http://schemas.microsoft.com/office/drawing/2014/main" xmlns="" id="{6AA1356D-8F1B-4281-BEC5-5B4EBF7467B1}"/>
+                  <a16:creationId xmlns="" xmlns:a16="http://schemas.microsoft.com/office/drawing/2014/main" id="{6AA1356D-8F1B-4281-BEC5-5B4EBF7467B1}"/>
                 </a:ext>
               </a:extLst>
             </p:cNvPr>
@@ -24689,7 +24720,7 @@
           <p:cNvPr id="35" name="Freihandform 4665" descr="Symbol, das einen Graph darstellt ">
             <a:extLst>
               <a:ext uri="{FF2B5EF4-FFF2-40B4-BE49-F238E27FC236}">
-                <a16:creationId xmlns:a16="http://schemas.microsoft.com/office/drawing/2014/main" xmlns="" id="{557E39B2-E017-4E5C-B53E-DDE3B9D4C92C}"/>
+                <a16:creationId xmlns="" xmlns:a16="http://schemas.microsoft.com/office/drawing/2014/main" id="{557E39B2-E017-4E5C-B53E-DDE3B9D4C92C}"/>
               </a:ext>
             </a:extLst>
           </p:cNvPr>
@@ -25882,7 +25913,7 @@
           <p:cNvPr id="36" name="Gruppieren 35" descr="Symbol, das einen Menschen und ein Zahnrad darstellt ">
             <a:extLst>
               <a:ext uri="{FF2B5EF4-FFF2-40B4-BE49-F238E27FC236}">
-                <a16:creationId xmlns:a16="http://schemas.microsoft.com/office/drawing/2014/main" xmlns="" id="{ECC5F635-1712-4572-A9EC-F94E2199DDBD}"/>
+                <a16:creationId xmlns="" xmlns:a16="http://schemas.microsoft.com/office/drawing/2014/main" id="{ECC5F635-1712-4572-A9EC-F94E2199DDBD}"/>
               </a:ext>
             </a:extLst>
           </p:cNvPr>
@@ -25905,7 +25936,7 @@
             <p:cNvPr id="37" name="Freihandform 3673">
               <a:extLst>
                 <a:ext uri="{FF2B5EF4-FFF2-40B4-BE49-F238E27FC236}">
-                  <a16:creationId xmlns:a16="http://schemas.microsoft.com/office/drawing/2014/main" xmlns="" id="{D1391604-D4EC-48A8-AE57-EDF194392FB1}"/>
+                  <a16:creationId xmlns="" xmlns:a16="http://schemas.microsoft.com/office/drawing/2014/main" id="{D1391604-D4EC-48A8-AE57-EDF194392FB1}"/>
                 </a:ext>
               </a:extLst>
             </p:cNvPr>
@@ -26640,7 +26671,7 @@
             <p:cNvPr id="38" name="Freihandform 3674">
               <a:extLst>
                 <a:ext uri="{FF2B5EF4-FFF2-40B4-BE49-F238E27FC236}">
-                  <a16:creationId xmlns:a16="http://schemas.microsoft.com/office/drawing/2014/main" xmlns="" id="{44A4D0F8-0767-41BC-BE62-0AED99EC8B25}"/>
+                  <a16:creationId xmlns="" xmlns:a16="http://schemas.microsoft.com/office/drawing/2014/main" id="{44A4D0F8-0767-41BC-BE62-0AED99EC8B25}"/>
                 </a:ext>
               </a:extLst>
             </p:cNvPr>
@@ -27447,7 +27478,7 @@
           <p:cNvPr id="39" name="Gruppieren 38" descr="Symbol, das Zahnräder darstellt ">
             <a:extLst>
               <a:ext uri="{FF2B5EF4-FFF2-40B4-BE49-F238E27FC236}">
-                <a16:creationId xmlns:a16="http://schemas.microsoft.com/office/drawing/2014/main" xmlns="" id="{5BC0E3F0-447D-4721-AB1F-C8243BA36671}"/>
+                <a16:creationId xmlns="" xmlns:a16="http://schemas.microsoft.com/office/drawing/2014/main" id="{5BC0E3F0-447D-4721-AB1F-C8243BA36671}"/>
               </a:ext>
             </a:extLst>
           </p:cNvPr>
@@ -27470,7 +27501,7 @@
             <p:cNvPr id="40" name="Freihandform 4359">
               <a:extLst>
                 <a:ext uri="{FF2B5EF4-FFF2-40B4-BE49-F238E27FC236}">
-                  <a16:creationId xmlns:a16="http://schemas.microsoft.com/office/drawing/2014/main" xmlns="" id="{351831F3-9830-4A23-8B34-11A3FCCA027E}"/>
+                  <a16:creationId xmlns="" xmlns:a16="http://schemas.microsoft.com/office/drawing/2014/main" id="{351831F3-9830-4A23-8B34-11A3FCCA027E}"/>
                 </a:ext>
               </a:extLst>
             </p:cNvPr>
@@ -28469,7 +28500,7 @@
             <p:cNvPr id="41" name="Freihandform 4360">
               <a:extLst>
                 <a:ext uri="{FF2B5EF4-FFF2-40B4-BE49-F238E27FC236}">
-                  <a16:creationId xmlns:a16="http://schemas.microsoft.com/office/drawing/2014/main" xmlns="" id="{CDB8F87B-81A2-480F-ADA8-BFB5FD890ACD}"/>
+                  <a16:creationId xmlns="" xmlns:a16="http://schemas.microsoft.com/office/drawing/2014/main" id="{CDB8F87B-81A2-480F-ADA8-BFB5FD890ACD}"/>
                 </a:ext>
               </a:extLst>
             </p:cNvPr>
@@ -29384,7 +29415,7 @@
           <p:cNvPr id="42" name="Freihandform 4346" descr="Symbol, das ein Kastengrafikdiagramm darstellt ">
             <a:extLst>
               <a:ext uri="{FF2B5EF4-FFF2-40B4-BE49-F238E27FC236}">
-                <a16:creationId xmlns:a16="http://schemas.microsoft.com/office/drawing/2014/main" xmlns="" id="{D131817A-5B27-4718-8BAC-45C9CEDA45D9}"/>
+                <a16:creationId xmlns="" xmlns:a16="http://schemas.microsoft.com/office/drawing/2014/main" id="{D131817A-5B27-4718-8BAC-45C9CEDA45D9}"/>
               </a:ext>
             </a:extLst>
           </p:cNvPr>
@@ -31099,7 +31130,7 @@
           <p:cNvPr id="3" name="Textfeld 2">
             <a:extLst>
               <a:ext uri="{FF2B5EF4-FFF2-40B4-BE49-F238E27FC236}">
-                <a16:creationId xmlns:a16="http://schemas.microsoft.com/office/drawing/2014/main" xmlns="" id="{B6F6D979-C3A9-459A-9BD4-C19EA8F6CD22}"/>
+                <a16:creationId xmlns="" xmlns:a16="http://schemas.microsoft.com/office/drawing/2014/main" id="{B6F6D979-C3A9-459A-9BD4-C19EA8F6CD22}"/>
               </a:ext>
             </a:extLst>
           </p:cNvPr>
@@ -31203,10 +31234,10 @@
           <p:cNvPr id="11" name="Gruppieren 10">
             <a:extLst>
               <a:ext uri="{FF2B5EF4-FFF2-40B4-BE49-F238E27FC236}">
-                <a16:creationId xmlns:a16="http://schemas.microsoft.com/office/drawing/2014/main" xmlns="" id="{62A21665-C64F-4BDA-B2DE-442D70605718}"/>
+                <a16:creationId xmlns="" xmlns:a16="http://schemas.microsoft.com/office/drawing/2014/main" id="{62A21665-C64F-4BDA-B2DE-442D70605718}"/>
               </a:ext>
               <a:ext uri="{C183D7F6-B498-43B3-948B-1728B52AA6E4}">
-                <adec:decorative xmlns:adec="http://schemas.microsoft.com/office/drawing/2017/decorative" xmlns="" val="1"/>
+                <adec:decorative xmlns="" xmlns:adec="http://schemas.microsoft.com/office/drawing/2017/decorative" val="1"/>
               </a:ext>
             </a:extLst>
           </p:cNvPr>
@@ -31226,7 +31257,7 @@
             <p:cNvPr id="12" name="Raute 11">
               <a:extLst>
                 <a:ext uri="{FF2B5EF4-FFF2-40B4-BE49-F238E27FC236}">
-                  <a16:creationId xmlns:a16="http://schemas.microsoft.com/office/drawing/2014/main" xmlns="" id="{7DC8B409-5FAC-4539-B25A-26BE925A48AF}"/>
+                  <a16:creationId xmlns="" xmlns:a16="http://schemas.microsoft.com/office/drawing/2014/main" id="{7DC8B409-5FAC-4539-B25A-26BE925A48AF}"/>
                 </a:ext>
               </a:extLst>
             </p:cNvPr>
@@ -31278,7 +31309,7 @@
             <p:cNvPr id="13" name="Raute 12">
               <a:extLst>
                 <a:ext uri="{FF2B5EF4-FFF2-40B4-BE49-F238E27FC236}">
-                  <a16:creationId xmlns:a16="http://schemas.microsoft.com/office/drawing/2014/main" xmlns="" id="{91498E2F-539C-46D3-AF7C-BB1DAE76B114}"/>
+                  <a16:creationId xmlns="" xmlns:a16="http://schemas.microsoft.com/office/drawing/2014/main" id="{91498E2F-539C-46D3-AF7C-BB1DAE76B114}"/>
                 </a:ext>
               </a:extLst>
             </p:cNvPr>
@@ -31331,7 +31362,7 @@
           <p:cNvPr id="15" name="Titel 1">
             <a:extLst>
               <a:ext uri="{FF2B5EF4-FFF2-40B4-BE49-F238E27FC236}">
-                <a16:creationId xmlns:a16="http://schemas.microsoft.com/office/drawing/2014/main" xmlns="" id="{FA061601-468D-486D-B8EE-42BD1BE3ADCC}"/>
+                <a16:creationId xmlns="" xmlns:a16="http://schemas.microsoft.com/office/drawing/2014/main" id="{FA061601-468D-486D-B8EE-42BD1BE3ADCC}"/>
               </a:ext>
             </a:extLst>
           </p:cNvPr>
@@ -31375,6 +31406,229 @@
     <p:extLst>
       <p:ext uri="{BB962C8B-B14F-4D97-AF65-F5344CB8AC3E}">
         <p14:creationId xmlns:p14="http://schemas.microsoft.com/office/powerpoint/2010/main" val="1923038163"/>
+      </p:ext>
+    </p:extLst>
+  </p:cSld>
+  <p:clrMapOvr>
+    <a:masterClrMapping/>
+  </p:clrMapOvr>
+  <p:timing>
+    <p:tnLst>
+      <p:par>
+        <p:cTn id="1" dur="indefinite" restart="never" nodeType="tmRoot"/>
+      </p:par>
+    </p:tnLst>
+  </p:timing>
+</p:sld>
+</file>
+
+<file path=ppt/slides/slide8.xml><?xml version="1.0" encoding="utf-8"?>
+<p:sld xmlns:a="http://schemas.openxmlformats.org/drawingml/2006/main" xmlns:r="http://schemas.openxmlformats.org/officeDocument/2006/relationships" xmlns:p="http://schemas.openxmlformats.org/presentationml/2006/main">
+  <p:cSld>
+    <p:bg>
+      <p:bgPr>
+        <a:pattFill prst="zigZag">
+          <a:fgClr>
+            <a:schemeClr val="accent3">
+              <a:lumMod val="75000"/>
+            </a:schemeClr>
+          </a:fgClr>
+          <a:bgClr>
+            <a:schemeClr val="accent3">
+              <a:lumMod val="50000"/>
+            </a:schemeClr>
+          </a:bgClr>
+        </a:pattFill>
+        <a:effectLst/>
+      </p:bgPr>
+    </p:bg>
+    <p:spTree>
+      <p:nvGrpSpPr>
+        <p:cNvPr id="1" name=""/>
+        <p:cNvGrpSpPr/>
+        <p:nvPr/>
+      </p:nvGrpSpPr>
+      <p:grpSpPr>
+        <a:xfrm>
+          <a:off x="0" y="0"/>
+          <a:ext cx="0" cy="0"/>
+          <a:chOff x="0" y="0"/>
+          <a:chExt cx="0" cy="0"/>
+        </a:xfrm>
+      </p:grpSpPr>
+      <p:grpSp>
+        <p:nvGrpSpPr>
+          <p:cNvPr id="11" name="Gruppieren 10">
+            <a:extLst>
+              <a:ext uri="{FF2B5EF4-FFF2-40B4-BE49-F238E27FC236}">
+                <a16:creationId xmlns="" xmlns:a16="http://schemas.microsoft.com/office/drawing/2014/main" id="{62A21665-C64F-4BDA-B2DE-442D70605718}"/>
+              </a:ext>
+              <a:ext uri="{C183D7F6-B498-43B3-948B-1728B52AA6E4}">
+                <adec:decorative xmlns="" xmlns:adec="http://schemas.microsoft.com/office/drawing/2017/decorative" val="1"/>
+              </a:ext>
+            </a:extLst>
+          </p:cNvPr>
+          <p:cNvGrpSpPr/>
+          <p:nvPr/>
+        </p:nvGrpSpPr>
+        <p:grpSpPr>
+          <a:xfrm>
+            <a:off x="4325258" y="1544068"/>
+            <a:ext cx="3541486" cy="3769865"/>
+            <a:chOff x="4325258" y="1229517"/>
+            <a:chExt cx="3541486" cy="3769865"/>
+          </a:xfrm>
+        </p:grpSpPr>
+        <p:sp>
+          <p:nvSpPr>
+            <p:cNvPr id="12" name="Raute 11">
+              <a:extLst>
+                <a:ext uri="{FF2B5EF4-FFF2-40B4-BE49-F238E27FC236}">
+                  <a16:creationId xmlns="" xmlns:a16="http://schemas.microsoft.com/office/drawing/2014/main" id="{7DC8B409-5FAC-4539-B25A-26BE925A48AF}"/>
+                </a:ext>
+              </a:extLst>
+            </p:cNvPr>
+            <p:cNvSpPr/>
+            <p:nvPr/>
+          </p:nvSpPr>
+          <p:spPr>
+            <a:xfrm>
+              <a:off x="4792319" y="2392018"/>
+              <a:ext cx="2607364" cy="2607364"/>
+            </a:xfrm>
+            <a:prstGeom prst="diamond">
+              <a:avLst/>
+            </a:prstGeom>
+            <a:noFill/>
+            <a:ln>
+              <a:solidFill>
+                <a:schemeClr val="accent3"/>
+              </a:solidFill>
+            </a:ln>
+          </p:spPr>
+          <p:style>
+            <a:lnRef idx="2">
+              <a:schemeClr val="accent1">
+                <a:shade val="50000"/>
+              </a:schemeClr>
+            </a:lnRef>
+            <a:fillRef idx="1">
+              <a:schemeClr val="accent1"/>
+            </a:fillRef>
+            <a:effectRef idx="0">
+              <a:schemeClr val="accent1"/>
+            </a:effectRef>
+            <a:fontRef idx="minor">
+              <a:schemeClr val="lt1"/>
+            </a:fontRef>
+          </p:style>
+          <p:txBody>
+            <a:bodyPr rtlCol="0" anchor="ctr"/>
+            <a:lstStyle/>
+            <a:p>
+              <a:pPr algn="ctr" rtl="0"/>
+              <a:endParaRPr lang="de-DE" dirty="0"/>
+            </a:p>
+          </p:txBody>
+        </p:sp>
+        <p:sp>
+          <p:nvSpPr>
+            <p:cNvPr id="13" name="Raute 12">
+              <a:extLst>
+                <a:ext uri="{FF2B5EF4-FFF2-40B4-BE49-F238E27FC236}">
+                  <a16:creationId xmlns="" xmlns:a16="http://schemas.microsoft.com/office/drawing/2014/main" id="{91498E2F-539C-46D3-AF7C-BB1DAE76B114}"/>
+                </a:ext>
+              </a:extLst>
+            </p:cNvPr>
+            <p:cNvSpPr/>
+            <p:nvPr/>
+          </p:nvSpPr>
+          <p:spPr>
+            <a:xfrm>
+              <a:off x="4325258" y="1229517"/>
+              <a:ext cx="3541486" cy="3541486"/>
+            </a:xfrm>
+            <a:prstGeom prst="diamond">
+              <a:avLst/>
+            </a:prstGeom>
+            <a:noFill/>
+            <a:ln>
+              <a:solidFill>
+                <a:schemeClr val="accent4"/>
+              </a:solidFill>
+            </a:ln>
+          </p:spPr>
+          <p:style>
+            <a:lnRef idx="2">
+              <a:schemeClr val="accent1">
+                <a:shade val="50000"/>
+              </a:schemeClr>
+            </a:lnRef>
+            <a:fillRef idx="1">
+              <a:schemeClr val="accent1"/>
+            </a:fillRef>
+            <a:effectRef idx="0">
+              <a:schemeClr val="accent1"/>
+            </a:effectRef>
+            <a:fontRef idx="minor">
+              <a:schemeClr val="lt1"/>
+            </a:fontRef>
+          </p:style>
+          <p:txBody>
+            <a:bodyPr rtlCol="0" anchor="ctr"/>
+            <a:lstStyle/>
+            <a:p>
+              <a:pPr algn="ctr" rtl="0"/>
+              <a:endParaRPr lang="de-DE" dirty="0"/>
+            </a:p>
+          </p:txBody>
+        </p:sp>
+      </p:grpSp>
+      <p:pic>
+        <p:nvPicPr>
+          <p:cNvPr id="1026" name="Picture 2" descr="C:\Users\Admin\Desktop\tmp\thanks_4_watching.jpg"/>
+          <p:cNvPicPr>
+            <a:picLocks noChangeAspect="1" noChangeArrowheads="1"/>
+          </p:cNvPicPr>
+          <p:nvPr/>
+        </p:nvPicPr>
+        <p:blipFill>
+          <a:blip r:embed="rId3">
+            <a:extLst>
+              <a:ext uri="{28A0092B-C50C-407E-A947-70E740481C1C}">
+                <a14:useLocalDpi xmlns:a14="http://schemas.microsoft.com/office/drawing/2010/main" val="0"/>
+              </a:ext>
+            </a:extLst>
+          </a:blip>
+          <a:srcRect/>
+          <a:stretch>
+            <a:fillRect/>
+          </a:stretch>
+        </p:blipFill>
+        <p:spPr bwMode="auto">
+          <a:xfrm>
+            <a:off x="3181351" y="1475828"/>
+            <a:ext cx="5829300" cy="3886200"/>
+          </a:xfrm>
+          <a:prstGeom prst="rect">
+            <a:avLst/>
+          </a:prstGeom>
+          <a:noFill/>
+          <a:extLst>
+            <a:ext uri="{909E8E84-426E-40DD-AFC4-6F175D3DCCD1}">
+              <a14:hiddenFill xmlns:a14="http://schemas.microsoft.com/office/drawing/2010/main">
+                <a:solidFill>
+                  <a:srgbClr val="FFFFFF"/>
+                </a:solidFill>
+              </a14:hiddenFill>
+            </a:ext>
+          </a:extLst>
+        </p:spPr>
+      </p:pic>
+    </p:spTree>
+    <p:extLst>
+      <p:ext uri="{BB962C8B-B14F-4D97-AF65-F5344CB8AC3E}">
+        <p14:creationId xmlns:p14="http://schemas.microsoft.com/office/powerpoint/2010/main" val="3148664635"/>
       </p:ext>
     </p:extLst>
   </p:cSld>
@@ -31586,7 +31840,7 @@
   <a:extraClrSchemeLst/>
   <a:extLst>
     <a:ext uri="{05A4C25C-085E-4340-85A3-A5531E510DB2}">
-      <thm15:themeFamily xmlns:thm15="http://schemas.microsoft.com/office/thememl/2012/main" xmlns="" name="Office_30740403_TF78455520.potx" id="{9CC58D98-8D63-4413-8A90-F6134E0D6024}" vid="{7F592C43-5E71-4209-A923-444667EDB041}"/>
+      <thm15:themeFamily xmlns="" xmlns:thm15="http://schemas.microsoft.com/office/thememl/2012/main" name="Office_30740403_TF78455520.potx" id="{9CC58D98-8D63-4413-8A90-F6134E0D6024}" vid="{7F592C43-5E71-4209-A923-444667EDB041}"/>
     </a:ext>
   </a:extLst>
 </a:theme>
@@ -31881,7 +32135,7 @@
   <a:extraClrSchemeLst/>
   <a:extLst>
     <a:ext uri="{05A4C25C-085E-4340-85A3-A5531E510DB2}">
-      <thm15:themeFamily xmlns:thm15="http://schemas.microsoft.com/office/thememl/2012/main" xmlns="" name="Office Theme" id="{62F939B6-93AF-4DB8-9C6B-D6C7DFDC589F}" vid="{4A3C46E8-61CC-4603-A589-7422A47A8E4A}"/>
+      <thm15:themeFamily xmlns="" xmlns:thm15="http://schemas.microsoft.com/office/thememl/2012/main" name="Office Theme" id="{62F939B6-93AF-4DB8-9C6B-D6C7DFDC589F}" vid="{4A3C46E8-61CC-4603-A589-7422A47A8E4A}"/>
     </a:ext>
   </a:extLst>
 </a:theme>
@@ -32176,7 +32430,7 @@
   <a:extraClrSchemeLst/>
   <a:extLst>
     <a:ext uri="{05A4C25C-085E-4340-85A3-A5531E510DB2}">
-      <thm15:themeFamily xmlns:thm15="http://schemas.microsoft.com/office/thememl/2012/main" xmlns="" name="Office Theme" id="{62F939B6-93AF-4DB8-9C6B-D6C7DFDC589F}" vid="{4A3C46E8-61CC-4603-A589-7422A47A8E4A}"/>
+      <thm15:themeFamily xmlns="" xmlns:thm15="http://schemas.microsoft.com/office/thememl/2012/main" name="Office Theme" id="{62F939B6-93AF-4DB8-9C6B-D6C7DFDC589F}" vid="{4A3C46E8-61CC-4603-A589-7422A47A8E4A}"/>
     </a:ext>
   </a:extLst>
 </a:theme>

--- a/DVA231_Project_presentation.pptx
+++ b/DVA231_Project_presentation.pptx
@@ -119,7 +119,7 @@
   </p:defaultTextStyle>
   <p:extLst>
     <p:ext uri="{EFAFB233-063F-42B5-8137-9DF3F51BA10A}">
-      <p15:sldGuideLst xmlns="" xmlns:p15="http://schemas.microsoft.com/office/powerpoint/2012/main">
+      <p15:sldGuideLst xmlns:p15="http://schemas.microsoft.com/office/powerpoint/2012/main" xmlns="">
         <p15:guide id="1" orient="horz" pos="2328" userDrawn="1">
           <p15:clr>
             <a:srgbClr val="A4A3A4"/>
@@ -153,7 +153,7 @@
       </p15:sldGuideLst>
     </p:ext>
     <p:ext uri="{2D200454-40CA-4A62-9FC3-DE9A4176ACB9}">
-      <p15:notesGuideLst xmlns="" xmlns:p15="http://schemas.microsoft.com/office/powerpoint/2012/main"/>
+      <p15:notesGuideLst xmlns:p15="http://schemas.microsoft.com/office/powerpoint/2012/main" xmlns=""/>
     </p:ext>
   </p:extLst>
 </p:presentation>
@@ -186,7 +186,7 @@
           <p:cNvPr id="2" name="Kopfzeilenplatzhalter 1">
             <a:extLst>
               <a:ext uri="{FF2B5EF4-FFF2-40B4-BE49-F238E27FC236}">
-                <a16:creationId xmlns="" xmlns:a16="http://schemas.microsoft.com/office/drawing/2014/main" id="{B46527B0-0B24-4087-B225-DB4F5C738F6E}"/>
+                <a16:creationId xmlns:a16="http://schemas.microsoft.com/office/drawing/2014/main" xmlns="" id="{B46527B0-0B24-4087-B225-DB4F5C738F6E}"/>
               </a:ext>
             </a:extLst>
           </p:cNvPr>
@@ -224,7 +224,7 @@
           <p:cNvPr id="3" name="Datumsplatzhalter 2">
             <a:extLst>
               <a:ext uri="{FF2B5EF4-FFF2-40B4-BE49-F238E27FC236}">
-                <a16:creationId xmlns="" xmlns:a16="http://schemas.microsoft.com/office/drawing/2014/main" id="{F72798E0-F322-4236-8531-A1882BFE4007}"/>
+                <a16:creationId xmlns:a16="http://schemas.microsoft.com/office/drawing/2014/main" xmlns="" id="{F72798E0-F322-4236-8531-A1882BFE4007}"/>
               </a:ext>
             </a:extLst>
           </p:cNvPr>
@@ -266,7 +266,7 @@
           <p:cNvPr id="4" name="Fußzeilenplatzhalter 3">
             <a:extLst>
               <a:ext uri="{FF2B5EF4-FFF2-40B4-BE49-F238E27FC236}">
-                <a16:creationId xmlns="" xmlns:a16="http://schemas.microsoft.com/office/drawing/2014/main" id="{B4E5881F-2FD0-41BC-8E76-C691E59E146C}"/>
+                <a16:creationId xmlns:a16="http://schemas.microsoft.com/office/drawing/2014/main" xmlns="" id="{B4E5881F-2FD0-41BC-8E76-C691E59E146C}"/>
               </a:ext>
             </a:extLst>
           </p:cNvPr>
@@ -304,7 +304,7 @@
           <p:cNvPr id="5" name="Foliennummernplatzhalter 4">
             <a:extLst>
               <a:ext uri="{FF2B5EF4-FFF2-40B4-BE49-F238E27FC236}">
-                <a16:creationId xmlns="" xmlns:a16="http://schemas.microsoft.com/office/drawing/2014/main" id="{62CA62C5-8A29-4592-9E3E-4C457F263C0A}"/>
+                <a16:creationId xmlns:a16="http://schemas.microsoft.com/office/drawing/2014/main" xmlns="" id="{62CA62C5-8A29-4592-9E3E-4C457F263C0A}"/>
               </a:ext>
             </a:extLst>
           </p:cNvPr>
@@ -1244,7 +1244,7 @@
           <p:cNvPr id="2" name="Titel 1">
             <a:extLst>
               <a:ext uri="{FF2B5EF4-FFF2-40B4-BE49-F238E27FC236}">
-                <a16:creationId xmlns="" xmlns:a16="http://schemas.microsoft.com/office/drawing/2014/main" id="{8E0F864C-44C4-4000-952D-01F31BFB3FD3}"/>
+                <a16:creationId xmlns:a16="http://schemas.microsoft.com/office/drawing/2014/main" xmlns="" id="{8E0F864C-44C4-4000-952D-01F31BFB3FD3}"/>
               </a:ext>
             </a:extLst>
           </p:cNvPr>
@@ -1283,7 +1283,7 @@
           <p:cNvPr id="3" name="Untertitel 2">
             <a:extLst>
               <a:ext uri="{FF2B5EF4-FFF2-40B4-BE49-F238E27FC236}">
-                <a16:creationId xmlns="" xmlns:a16="http://schemas.microsoft.com/office/drawing/2014/main" id="{21392E06-C914-467E-9D4F-BD763EDA2DD5}"/>
+                <a16:creationId xmlns:a16="http://schemas.microsoft.com/office/drawing/2014/main" xmlns="" id="{21392E06-C914-467E-9D4F-BD763EDA2DD5}"/>
               </a:ext>
             </a:extLst>
           </p:cNvPr>
@@ -1355,7 +1355,7 @@
           <p:cNvPr id="4" name="Datumsplatzhalter 3">
             <a:extLst>
               <a:ext uri="{FF2B5EF4-FFF2-40B4-BE49-F238E27FC236}">
-                <a16:creationId xmlns="" xmlns:a16="http://schemas.microsoft.com/office/drawing/2014/main" id="{1FBEFBAF-82E9-49AD-B2CF-7D154E024431}"/>
+                <a16:creationId xmlns:a16="http://schemas.microsoft.com/office/drawing/2014/main" xmlns="" id="{1FBEFBAF-82E9-49AD-B2CF-7D154E024431}"/>
               </a:ext>
             </a:extLst>
           </p:cNvPr>
@@ -1385,7 +1385,7 @@
           <p:cNvPr id="5" name="Fußzeilenplatzhalter 4">
             <a:extLst>
               <a:ext uri="{FF2B5EF4-FFF2-40B4-BE49-F238E27FC236}">
-                <a16:creationId xmlns="" xmlns:a16="http://schemas.microsoft.com/office/drawing/2014/main" id="{5AD8006A-94B1-44F7-972D-56767EDE3CC3}"/>
+                <a16:creationId xmlns:a16="http://schemas.microsoft.com/office/drawing/2014/main" xmlns="" id="{5AD8006A-94B1-44F7-972D-56767EDE3CC3}"/>
               </a:ext>
             </a:extLst>
           </p:cNvPr>
@@ -1411,7 +1411,7 @@
           <p:cNvPr id="6" name="Foliennummernplatzhalter 5">
             <a:extLst>
               <a:ext uri="{FF2B5EF4-FFF2-40B4-BE49-F238E27FC236}">
-                <a16:creationId xmlns="" xmlns:a16="http://schemas.microsoft.com/office/drawing/2014/main" id="{F5E7BFAB-D84B-45E1-A0BD-2516AC14F8AC}"/>
+                <a16:creationId xmlns:a16="http://schemas.microsoft.com/office/drawing/2014/main" xmlns="" id="{F5E7BFAB-D84B-45E1-A0BD-2516AC14F8AC}"/>
               </a:ext>
             </a:extLst>
           </p:cNvPr>
@@ -1471,7 +1471,7 @@
           <p:cNvPr id="2" name="Titel 1">
             <a:extLst>
               <a:ext uri="{FF2B5EF4-FFF2-40B4-BE49-F238E27FC236}">
-                <a16:creationId xmlns="" xmlns:a16="http://schemas.microsoft.com/office/drawing/2014/main" id="{65F7B869-BFB2-4C20-8AB1-46704BB3D177}"/>
+                <a16:creationId xmlns:a16="http://schemas.microsoft.com/office/drawing/2014/main" xmlns="" id="{65F7B869-BFB2-4C20-8AB1-46704BB3D177}"/>
               </a:ext>
             </a:extLst>
           </p:cNvPr>
@@ -1501,7 +1501,7 @@
           <p:cNvPr id="3" name="Vertikaler Textplatzhalter 2">
             <a:extLst>
               <a:ext uri="{FF2B5EF4-FFF2-40B4-BE49-F238E27FC236}">
-                <a16:creationId xmlns="" xmlns:a16="http://schemas.microsoft.com/office/drawing/2014/main" id="{19F007DB-4F12-4428-9C48-5120DF07046D}"/>
+                <a16:creationId xmlns:a16="http://schemas.microsoft.com/office/drawing/2014/main" xmlns="" id="{19F007DB-4F12-4428-9C48-5120DF07046D}"/>
               </a:ext>
             </a:extLst>
           </p:cNvPr>
@@ -1559,7 +1559,7 @@
           <p:cNvPr id="4" name="Datumsplatzhalter 3">
             <a:extLst>
               <a:ext uri="{FF2B5EF4-FFF2-40B4-BE49-F238E27FC236}">
-                <a16:creationId xmlns="" xmlns:a16="http://schemas.microsoft.com/office/drawing/2014/main" id="{16FFA8DA-0E31-4CA6-BBFC-2467AAD1D30B}"/>
+                <a16:creationId xmlns:a16="http://schemas.microsoft.com/office/drawing/2014/main" xmlns="" id="{16FFA8DA-0E31-4CA6-BBFC-2467AAD1D30B}"/>
               </a:ext>
             </a:extLst>
           </p:cNvPr>
@@ -1589,7 +1589,7 @@
           <p:cNvPr id="5" name="Fußzeilenplatzhalter 4">
             <a:extLst>
               <a:ext uri="{FF2B5EF4-FFF2-40B4-BE49-F238E27FC236}">
-                <a16:creationId xmlns="" xmlns:a16="http://schemas.microsoft.com/office/drawing/2014/main" id="{064974BD-9845-459A-9AAA-12731E2507C4}"/>
+                <a16:creationId xmlns:a16="http://schemas.microsoft.com/office/drawing/2014/main" xmlns="" id="{064974BD-9845-459A-9AAA-12731E2507C4}"/>
               </a:ext>
             </a:extLst>
           </p:cNvPr>
@@ -1615,7 +1615,7 @@
           <p:cNvPr id="6" name="Foliennummernplatzhalter 5">
             <a:extLst>
               <a:ext uri="{FF2B5EF4-FFF2-40B4-BE49-F238E27FC236}">
-                <a16:creationId xmlns="" xmlns:a16="http://schemas.microsoft.com/office/drawing/2014/main" id="{C2A71B0A-FDFB-4B2C-A9EC-2334C590013E}"/>
+                <a16:creationId xmlns:a16="http://schemas.microsoft.com/office/drawing/2014/main" xmlns="" id="{C2A71B0A-FDFB-4B2C-A9EC-2334C590013E}"/>
               </a:ext>
             </a:extLst>
           </p:cNvPr>
@@ -1675,7 +1675,7 @@
           <p:cNvPr id="2" name="Vertikaler Titel 1">
             <a:extLst>
               <a:ext uri="{FF2B5EF4-FFF2-40B4-BE49-F238E27FC236}">
-                <a16:creationId xmlns="" xmlns:a16="http://schemas.microsoft.com/office/drawing/2014/main" id="{E60B5D73-1652-4A8E-B5A3-101523D7290A}"/>
+                <a16:creationId xmlns:a16="http://schemas.microsoft.com/office/drawing/2014/main" xmlns="" id="{E60B5D73-1652-4A8E-B5A3-101523D7290A}"/>
               </a:ext>
             </a:extLst>
           </p:cNvPr>
@@ -1710,7 +1710,7 @@
           <p:cNvPr id="3" name="Vertikaler Textplatzhalter 2">
             <a:extLst>
               <a:ext uri="{FF2B5EF4-FFF2-40B4-BE49-F238E27FC236}">
-                <a16:creationId xmlns="" xmlns:a16="http://schemas.microsoft.com/office/drawing/2014/main" id="{A9B7FB99-7425-444D-B602-01B672BCE8C6}"/>
+                <a16:creationId xmlns:a16="http://schemas.microsoft.com/office/drawing/2014/main" xmlns="" id="{A9B7FB99-7425-444D-B602-01B672BCE8C6}"/>
               </a:ext>
             </a:extLst>
           </p:cNvPr>
@@ -1773,7 +1773,7 @@
           <p:cNvPr id="4" name="Datumsplatzhalter 3">
             <a:extLst>
               <a:ext uri="{FF2B5EF4-FFF2-40B4-BE49-F238E27FC236}">
-                <a16:creationId xmlns="" xmlns:a16="http://schemas.microsoft.com/office/drawing/2014/main" id="{00EEA9C5-552A-48A1-AB54-ED54209B3B48}"/>
+                <a16:creationId xmlns:a16="http://schemas.microsoft.com/office/drawing/2014/main" xmlns="" id="{00EEA9C5-552A-48A1-AB54-ED54209B3B48}"/>
               </a:ext>
             </a:extLst>
           </p:cNvPr>
@@ -1803,7 +1803,7 @@
           <p:cNvPr id="5" name="Fußzeilenplatzhalter 4">
             <a:extLst>
               <a:ext uri="{FF2B5EF4-FFF2-40B4-BE49-F238E27FC236}">
-                <a16:creationId xmlns="" xmlns:a16="http://schemas.microsoft.com/office/drawing/2014/main" id="{1A83AAA3-4155-48FB-8F00-16DBE0C9C256}"/>
+                <a16:creationId xmlns:a16="http://schemas.microsoft.com/office/drawing/2014/main" xmlns="" id="{1A83AAA3-4155-48FB-8F00-16DBE0C9C256}"/>
               </a:ext>
             </a:extLst>
           </p:cNvPr>
@@ -1829,7 +1829,7 @@
           <p:cNvPr id="6" name="Foliennummernplatzhalter 5">
             <a:extLst>
               <a:ext uri="{FF2B5EF4-FFF2-40B4-BE49-F238E27FC236}">
-                <a16:creationId xmlns="" xmlns:a16="http://schemas.microsoft.com/office/drawing/2014/main" id="{5D694EAE-CB3C-4DEF-A66D-583C7AAC92D8}"/>
+                <a16:creationId xmlns:a16="http://schemas.microsoft.com/office/drawing/2014/main" xmlns="" id="{5D694EAE-CB3C-4DEF-A66D-583C7AAC92D8}"/>
               </a:ext>
             </a:extLst>
           </p:cNvPr>
@@ -1889,7 +1889,7 @@
           <p:cNvPr id="2" name="Titel 1">
             <a:extLst>
               <a:ext uri="{FF2B5EF4-FFF2-40B4-BE49-F238E27FC236}">
-                <a16:creationId xmlns="" xmlns:a16="http://schemas.microsoft.com/office/drawing/2014/main" id="{4C807FBE-061D-452C-A8A6-213063CFD678}"/>
+                <a16:creationId xmlns:a16="http://schemas.microsoft.com/office/drawing/2014/main" xmlns="" id="{4C807FBE-061D-452C-A8A6-213063CFD678}"/>
               </a:ext>
             </a:extLst>
           </p:cNvPr>
@@ -1919,7 +1919,7 @@
           <p:cNvPr id="3" name="Inhaltsplatzhalter 2">
             <a:extLst>
               <a:ext uri="{FF2B5EF4-FFF2-40B4-BE49-F238E27FC236}">
-                <a16:creationId xmlns="" xmlns:a16="http://schemas.microsoft.com/office/drawing/2014/main" id="{433A3535-1708-499D-B5D2-7D8F9FD182D0}"/>
+                <a16:creationId xmlns:a16="http://schemas.microsoft.com/office/drawing/2014/main" xmlns="" id="{433A3535-1708-499D-B5D2-7D8F9FD182D0}"/>
               </a:ext>
             </a:extLst>
           </p:cNvPr>
@@ -1977,7 +1977,7 @@
           <p:cNvPr id="4" name="Datumsplatzhalter 3">
             <a:extLst>
               <a:ext uri="{FF2B5EF4-FFF2-40B4-BE49-F238E27FC236}">
-                <a16:creationId xmlns="" xmlns:a16="http://schemas.microsoft.com/office/drawing/2014/main" id="{ACB06063-A112-49AB-80C8-504D99ECD771}"/>
+                <a16:creationId xmlns:a16="http://schemas.microsoft.com/office/drawing/2014/main" xmlns="" id="{ACB06063-A112-49AB-80C8-504D99ECD771}"/>
               </a:ext>
             </a:extLst>
           </p:cNvPr>
@@ -2007,7 +2007,7 @@
           <p:cNvPr id="5" name="Fußzeilenplatzhalter 4">
             <a:extLst>
               <a:ext uri="{FF2B5EF4-FFF2-40B4-BE49-F238E27FC236}">
-                <a16:creationId xmlns="" xmlns:a16="http://schemas.microsoft.com/office/drawing/2014/main" id="{6344C8D5-F898-4318-A76D-1FBD87329198}"/>
+                <a16:creationId xmlns:a16="http://schemas.microsoft.com/office/drawing/2014/main" xmlns="" id="{6344C8D5-F898-4318-A76D-1FBD87329198}"/>
               </a:ext>
             </a:extLst>
           </p:cNvPr>
@@ -2033,7 +2033,7 @@
           <p:cNvPr id="6" name="Foliennummernplatzhalter 5">
             <a:extLst>
               <a:ext uri="{FF2B5EF4-FFF2-40B4-BE49-F238E27FC236}">
-                <a16:creationId xmlns="" xmlns:a16="http://schemas.microsoft.com/office/drawing/2014/main" id="{2976EC76-E8E8-4FFA-B671-7FA2F3EF5DEF}"/>
+                <a16:creationId xmlns:a16="http://schemas.microsoft.com/office/drawing/2014/main" xmlns="" id="{2976EC76-E8E8-4FFA-B671-7FA2F3EF5DEF}"/>
               </a:ext>
             </a:extLst>
           </p:cNvPr>
@@ -2093,7 +2093,7 @@
           <p:cNvPr id="2" name="Titel 1">
             <a:extLst>
               <a:ext uri="{FF2B5EF4-FFF2-40B4-BE49-F238E27FC236}">
-                <a16:creationId xmlns="" xmlns:a16="http://schemas.microsoft.com/office/drawing/2014/main" id="{B6C2CABF-E3C1-431A-A69C-D4881CC43F0F}"/>
+                <a16:creationId xmlns:a16="http://schemas.microsoft.com/office/drawing/2014/main" xmlns="" id="{B6C2CABF-E3C1-431A-A69C-D4881CC43F0F}"/>
               </a:ext>
             </a:extLst>
           </p:cNvPr>
@@ -2132,7 +2132,7 @@
           <p:cNvPr id="3" name="Textplatzhalter 2">
             <a:extLst>
               <a:ext uri="{FF2B5EF4-FFF2-40B4-BE49-F238E27FC236}">
-                <a16:creationId xmlns="" xmlns:a16="http://schemas.microsoft.com/office/drawing/2014/main" id="{D5584226-69DA-4211-B2C8-C29FD05A4A69}"/>
+                <a16:creationId xmlns:a16="http://schemas.microsoft.com/office/drawing/2014/main" xmlns="" id="{D5584226-69DA-4211-B2C8-C29FD05A4A69}"/>
               </a:ext>
             </a:extLst>
           </p:cNvPr>
@@ -2257,7 +2257,7 @@
           <p:cNvPr id="4" name="Datumsplatzhalter 3">
             <a:extLst>
               <a:ext uri="{FF2B5EF4-FFF2-40B4-BE49-F238E27FC236}">
-                <a16:creationId xmlns="" xmlns:a16="http://schemas.microsoft.com/office/drawing/2014/main" id="{D5FF82DB-B518-40FD-8A66-44B874C055FB}"/>
+                <a16:creationId xmlns:a16="http://schemas.microsoft.com/office/drawing/2014/main" xmlns="" id="{D5FF82DB-B518-40FD-8A66-44B874C055FB}"/>
               </a:ext>
             </a:extLst>
           </p:cNvPr>
@@ -2287,7 +2287,7 @@
           <p:cNvPr id="5" name="Fußzeilenplatzhalter 4">
             <a:extLst>
               <a:ext uri="{FF2B5EF4-FFF2-40B4-BE49-F238E27FC236}">
-                <a16:creationId xmlns="" xmlns:a16="http://schemas.microsoft.com/office/drawing/2014/main" id="{FCC1CCEE-725F-4745-837B-87EFB70E71D8}"/>
+                <a16:creationId xmlns:a16="http://schemas.microsoft.com/office/drawing/2014/main" xmlns="" id="{FCC1CCEE-725F-4745-837B-87EFB70E71D8}"/>
               </a:ext>
             </a:extLst>
           </p:cNvPr>
@@ -2313,7 +2313,7 @@
           <p:cNvPr id="6" name="Foliennummernplatzhalter 5">
             <a:extLst>
               <a:ext uri="{FF2B5EF4-FFF2-40B4-BE49-F238E27FC236}">
-                <a16:creationId xmlns="" xmlns:a16="http://schemas.microsoft.com/office/drawing/2014/main" id="{C561522A-E0E6-406B-BF30-A7C7A57294BE}"/>
+                <a16:creationId xmlns:a16="http://schemas.microsoft.com/office/drawing/2014/main" xmlns="" id="{C561522A-E0E6-406B-BF30-A7C7A57294BE}"/>
               </a:ext>
             </a:extLst>
           </p:cNvPr>
@@ -2373,7 +2373,7 @@
           <p:cNvPr id="2" name="Titel 1">
             <a:extLst>
               <a:ext uri="{FF2B5EF4-FFF2-40B4-BE49-F238E27FC236}">
-                <a16:creationId xmlns="" xmlns:a16="http://schemas.microsoft.com/office/drawing/2014/main" id="{DBCC9BDC-6F21-4EF5-A8DD-E35E27EACA58}"/>
+                <a16:creationId xmlns:a16="http://schemas.microsoft.com/office/drawing/2014/main" xmlns="" id="{DBCC9BDC-6F21-4EF5-A8DD-E35E27EACA58}"/>
               </a:ext>
             </a:extLst>
           </p:cNvPr>
@@ -2403,7 +2403,7 @@
           <p:cNvPr id="3" name="Inhaltsplatzhalter 2">
             <a:extLst>
               <a:ext uri="{FF2B5EF4-FFF2-40B4-BE49-F238E27FC236}">
-                <a16:creationId xmlns="" xmlns:a16="http://schemas.microsoft.com/office/drawing/2014/main" id="{6B968D5F-2AB6-42D3-A54E-AB3E60325170}"/>
+                <a16:creationId xmlns:a16="http://schemas.microsoft.com/office/drawing/2014/main" xmlns="" id="{6B968D5F-2AB6-42D3-A54E-AB3E60325170}"/>
               </a:ext>
             </a:extLst>
           </p:cNvPr>
@@ -2466,7 +2466,7 @@
           <p:cNvPr id="4" name="Inhaltsplatzhalter 3">
             <a:extLst>
               <a:ext uri="{FF2B5EF4-FFF2-40B4-BE49-F238E27FC236}">
-                <a16:creationId xmlns="" xmlns:a16="http://schemas.microsoft.com/office/drawing/2014/main" id="{465AB07F-D5F7-402A-AE4E-027BF1CA9127}"/>
+                <a16:creationId xmlns:a16="http://schemas.microsoft.com/office/drawing/2014/main" xmlns="" id="{465AB07F-D5F7-402A-AE4E-027BF1CA9127}"/>
               </a:ext>
             </a:extLst>
           </p:cNvPr>
@@ -2529,7 +2529,7 @@
           <p:cNvPr id="5" name="Datumsplatzhalter 4">
             <a:extLst>
               <a:ext uri="{FF2B5EF4-FFF2-40B4-BE49-F238E27FC236}">
-                <a16:creationId xmlns="" xmlns:a16="http://schemas.microsoft.com/office/drawing/2014/main" id="{85108EDC-3863-43B9-93C7-37465DC73B28}"/>
+                <a16:creationId xmlns:a16="http://schemas.microsoft.com/office/drawing/2014/main" xmlns="" id="{85108EDC-3863-43B9-93C7-37465DC73B28}"/>
               </a:ext>
             </a:extLst>
           </p:cNvPr>
@@ -2559,7 +2559,7 @@
           <p:cNvPr id="6" name="Fußzeilenplatzhalter 5">
             <a:extLst>
               <a:ext uri="{FF2B5EF4-FFF2-40B4-BE49-F238E27FC236}">
-                <a16:creationId xmlns="" xmlns:a16="http://schemas.microsoft.com/office/drawing/2014/main" id="{A777D452-958D-4159-A9A4-16DD29680A04}"/>
+                <a16:creationId xmlns:a16="http://schemas.microsoft.com/office/drawing/2014/main" xmlns="" id="{A777D452-958D-4159-A9A4-16DD29680A04}"/>
               </a:ext>
             </a:extLst>
           </p:cNvPr>
@@ -2585,7 +2585,7 @@
           <p:cNvPr id="7" name="Foliennummernplatzhalter 6">
             <a:extLst>
               <a:ext uri="{FF2B5EF4-FFF2-40B4-BE49-F238E27FC236}">
-                <a16:creationId xmlns="" xmlns:a16="http://schemas.microsoft.com/office/drawing/2014/main" id="{289654B6-1460-48B9-AC7E-592F68BAB276}"/>
+                <a16:creationId xmlns:a16="http://schemas.microsoft.com/office/drawing/2014/main" xmlns="" id="{289654B6-1460-48B9-AC7E-592F68BAB276}"/>
               </a:ext>
             </a:extLst>
           </p:cNvPr>
@@ -2645,7 +2645,7 @@
           <p:cNvPr id="2" name="Titel 1">
             <a:extLst>
               <a:ext uri="{FF2B5EF4-FFF2-40B4-BE49-F238E27FC236}">
-                <a16:creationId xmlns="" xmlns:a16="http://schemas.microsoft.com/office/drawing/2014/main" id="{7EE8C848-926A-4FD3-A311-A100A2662BE1}"/>
+                <a16:creationId xmlns:a16="http://schemas.microsoft.com/office/drawing/2014/main" xmlns="" id="{7EE8C848-926A-4FD3-A311-A100A2662BE1}"/>
               </a:ext>
             </a:extLst>
           </p:cNvPr>
@@ -2680,7 +2680,7 @@
           <p:cNvPr id="3" name="Textplatzhalter 2">
             <a:extLst>
               <a:ext uri="{FF2B5EF4-FFF2-40B4-BE49-F238E27FC236}">
-                <a16:creationId xmlns="" xmlns:a16="http://schemas.microsoft.com/office/drawing/2014/main" id="{3C8ECD90-B4F0-4DFB-BB3D-F2310207896F}"/>
+                <a16:creationId xmlns:a16="http://schemas.microsoft.com/office/drawing/2014/main" xmlns="" id="{3C8ECD90-B4F0-4DFB-BB3D-F2310207896F}"/>
               </a:ext>
             </a:extLst>
           </p:cNvPr>
@@ -2751,7 +2751,7 @@
           <p:cNvPr id="4" name="Inhaltsplatzhalter 3">
             <a:extLst>
               <a:ext uri="{FF2B5EF4-FFF2-40B4-BE49-F238E27FC236}">
-                <a16:creationId xmlns="" xmlns:a16="http://schemas.microsoft.com/office/drawing/2014/main" id="{335A6C3A-033E-474B-AB97-D8291A04E7DD}"/>
+                <a16:creationId xmlns:a16="http://schemas.microsoft.com/office/drawing/2014/main" xmlns="" id="{335A6C3A-033E-474B-AB97-D8291A04E7DD}"/>
               </a:ext>
             </a:extLst>
           </p:cNvPr>
@@ -2814,7 +2814,7 @@
           <p:cNvPr id="5" name="Textplatzhalter 4">
             <a:extLst>
               <a:ext uri="{FF2B5EF4-FFF2-40B4-BE49-F238E27FC236}">
-                <a16:creationId xmlns="" xmlns:a16="http://schemas.microsoft.com/office/drawing/2014/main" id="{A532B928-3A23-4FCA-AD1F-E45A467B54F5}"/>
+                <a16:creationId xmlns:a16="http://schemas.microsoft.com/office/drawing/2014/main" xmlns="" id="{A532B928-3A23-4FCA-AD1F-E45A467B54F5}"/>
               </a:ext>
             </a:extLst>
           </p:cNvPr>
@@ -2885,7 +2885,7 @@
           <p:cNvPr id="6" name="Inhaltsplatzhalter 5">
             <a:extLst>
               <a:ext uri="{FF2B5EF4-FFF2-40B4-BE49-F238E27FC236}">
-                <a16:creationId xmlns="" xmlns:a16="http://schemas.microsoft.com/office/drawing/2014/main" id="{3BDC8376-6FC6-4A11-B0DB-9A148E9C00E2}"/>
+                <a16:creationId xmlns:a16="http://schemas.microsoft.com/office/drawing/2014/main" xmlns="" id="{3BDC8376-6FC6-4A11-B0DB-9A148E9C00E2}"/>
               </a:ext>
             </a:extLst>
           </p:cNvPr>
@@ -2948,7 +2948,7 @@
           <p:cNvPr id="7" name="Datumsplatzhalter 6">
             <a:extLst>
               <a:ext uri="{FF2B5EF4-FFF2-40B4-BE49-F238E27FC236}">
-                <a16:creationId xmlns="" xmlns:a16="http://schemas.microsoft.com/office/drawing/2014/main" id="{6E80206F-8846-425C-A56E-16FFBA442014}"/>
+                <a16:creationId xmlns:a16="http://schemas.microsoft.com/office/drawing/2014/main" xmlns="" id="{6E80206F-8846-425C-A56E-16FFBA442014}"/>
               </a:ext>
             </a:extLst>
           </p:cNvPr>
@@ -2978,7 +2978,7 @@
           <p:cNvPr id="8" name="Fußzeilenplatzhalter 7">
             <a:extLst>
               <a:ext uri="{FF2B5EF4-FFF2-40B4-BE49-F238E27FC236}">
-                <a16:creationId xmlns="" xmlns:a16="http://schemas.microsoft.com/office/drawing/2014/main" id="{6A45E89F-12CF-4561-A5F2-1E05783A3063}"/>
+                <a16:creationId xmlns:a16="http://schemas.microsoft.com/office/drawing/2014/main" xmlns="" id="{6A45E89F-12CF-4561-A5F2-1E05783A3063}"/>
               </a:ext>
             </a:extLst>
           </p:cNvPr>
@@ -3004,7 +3004,7 @@
           <p:cNvPr id="9" name="Foliennummernplatzhalter 8">
             <a:extLst>
               <a:ext uri="{FF2B5EF4-FFF2-40B4-BE49-F238E27FC236}">
-                <a16:creationId xmlns="" xmlns:a16="http://schemas.microsoft.com/office/drawing/2014/main" id="{9EB4DFE4-927C-43B1-A061-5CB97FFB33BE}"/>
+                <a16:creationId xmlns:a16="http://schemas.microsoft.com/office/drawing/2014/main" xmlns="" id="{9EB4DFE4-927C-43B1-A061-5CB97FFB33BE}"/>
               </a:ext>
             </a:extLst>
           </p:cNvPr>
@@ -3064,7 +3064,7 @@
           <p:cNvPr id="2" name="Titel 1">
             <a:extLst>
               <a:ext uri="{FF2B5EF4-FFF2-40B4-BE49-F238E27FC236}">
-                <a16:creationId xmlns="" xmlns:a16="http://schemas.microsoft.com/office/drawing/2014/main" id="{B560E367-8DA0-4655-BCBC-F4280D8642CD}"/>
+                <a16:creationId xmlns:a16="http://schemas.microsoft.com/office/drawing/2014/main" xmlns="" id="{B560E367-8DA0-4655-BCBC-F4280D8642CD}"/>
               </a:ext>
             </a:extLst>
           </p:cNvPr>
@@ -3094,7 +3094,7 @@
           <p:cNvPr id="3" name="Datumsplatzhalter 2">
             <a:extLst>
               <a:ext uri="{FF2B5EF4-FFF2-40B4-BE49-F238E27FC236}">
-                <a16:creationId xmlns="" xmlns:a16="http://schemas.microsoft.com/office/drawing/2014/main" id="{2FEF9592-AA3C-4CF8-A5DB-4D010195A438}"/>
+                <a16:creationId xmlns:a16="http://schemas.microsoft.com/office/drawing/2014/main" xmlns="" id="{2FEF9592-AA3C-4CF8-A5DB-4D010195A438}"/>
               </a:ext>
             </a:extLst>
           </p:cNvPr>
@@ -3124,7 +3124,7 @@
           <p:cNvPr id="4" name="Fußzeilenplatzhalter 3">
             <a:extLst>
               <a:ext uri="{FF2B5EF4-FFF2-40B4-BE49-F238E27FC236}">
-                <a16:creationId xmlns="" xmlns:a16="http://schemas.microsoft.com/office/drawing/2014/main" id="{3C2C9377-F93E-4515-852A-264707755154}"/>
+                <a16:creationId xmlns:a16="http://schemas.microsoft.com/office/drawing/2014/main" xmlns="" id="{3C2C9377-F93E-4515-852A-264707755154}"/>
               </a:ext>
             </a:extLst>
           </p:cNvPr>
@@ -3150,7 +3150,7 @@
           <p:cNvPr id="5" name="Foliennummernplatzhalter 4">
             <a:extLst>
               <a:ext uri="{FF2B5EF4-FFF2-40B4-BE49-F238E27FC236}">
-                <a16:creationId xmlns="" xmlns:a16="http://schemas.microsoft.com/office/drawing/2014/main" id="{9AED076D-476B-42BA-8795-14FE6C1E6974}"/>
+                <a16:creationId xmlns:a16="http://schemas.microsoft.com/office/drawing/2014/main" xmlns="" id="{9AED076D-476B-42BA-8795-14FE6C1E6974}"/>
               </a:ext>
             </a:extLst>
           </p:cNvPr>
@@ -3210,7 +3210,7 @@
           <p:cNvPr id="2" name="Datumsplatzhalter 1">
             <a:extLst>
               <a:ext uri="{FF2B5EF4-FFF2-40B4-BE49-F238E27FC236}">
-                <a16:creationId xmlns="" xmlns:a16="http://schemas.microsoft.com/office/drawing/2014/main" id="{1EA599B4-6AB2-4190-82B5-7667EE1E922A}"/>
+                <a16:creationId xmlns:a16="http://schemas.microsoft.com/office/drawing/2014/main" xmlns="" id="{1EA599B4-6AB2-4190-82B5-7667EE1E922A}"/>
               </a:ext>
             </a:extLst>
           </p:cNvPr>
@@ -3240,7 +3240,7 @@
           <p:cNvPr id="3" name="Fußzeilenplatzhalter 2">
             <a:extLst>
               <a:ext uri="{FF2B5EF4-FFF2-40B4-BE49-F238E27FC236}">
-                <a16:creationId xmlns="" xmlns:a16="http://schemas.microsoft.com/office/drawing/2014/main" id="{1B8FBFB3-AD86-4E39-B8AE-B4EC14528156}"/>
+                <a16:creationId xmlns:a16="http://schemas.microsoft.com/office/drawing/2014/main" xmlns="" id="{1B8FBFB3-AD86-4E39-B8AE-B4EC14528156}"/>
               </a:ext>
             </a:extLst>
           </p:cNvPr>
@@ -3266,7 +3266,7 @@
           <p:cNvPr id="4" name="Foliennummernplatzhalter 3">
             <a:extLst>
               <a:ext uri="{FF2B5EF4-FFF2-40B4-BE49-F238E27FC236}">
-                <a16:creationId xmlns="" xmlns:a16="http://schemas.microsoft.com/office/drawing/2014/main" id="{B9A4AF55-C114-4B60-9A20-56B00A11B3BF}"/>
+                <a16:creationId xmlns:a16="http://schemas.microsoft.com/office/drawing/2014/main" xmlns="" id="{B9A4AF55-C114-4B60-9A20-56B00A11B3BF}"/>
               </a:ext>
             </a:extLst>
           </p:cNvPr>
@@ -3326,7 +3326,7 @@
           <p:cNvPr id="2" name="Titel 1">
             <a:extLst>
               <a:ext uri="{FF2B5EF4-FFF2-40B4-BE49-F238E27FC236}">
-                <a16:creationId xmlns="" xmlns:a16="http://schemas.microsoft.com/office/drawing/2014/main" id="{70883DA1-5CB8-405D-9613-8A9B7BC5664C}"/>
+                <a16:creationId xmlns:a16="http://schemas.microsoft.com/office/drawing/2014/main" xmlns="" id="{70883DA1-5CB8-405D-9613-8A9B7BC5664C}"/>
               </a:ext>
             </a:extLst>
           </p:cNvPr>
@@ -3365,7 +3365,7 @@
           <p:cNvPr id="3" name="Inhaltsplatzhalter 2">
             <a:extLst>
               <a:ext uri="{FF2B5EF4-FFF2-40B4-BE49-F238E27FC236}">
-                <a16:creationId xmlns="" xmlns:a16="http://schemas.microsoft.com/office/drawing/2014/main" id="{9842BB15-A24D-42E9-9CAE-BB827226301E}"/>
+                <a16:creationId xmlns:a16="http://schemas.microsoft.com/office/drawing/2014/main" xmlns="" id="{9842BB15-A24D-42E9-9CAE-BB827226301E}"/>
               </a:ext>
             </a:extLst>
           </p:cNvPr>
@@ -3456,7 +3456,7 @@
           <p:cNvPr id="4" name="Textplatzhalter 3">
             <a:extLst>
               <a:ext uri="{FF2B5EF4-FFF2-40B4-BE49-F238E27FC236}">
-                <a16:creationId xmlns="" xmlns:a16="http://schemas.microsoft.com/office/drawing/2014/main" id="{78F0849D-D3C3-462A-9751-4EAB0B9145E4}"/>
+                <a16:creationId xmlns:a16="http://schemas.microsoft.com/office/drawing/2014/main" xmlns="" id="{78F0849D-D3C3-462A-9751-4EAB0B9145E4}"/>
               </a:ext>
             </a:extLst>
           </p:cNvPr>
@@ -3527,7 +3527,7 @@
           <p:cNvPr id="5" name="Datumsplatzhalter 4">
             <a:extLst>
               <a:ext uri="{FF2B5EF4-FFF2-40B4-BE49-F238E27FC236}">
-                <a16:creationId xmlns="" xmlns:a16="http://schemas.microsoft.com/office/drawing/2014/main" id="{F180DD20-7A20-4574-98A4-427795876739}"/>
+                <a16:creationId xmlns:a16="http://schemas.microsoft.com/office/drawing/2014/main" xmlns="" id="{F180DD20-7A20-4574-98A4-427795876739}"/>
               </a:ext>
             </a:extLst>
           </p:cNvPr>
@@ -3557,7 +3557,7 @@
           <p:cNvPr id="6" name="Fußzeilenplatzhalter 5">
             <a:extLst>
               <a:ext uri="{FF2B5EF4-FFF2-40B4-BE49-F238E27FC236}">
-                <a16:creationId xmlns="" xmlns:a16="http://schemas.microsoft.com/office/drawing/2014/main" id="{54D0ED2B-71C4-421A-9DB0-676E00C10BDC}"/>
+                <a16:creationId xmlns:a16="http://schemas.microsoft.com/office/drawing/2014/main" xmlns="" id="{54D0ED2B-71C4-421A-9DB0-676E00C10BDC}"/>
               </a:ext>
             </a:extLst>
           </p:cNvPr>
@@ -3583,7 +3583,7 @@
           <p:cNvPr id="7" name="Foliennummernplatzhalter 6">
             <a:extLst>
               <a:ext uri="{FF2B5EF4-FFF2-40B4-BE49-F238E27FC236}">
-                <a16:creationId xmlns="" xmlns:a16="http://schemas.microsoft.com/office/drawing/2014/main" id="{78C4572A-ADFC-4C53-BCA2-42BDF693BC4D}"/>
+                <a16:creationId xmlns:a16="http://schemas.microsoft.com/office/drawing/2014/main" xmlns="" id="{78C4572A-ADFC-4C53-BCA2-42BDF693BC4D}"/>
               </a:ext>
             </a:extLst>
           </p:cNvPr>
@@ -3643,7 +3643,7 @@
           <p:cNvPr id="2" name="Titel 1">
             <a:extLst>
               <a:ext uri="{FF2B5EF4-FFF2-40B4-BE49-F238E27FC236}">
-                <a16:creationId xmlns="" xmlns:a16="http://schemas.microsoft.com/office/drawing/2014/main" id="{028F5C67-EEEC-4AB0-9653-0F80D6B10941}"/>
+                <a16:creationId xmlns:a16="http://schemas.microsoft.com/office/drawing/2014/main" xmlns="" id="{028F5C67-EEEC-4AB0-9653-0F80D6B10941}"/>
               </a:ext>
             </a:extLst>
           </p:cNvPr>
@@ -3682,7 +3682,7 @@
           <p:cNvPr id="3" name="Bildplatzhalter 2">
             <a:extLst>
               <a:ext uri="{FF2B5EF4-FFF2-40B4-BE49-F238E27FC236}">
-                <a16:creationId xmlns="" xmlns:a16="http://schemas.microsoft.com/office/drawing/2014/main" id="{1DD50D6D-5277-4324-AF23-5FAF007834EB}"/>
+                <a16:creationId xmlns:a16="http://schemas.microsoft.com/office/drawing/2014/main" xmlns="" id="{1DD50D6D-5277-4324-AF23-5FAF007834EB}"/>
               </a:ext>
             </a:extLst>
           </p:cNvPr>
@@ -3753,7 +3753,7 @@
           <p:cNvPr id="4" name="Textplatzhalter 3">
             <a:extLst>
               <a:ext uri="{FF2B5EF4-FFF2-40B4-BE49-F238E27FC236}">
-                <a16:creationId xmlns="" xmlns:a16="http://schemas.microsoft.com/office/drawing/2014/main" id="{75275657-2BF9-4761-96B6-50EE3CFCFAD0}"/>
+                <a16:creationId xmlns:a16="http://schemas.microsoft.com/office/drawing/2014/main" xmlns="" id="{75275657-2BF9-4761-96B6-50EE3CFCFAD0}"/>
               </a:ext>
             </a:extLst>
           </p:cNvPr>
@@ -3824,7 +3824,7 @@
           <p:cNvPr id="5" name="Datumsplatzhalter 4">
             <a:extLst>
               <a:ext uri="{FF2B5EF4-FFF2-40B4-BE49-F238E27FC236}">
-                <a16:creationId xmlns="" xmlns:a16="http://schemas.microsoft.com/office/drawing/2014/main" id="{5C3C3F7B-A4C8-4F9D-8165-BC5186EA0929}"/>
+                <a16:creationId xmlns:a16="http://schemas.microsoft.com/office/drawing/2014/main" xmlns="" id="{5C3C3F7B-A4C8-4F9D-8165-BC5186EA0929}"/>
               </a:ext>
             </a:extLst>
           </p:cNvPr>
@@ -3854,7 +3854,7 @@
           <p:cNvPr id="6" name="Fußzeilenplatzhalter 5">
             <a:extLst>
               <a:ext uri="{FF2B5EF4-FFF2-40B4-BE49-F238E27FC236}">
-                <a16:creationId xmlns="" xmlns:a16="http://schemas.microsoft.com/office/drawing/2014/main" id="{DE696EA5-2FA2-464D-982F-C53E6426A843}"/>
+                <a16:creationId xmlns:a16="http://schemas.microsoft.com/office/drawing/2014/main" xmlns="" id="{DE696EA5-2FA2-464D-982F-C53E6426A843}"/>
               </a:ext>
             </a:extLst>
           </p:cNvPr>
@@ -3880,7 +3880,7 @@
           <p:cNvPr id="7" name="Foliennummernplatzhalter 6">
             <a:extLst>
               <a:ext uri="{FF2B5EF4-FFF2-40B4-BE49-F238E27FC236}">
-                <a16:creationId xmlns="" xmlns:a16="http://schemas.microsoft.com/office/drawing/2014/main" id="{8911B398-191B-4AB1-86ED-00D0046EACF5}"/>
+                <a16:creationId xmlns:a16="http://schemas.microsoft.com/office/drawing/2014/main" xmlns="" id="{8911B398-191B-4AB1-86ED-00D0046EACF5}"/>
               </a:ext>
             </a:extLst>
           </p:cNvPr>
@@ -3945,7 +3945,7 @@
           <p:cNvPr id="2" name="Titelplatzhalter 1">
             <a:extLst>
               <a:ext uri="{FF2B5EF4-FFF2-40B4-BE49-F238E27FC236}">
-                <a16:creationId xmlns="" xmlns:a16="http://schemas.microsoft.com/office/drawing/2014/main" id="{7B3445CA-54C1-4DDE-A216-DD2414E3F593}"/>
+                <a16:creationId xmlns:a16="http://schemas.microsoft.com/office/drawing/2014/main" xmlns="" id="{7B3445CA-54C1-4DDE-A216-DD2414E3F593}"/>
               </a:ext>
             </a:extLst>
           </p:cNvPr>
@@ -3984,7 +3984,7 @@
           <p:cNvPr id="3" name="Textplatzhalter 2">
             <a:extLst>
               <a:ext uri="{FF2B5EF4-FFF2-40B4-BE49-F238E27FC236}">
-                <a16:creationId xmlns="" xmlns:a16="http://schemas.microsoft.com/office/drawing/2014/main" id="{0306395A-6879-4E93-B24E-067F88AC1D69}"/>
+                <a16:creationId xmlns:a16="http://schemas.microsoft.com/office/drawing/2014/main" xmlns="" id="{0306395A-6879-4E93-B24E-067F88AC1D69}"/>
               </a:ext>
             </a:extLst>
           </p:cNvPr>
@@ -4051,7 +4051,7 @@
           <p:cNvPr id="4" name="Datumsplatzhalter 3">
             <a:extLst>
               <a:ext uri="{FF2B5EF4-FFF2-40B4-BE49-F238E27FC236}">
-                <a16:creationId xmlns="" xmlns:a16="http://schemas.microsoft.com/office/drawing/2014/main" id="{9450FF5B-A6A6-4F0F-AA5D-3F0F69A43AEB}"/>
+                <a16:creationId xmlns:a16="http://schemas.microsoft.com/office/drawing/2014/main" xmlns="" id="{9450FF5B-A6A6-4F0F-AA5D-3F0F69A43AEB}"/>
               </a:ext>
             </a:extLst>
           </p:cNvPr>
@@ -4099,7 +4099,7 @@
           <p:cNvPr id="5" name="Fußzeilenplatzhalter 4">
             <a:extLst>
               <a:ext uri="{FF2B5EF4-FFF2-40B4-BE49-F238E27FC236}">
-                <a16:creationId xmlns="" xmlns:a16="http://schemas.microsoft.com/office/drawing/2014/main" id="{FA798FAA-76CC-42EF-8BE0-466A41BBAB09}"/>
+                <a16:creationId xmlns:a16="http://schemas.microsoft.com/office/drawing/2014/main" xmlns="" id="{FA798FAA-76CC-42EF-8BE0-466A41BBAB09}"/>
               </a:ext>
             </a:extLst>
           </p:cNvPr>
@@ -4143,7 +4143,7 @@
           <p:cNvPr id="6" name="Foliennummernplatzhalter 5">
             <a:extLst>
               <a:ext uri="{FF2B5EF4-FFF2-40B4-BE49-F238E27FC236}">
-                <a16:creationId xmlns="" xmlns:a16="http://schemas.microsoft.com/office/drawing/2014/main" id="{5149FF02-6890-4E10-B958-1097AD32C6FA}"/>
+                <a16:creationId xmlns:a16="http://schemas.microsoft.com/office/drawing/2014/main" xmlns="" id="{5149FF02-6890-4E10-B958-1097AD32C6FA}"/>
               </a:ext>
             </a:extLst>
           </p:cNvPr>
@@ -4530,7 +4530,7 @@
           <p:cNvPr id="2" name="Titel 1">
             <a:extLst>
               <a:ext uri="{FF2B5EF4-FFF2-40B4-BE49-F238E27FC236}">
-                <a16:creationId xmlns="" xmlns:a16="http://schemas.microsoft.com/office/drawing/2014/main" id="{C4300AEF-1595-4419-801B-6E36A33BB8CF}"/>
+                <a16:creationId xmlns:a16="http://schemas.microsoft.com/office/drawing/2014/main" xmlns="" id="{C4300AEF-1595-4419-801B-6E36A33BB8CF}"/>
               </a:ext>
             </a:extLst>
           </p:cNvPr>
@@ -4635,10 +4635,10 @@
           <p:cNvPr id="4" name="Raute 3">
             <a:extLst>
               <a:ext uri="{FF2B5EF4-FFF2-40B4-BE49-F238E27FC236}">
-                <a16:creationId xmlns="" xmlns:a16="http://schemas.microsoft.com/office/drawing/2014/main" id="{1C59176D-59A8-4C02-B448-EE01232FB3E7}"/>
+                <a16:creationId xmlns:a16="http://schemas.microsoft.com/office/drawing/2014/main" xmlns="" id="{1C59176D-59A8-4C02-B448-EE01232FB3E7}"/>
               </a:ext>
               <a:ext uri="{C183D7F6-B498-43B3-948B-1728B52AA6E4}">
-                <adec:decorative xmlns="" xmlns:adec="http://schemas.microsoft.com/office/drawing/2017/decorative" val="1"/>
+                <adec:decorative xmlns:adec="http://schemas.microsoft.com/office/drawing/2017/decorative" xmlns="" val="1"/>
               </a:ext>
             </a:extLst>
           </p:cNvPr>
@@ -4690,10 +4690,10 @@
           <p:cNvPr id="5" name="Raute 4">
             <a:extLst>
               <a:ext uri="{FF2B5EF4-FFF2-40B4-BE49-F238E27FC236}">
-                <a16:creationId xmlns="" xmlns:a16="http://schemas.microsoft.com/office/drawing/2014/main" id="{A50B1817-3C7F-41BC-8557-7A00C928EE16}"/>
+                <a16:creationId xmlns:a16="http://schemas.microsoft.com/office/drawing/2014/main" xmlns="" id="{A50B1817-3C7F-41BC-8557-7A00C928EE16}"/>
               </a:ext>
               <a:ext uri="{C183D7F6-B498-43B3-948B-1728B52AA6E4}">
-                <adec:decorative xmlns="" xmlns:adec="http://schemas.microsoft.com/office/drawing/2017/decorative" val="1"/>
+                <adec:decorative xmlns:adec="http://schemas.microsoft.com/office/drawing/2017/decorative" xmlns="" val="1"/>
               </a:ext>
             </a:extLst>
           </p:cNvPr>
@@ -4782,7 +4782,7 @@
           <p:cNvPr id="4" name="Titel 3" hidden="1">
             <a:extLst>
               <a:ext uri="{FF2B5EF4-FFF2-40B4-BE49-F238E27FC236}">
-                <a16:creationId xmlns="" xmlns:a16="http://schemas.microsoft.com/office/drawing/2014/main" id="{B5981CF1-BC08-49F8-B0F9-AAF98EC67450}"/>
+                <a16:creationId xmlns:a16="http://schemas.microsoft.com/office/drawing/2014/main" xmlns="" id="{B5981CF1-BC08-49F8-B0F9-AAF98EC67450}"/>
               </a:ext>
             </a:extLst>
           </p:cNvPr>
@@ -4815,10 +4815,10 @@
           <p:cNvPr id="8" name="Gerader Verbinder 7">
             <a:extLst>
               <a:ext uri="{FF2B5EF4-FFF2-40B4-BE49-F238E27FC236}">
-                <a16:creationId xmlns="" xmlns:a16="http://schemas.microsoft.com/office/drawing/2014/main" id="{D0986099-F5F2-4E8B-BE17-81194861A00C}"/>
+                <a16:creationId xmlns:a16="http://schemas.microsoft.com/office/drawing/2014/main" xmlns="" id="{D0986099-F5F2-4E8B-BE17-81194861A00C}"/>
               </a:ext>
               <a:ext uri="{C183D7F6-B498-43B3-948B-1728B52AA6E4}">
-                <adec:decorative xmlns="" xmlns:adec="http://schemas.microsoft.com/office/drawing/2017/decorative" val="1"/>
+                <adec:decorative xmlns:adec="http://schemas.microsoft.com/office/drawing/2017/decorative" xmlns="" val="1"/>
               </a:ext>
             </a:extLst>
           </p:cNvPr>
@@ -4864,7 +4864,7 @@
           <p:cNvPr id="11" name="Titel 1">
             <a:extLst>
               <a:ext uri="{FF2B5EF4-FFF2-40B4-BE49-F238E27FC236}">
-                <a16:creationId xmlns="" xmlns:a16="http://schemas.microsoft.com/office/drawing/2014/main" id="{4E3F5479-058B-4FA8-92E9-18CAB8CDC5C5}"/>
+                <a16:creationId xmlns:a16="http://schemas.microsoft.com/office/drawing/2014/main" xmlns="" id="{4E3F5479-058B-4FA8-92E9-18CAB8CDC5C5}"/>
               </a:ext>
             </a:extLst>
           </p:cNvPr>
@@ -4945,10 +4945,10 @@
           <p:cNvPr id="14" name="Gerader Verbinder 13">
             <a:extLst>
               <a:ext uri="{FF2B5EF4-FFF2-40B4-BE49-F238E27FC236}">
-                <a16:creationId xmlns="" xmlns:a16="http://schemas.microsoft.com/office/drawing/2014/main" id="{83E690F4-843A-47A5-8620-4FB01C0D8E68}"/>
+                <a16:creationId xmlns:a16="http://schemas.microsoft.com/office/drawing/2014/main" xmlns="" id="{83E690F4-843A-47A5-8620-4FB01C0D8E68}"/>
               </a:ext>
               <a:ext uri="{C183D7F6-B498-43B3-948B-1728B52AA6E4}">
-                <adec:decorative xmlns="" xmlns:adec="http://schemas.microsoft.com/office/drawing/2017/decorative" val="1"/>
+                <adec:decorative xmlns:adec="http://schemas.microsoft.com/office/drawing/2017/decorative" xmlns="" val="1"/>
               </a:ext>
             </a:extLst>
           </p:cNvPr>
@@ -4994,7 +4994,7 @@
           <p:cNvPr id="31" name="Gruppieren 30" descr="Symbol, das ein Balkendiagramm mit einem Liniendiagramm darstellt">
             <a:extLst>
               <a:ext uri="{FF2B5EF4-FFF2-40B4-BE49-F238E27FC236}">
-                <a16:creationId xmlns="" xmlns:a16="http://schemas.microsoft.com/office/drawing/2014/main" id="{044C3643-8A0E-47C1-BEB8-C73203B5E58D}"/>
+                <a16:creationId xmlns:a16="http://schemas.microsoft.com/office/drawing/2014/main" xmlns="" id="{044C3643-8A0E-47C1-BEB8-C73203B5E58D}"/>
               </a:ext>
             </a:extLst>
           </p:cNvPr>
@@ -5017,7 +5017,7 @@
             <p:cNvPr id="32" name="Freihandform 372">
               <a:extLst>
                 <a:ext uri="{FF2B5EF4-FFF2-40B4-BE49-F238E27FC236}">
-                  <a16:creationId xmlns="" xmlns:a16="http://schemas.microsoft.com/office/drawing/2014/main" id="{56E8F5A5-5318-470B-8F42-337C264086AA}"/>
+                  <a16:creationId xmlns:a16="http://schemas.microsoft.com/office/drawing/2014/main" xmlns="" id="{56E8F5A5-5318-470B-8F42-337C264086AA}"/>
                 </a:ext>
               </a:extLst>
             </p:cNvPr>
@@ -5754,7 +5754,7 @@
             <p:cNvPr id="33" name="Freihandform 373">
               <a:extLst>
                 <a:ext uri="{FF2B5EF4-FFF2-40B4-BE49-F238E27FC236}">
-                  <a16:creationId xmlns="" xmlns:a16="http://schemas.microsoft.com/office/drawing/2014/main" id="{6AA1356D-8F1B-4281-BEC5-5B4EBF7467B1}"/>
+                  <a16:creationId xmlns:a16="http://schemas.microsoft.com/office/drawing/2014/main" xmlns="" id="{6AA1356D-8F1B-4281-BEC5-5B4EBF7467B1}"/>
                 </a:ext>
               </a:extLst>
             </p:cNvPr>
@@ -6745,7 +6745,7 @@
           <p:cNvPr id="35" name="Freihandform 4665" descr="Symbol, das einen Graph darstellt ">
             <a:extLst>
               <a:ext uri="{FF2B5EF4-FFF2-40B4-BE49-F238E27FC236}">
-                <a16:creationId xmlns="" xmlns:a16="http://schemas.microsoft.com/office/drawing/2014/main" id="{557E39B2-E017-4E5C-B53E-DDE3B9D4C92C}"/>
+                <a16:creationId xmlns:a16="http://schemas.microsoft.com/office/drawing/2014/main" xmlns="" id="{557E39B2-E017-4E5C-B53E-DDE3B9D4C92C}"/>
               </a:ext>
             </a:extLst>
           </p:cNvPr>
@@ -7938,7 +7938,7 @@
           <p:cNvPr id="36" name="Gruppieren 35" descr="Symbol, das einen Menschen und ein Zahnrad darstellt ">
             <a:extLst>
               <a:ext uri="{FF2B5EF4-FFF2-40B4-BE49-F238E27FC236}">
-                <a16:creationId xmlns="" xmlns:a16="http://schemas.microsoft.com/office/drawing/2014/main" id="{ECC5F635-1712-4572-A9EC-F94E2199DDBD}"/>
+                <a16:creationId xmlns:a16="http://schemas.microsoft.com/office/drawing/2014/main" xmlns="" id="{ECC5F635-1712-4572-A9EC-F94E2199DDBD}"/>
               </a:ext>
             </a:extLst>
           </p:cNvPr>
@@ -7961,7 +7961,7 @@
             <p:cNvPr id="37" name="Freihandform 3673">
               <a:extLst>
                 <a:ext uri="{FF2B5EF4-FFF2-40B4-BE49-F238E27FC236}">
-                  <a16:creationId xmlns="" xmlns:a16="http://schemas.microsoft.com/office/drawing/2014/main" id="{D1391604-D4EC-48A8-AE57-EDF194392FB1}"/>
+                  <a16:creationId xmlns:a16="http://schemas.microsoft.com/office/drawing/2014/main" xmlns="" id="{D1391604-D4EC-48A8-AE57-EDF194392FB1}"/>
                 </a:ext>
               </a:extLst>
             </p:cNvPr>
@@ -8696,7 +8696,7 @@
             <p:cNvPr id="38" name="Freihandform 3674">
               <a:extLst>
                 <a:ext uri="{FF2B5EF4-FFF2-40B4-BE49-F238E27FC236}">
-                  <a16:creationId xmlns="" xmlns:a16="http://schemas.microsoft.com/office/drawing/2014/main" id="{44A4D0F8-0767-41BC-BE62-0AED99EC8B25}"/>
+                  <a16:creationId xmlns:a16="http://schemas.microsoft.com/office/drawing/2014/main" xmlns="" id="{44A4D0F8-0767-41BC-BE62-0AED99EC8B25}"/>
                 </a:ext>
               </a:extLst>
             </p:cNvPr>
@@ -9503,7 +9503,7 @@
           <p:cNvPr id="39" name="Gruppieren 38" descr="Symbol, das Zahnräder darstellt ">
             <a:extLst>
               <a:ext uri="{FF2B5EF4-FFF2-40B4-BE49-F238E27FC236}">
-                <a16:creationId xmlns="" xmlns:a16="http://schemas.microsoft.com/office/drawing/2014/main" id="{5BC0E3F0-447D-4721-AB1F-C8243BA36671}"/>
+                <a16:creationId xmlns:a16="http://schemas.microsoft.com/office/drawing/2014/main" xmlns="" id="{5BC0E3F0-447D-4721-AB1F-C8243BA36671}"/>
               </a:ext>
             </a:extLst>
           </p:cNvPr>
@@ -9526,7 +9526,7 @@
             <p:cNvPr id="40" name="Freihandform 4359">
               <a:extLst>
                 <a:ext uri="{FF2B5EF4-FFF2-40B4-BE49-F238E27FC236}">
-                  <a16:creationId xmlns="" xmlns:a16="http://schemas.microsoft.com/office/drawing/2014/main" id="{351831F3-9830-4A23-8B34-11A3FCCA027E}"/>
+                  <a16:creationId xmlns:a16="http://schemas.microsoft.com/office/drawing/2014/main" xmlns="" id="{351831F3-9830-4A23-8B34-11A3FCCA027E}"/>
                 </a:ext>
               </a:extLst>
             </p:cNvPr>
@@ -10525,7 +10525,7 @@
             <p:cNvPr id="41" name="Freihandform 4360">
               <a:extLst>
                 <a:ext uri="{FF2B5EF4-FFF2-40B4-BE49-F238E27FC236}">
-                  <a16:creationId xmlns="" xmlns:a16="http://schemas.microsoft.com/office/drawing/2014/main" id="{CDB8F87B-81A2-480F-ADA8-BFB5FD890ACD}"/>
+                  <a16:creationId xmlns:a16="http://schemas.microsoft.com/office/drawing/2014/main" xmlns="" id="{CDB8F87B-81A2-480F-ADA8-BFB5FD890ACD}"/>
                 </a:ext>
               </a:extLst>
             </p:cNvPr>
@@ -11440,7 +11440,7 @@
           <p:cNvPr id="42" name="Freihandform 4346" descr="Symbol, das ein Kastengrafikdiagramm darstellt ">
             <a:extLst>
               <a:ext uri="{FF2B5EF4-FFF2-40B4-BE49-F238E27FC236}">
-                <a16:creationId xmlns="" xmlns:a16="http://schemas.microsoft.com/office/drawing/2014/main" id="{D131817A-5B27-4718-8BAC-45C9CEDA45D9}"/>
+                <a16:creationId xmlns:a16="http://schemas.microsoft.com/office/drawing/2014/main" xmlns="" id="{D131817A-5B27-4718-8BAC-45C9CEDA45D9}"/>
               </a:ext>
             </a:extLst>
           </p:cNvPr>
@@ -13155,7 +13155,7 @@
           <p:cNvPr id="2" name="Textfeld 1">
             <a:extLst>
               <a:ext uri="{FF2B5EF4-FFF2-40B4-BE49-F238E27FC236}">
-                <a16:creationId xmlns="" xmlns:a16="http://schemas.microsoft.com/office/drawing/2014/main" id="{59919A1F-B0E3-4494-8033-4C8D44E65BB2}"/>
+                <a16:creationId xmlns:a16="http://schemas.microsoft.com/office/drawing/2014/main" xmlns="" id="{59919A1F-B0E3-4494-8033-4C8D44E65BB2}"/>
               </a:ext>
             </a:extLst>
           </p:cNvPr>
@@ -13316,7 +13316,7 @@
           <p:cNvPr id="5" name="Gruppieren 4">
             <a:extLst>
               <a:ext uri="{FF2B5EF4-FFF2-40B4-BE49-F238E27FC236}">
-                <a16:creationId xmlns="" xmlns:a16="http://schemas.microsoft.com/office/drawing/2014/main" id="{578740F7-8698-4ECA-8037-3100C8714F83}"/>
+                <a16:creationId xmlns:a16="http://schemas.microsoft.com/office/drawing/2014/main" xmlns="" id="{578740F7-8698-4ECA-8037-3100C8714F83}"/>
               </a:ext>
             </a:extLst>
           </p:cNvPr>
@@ -13337,7 +13337,7 @@
               <a:hlinkClick r:id="rId4"/>
               <a:extLst>
                 <a:ext uri="{FF2B5EF4-FFF2-40B4-BE49-F238E27FC236}">
-                  <a16:creationId xmlns="" xmlns:a16="http://schemas.microsoft.com/office/drawing/2014/main" id="{7CA7C01B-3349-49FB-A04B-6B5278F6A4B6}"/>
+                  <a16:creationId xmlns:a16="http://schemas.microsoft.com/office/drawing/2014/main" xmlns="" id="{7CA7C01B-3349-49FB-A04B-6B5278F6A4B6}"/>
                 </a:ext>
               </a:extLst>
             </p:cNvPr>
@@ -13373,7 +13373,7 @@
             <p:cNvPr id="3" name="Textfeld 2">
               <a:extLst>
                 <a:ext uri="{FF2B5EF4-FFF2-40B4-BE49-F238E27FC236}">
-                  <a16:creationId xmlns="" xmlns:a16="http://schemas.microsoft.com/office/drawing/2014/main" id="{4FE7F08F-8B70-4C59-9FB2-378E2789EC1A}"/>
+                  <a16:creationId xmlns:a16="http://schemas.microsoft.com/office/drawing/2014/main" xmlns="" id="{4FE7F08F-8B70-4C59-9FB2-378E2789EC1A}"/>
                 </a:ext>
               </a:extLst>
             </p:cNvPr>
@@ -13447,10 +13447,10 @@
           <p:cNvPr id="2" name="Gerader Verbinder 7">
             <a:extLst>
               <a:ext uri="{FF2B5EF4-FFF2-40B4-BE49-F238E27FC236}">
-                <a16:creationId xmlns="" xmlns:a16="http://schemas.microsoft.com/office/drawing/2014/main" id="{D0986099-F5F2-4E8B-BE17-81194861A00C}"/>
+                <a16:creationId xmlns:a16="http://schemas.microsoft.com/office/drawing/2014/main" xmlns="" id="{D0986099-F5F2-4E8B-BE17-81194861A00C}"/>
               </a:ext>
               <a:ext uri="{C183D7F6-B498-43B3-948B-1728B52AA6E4}">
-                <adec:decorative xmlns="" xmlns:adec="http://schemas.microsoft.com/office/drawing/2017/decorative" val="1"/>
+                <adec:decorative xmlns:adec="http://schemas.microsoft.com/office/drawing/2017/decorative" xmlns="" val="1"/>
               </a:ext>
             </a:extLst>
           </p:cNvPr>
@@ -13496,7 +13496,7 @@
           <p:cNvPr id="3" name="Titel 1">
             <a:extLst>
               <a:ext uri="{FF2B5EF4-FFF2-40B4-BE49-F238E27FC236}">
-                <a16:creationId xmlns="" xmlns:a16="http://schemas.microsoft.com/office/drawing/2014/main" id="{4E3F5479-058B-4FA8-92E9-18CAB8CDC5C5}"/>
+                <a16:creationId xmlns:a16="http://schemas.microsoft.com/office/drawing/2014/main" xmlns="" id="{4E3F5479-058B-4FA8-92E9-18CAB8CDC5C5}"/>
               </a:ext>
             </a:extLst>
           </p:cNvPr>
@@ -13566,10 +13566,10 @@
           <p:cNvPr id="4" name="Gerader Verbinder 13">
             <a:extLst>
               <a:ext uri="{FF2B5EF4-FFF2-40B4-BE49-F238E27FC236}">
-                <a16:creationId xmlns="" xmlns:a16="http://schemas.microsoft.com/office/drawing/2014/main" id="{83E690F4-843A-47A5-8620-4FB01C0D8E68}"/>
+                <a16:creationId xmlns:a16="http://schemas.microsoft.com/office/drawing/2014/main" xmlns="" id="{83E690F4-843A-47A5-8620-4FB01C0D8E68}"/>
               </a:ext>
               <a:ext uri="{C183D7F6-B498-43B3-948B-1728B52AA6E4}">
-                <adec:decorative xmlns="" xmlns:adec="http://schemas.microsoft.com/office/drawing/2017/decorative" val="1"/>
+                <adec:decorative xmlns:adec="http://schemas.microsoft.com/office/drawing/2017/decorative" xmlns="" val="1"/>
               </a:ext>
             </a:extLst>
           </p:cNvPr>
@@ -13728,7 +13728,7 @@
           <p:cNvPr id="4" name="Titel 3" hidden="1">
             <a:extLst>
               <a:ext uri="{FF2B5EF4-FFF2-40B4-BE49-F238E27FC236}">
-                <a16:creationId xmlns="" xmlns:a16="http://schemas.microsoft.com/office/drawing/2014/main" id="{B5981CF1-BC08-49F8-B0F9-AAF98EC67450}"/>
+                <a16:creationId xmlns:a16="http://schemas.microsoft.com/office/drawing/2014/main" xmlns="" id="{B5981CF1-BC08-49F8-B0F9-AAF98EC67450}"/>
               </a:ext>
             </a:extLst>
           </p:cNvPr>
@@ -13761,10 +13761,10 @@
           <p:cNvPr id="8" name="Gerader Verbinder 7">
             <a:extLst>
               <a:ext uri="{FF2B5EF4-FFF2-40B4-BE49-F238E27FC236}">
-                <a16:creationId xmlns="" xmlns:a16="http://schemas.microsoft.com/office/drawing/2014/main" id="{D0986099-F5F2-4E8B-BE17-81194861A00C}"/>
+                <a16:creationId xmlns:a16="http://schemas.microsoft.com/office/drawing/2014/main" xmlns="" id="{D0986099-F5F2-4E8B-BE17-81194861A00C}"/>
               </a:ext>
               <a:ext uri="{C183D7F6-B498-43B3-948B-1728B52AA6E4}">
-                <adec:decorative xmlns="" xmlns:adec="http://schemas.microsoft.com/office/drawing/2017/decorative" val="1"/>
+                <adec:decorative xmlns:adec="http://schemas.microsoft.com/office/drawing/2017/decorative" xmlns="" val="1"/>
               </a:ext>
             </a:extLst>
           </p:cNvPr>
@@ -13810,7 +13810,7 @@
           <p:cNvPr id="11" name="Titel 1">
             <a:extLst>
               <a:ext uri="{FF2B5EF4-FFF2-40B4-BE49-F238E27FC236}">
-                <a16:creationId xmlns="" xmlns:a16="http://schemas.microsoft.com/office/drawing/2014/main" id="{4E3F5479-058B-4FA8-92E9-18CAB8CDC5C5}"/>
+                <a16:creationId xmlns:a16="http://schemas.microsoft.com/office/drawing/2014/main" xmlns="" id="{4E3F5479-058B-4FA8-92E9-18CAB8CDC5C5}"/>
               </a:ext>
             </a:extLst>
           </p:cNvPr>
@@ -13880,10 +13880,10 @@
           <p:cNvPr id="14" name="Gerader Verbinder 13">
             <a:extLst>
               <a:ext uri="{FF2B5EF4-FFF2-40B4-BE49-F238E27FC236}">
-                <a16:creationId xmlns="" xmlns:a16="http://schemas.microsoft.com/office/drawing/2014/main" id="{83E690F4-843A-47A5-8620-4FB01C0D8E68}"/>
+                <a16:creationId xmlns:a16="http://schemas.microsoft.com/office/drawing/2014/main" xmlns="" id="{83E690F4-843A-47A5-8620-4FB01C0D8E68}"/>
               </a:ext>
               <a:ext uri="{C183D7F6-B498-43B3-948B-1728B52AA6E4}">
-                <adec:decorative xmlns="" xmlns:adec="http://schemas.microsoft.com/office/drawing/2017/decorative" val="1"/>
+                <adec:decorative xmlns:adec="http://schemas.microsoft.com/office/drawing/2017/decorative" xmlns="" val="1"/>
               </a:ext>
             </a:extLst>
           </p:cNvPr>
@@ -13929,7 +13929,7 @@
           <p:cNvPr id="31" name="Gruppieren 30" descr="Symbol, das ein Balkendiagramm mit einem Liniendiagramm darstellt">
             <a:extLst>
               <a:ext uri="{FF2B5EF4-FFF2-40B4-BE49-F238E27FC236}">
-                <a16:creationId xmlns="" xmlns:a16="http://schemas.microsoft.com/office/drawing/2014/main" id="{044C3643-8A0E-47C1-BEB8-C73203B5E58D}"/>
+                <a16:creationId xmlns:a16="http://schemas.microsoft.com/office/drawing/2014/main" xmlns="" id="{044C3643-8A0E-47C1-BEB8-C73203B5E58D}"/>
               </a:ext>
             </a:extLst>
           </p:cNvPr>
@@ -13952,7 +13952,7 @@
             <p:cNvPr id="32" name="Freihandform 372">
               <a:extLst>
                 <a:ext uri="{FF2B5EF4-FFF2-40B4-BE49-F238E27FC236}">
-                  <a16:creationId xmlns="" xmlns:a16="http://schemas.microsoft.com/office/drawing/2014/main" id="{56E8F5A5-5318-470B-8F42-337C264086AA}"/>
+                  <a16:creationId xmlns:a16="http://schemas.microsoft.com/office/drawing/2014/main" xmlns="" id="{56E8F5A5-5318-470B-8F42-337C264086AA}"/>
                 </a:ext>
               </a:extLst>
             </p:cNvPr>
@@ -14689,7 +14689,7 @@
             <p:cNvPr id="33" name="Freihandform 373">
               <a:extLst>
                 <a:ext uri="{FF2B5EF4-FFF2-40B4-BE49-F238E27FC236}">
-                  <a16:creationId xmlns="" xmlns:a16="http://schemas.microsoft.com/office/drawing/2014/main" id="{6AA1356D-8F1B-4281-BEC5-5B4EBF7467B1}"/>
+                  <a16:creationId xmlns:a16="http://schemas.microsoft.com/office/drawing/2014/main" xmlns="" id="{6AA1356D-8F1B-4281-BEC5-5B4EBF7467B1}"/>
                 </a:ext>
               </a:extLst>
             </p:cNvPr>
@@ -15680,7 +15680,7 @@
           <p:cNvPr id="35" name="Freihandform 4665" descr="Symbol, das einen Graph darstellt ">
             <a:extLst>
               <a:ext uri="{FF2B5EF4-FFF2-40B4-BE49-F238E27FC236}">
-                <a16:creationId xmlns="" xmlns:a16="http://schemas.microsoft.com/office/drawing/2014/main" id="{557E39B2-E017-4E5C-B53E-DDE3B9D4C92C}"/>
+                <a16:creationId xmlns:a16="http://schemas.microsoft.com/office/drawing/2014/main" xmlns="" id="{557E39B2-E017-4E5C-B53E-DDE3B9D4C92C}"/>
               </a:ext>
             </a:extLst>
           </p:cNvPr>
@@ -16873,7 +16873,7 @@
           <p:cNvPr id="36" name="Gruppieren 35" descr="Symbol, das einen Menschen und ein Zahnrad darstellt ">
             <a:extLst>
               <a:ext uri="{FF2B5EF4-FFF2-40B4-BE49-F238E27FC236}">
-                <a16:creationId xmlns="" xmlns:a16="http://schemas.microsoft.com/office/drawing/2014/main" id="{ECC5F635-1712-4572-A9EC-F94E2199DDBD}"/>
+                <a16:creationId xmlns:a16="http://schemas.microsoft.com/office/drawing/2014/main" xmlns="" id="{ECC5F635-1712-4572-A9EC-F94E2199DDBD}"/>
               </a:ext>
             </a:extLst>
           </p:cNvPr>
@@ -16896,7 +16896,7 @@
             <p:cNvPr id="37" name="Freihandform 3673">
               <a:extLst>
                 <a:ext uri="{FF2B5EF4-FFF2-40B4-BE49-F238E27FC236}">
-                  <a16:creationId xmlns="" xmlns:a16="http://schemas.microsoft.com/office/drawing/2014/main" id="{D1391604-D4EC-48A8-AE57-EDF194392FB1}"/>
+                  <a16:creationId xmlns:a16="http://schemas.microsoft.com/office/drawing/2014/main" xmlns="" id="{D1391604-D4EC-48A8-AE57-EDF194392FB1}"/>
                 </a:ext>
               </a:extLst>
             </p:cNvPr>
@@ -17631,7 +17631,7 @@
             <p:cNvPr id="38" name="Freihandform 3674">
               <a:extLst>
                 <a:ext uri="{FF2B5EF4-FFF2-40B4-BE49-F238E27FC236}">
-                  <a16:creationId xmlns="" xmlns:a16="http://schemas.microsoft.com/office/drawing/2014/main" id="{44A4D0F8-0767-41BC-BE62-0AED99EC8B25}"/>
+                  <a16:creationId xmlns:a16="http://schemas.microsoft.com/office/drawing/2014/main" xmlns="" id="{44A4D0F8-0767-41BC-BE62-0AED99EC8B25}"/>
                 </a:ext>
               </a:extLst>
             </p:cNvPr>
@@ -18438,7 +18438,7 @@
           <p:cNvPr id="39" name="Gruppieren 38" descr="Symbol, das Zahnräder darstellt ">
             <a:extLst>
               <a:ext uri="{FF2B5EF4-FFF2-40B4-BE49-F238E27FC236}">
-                <a16:creationId xmlns="" xmlns:a16="http://schemas.microsoft.com/office/drawing/2014/main" id="{5BC0E3F0-447D-4721-AB1F-C8243BA36671}"/>
+                <a16:creationId xmlns:a16="http://schemas.microsoft.com/office/drawing/2014/main" xmlns="" id="{5BC0E3F0-447D-4721-AB1F-C8243BA36671}"/>
               </a:ext>
             </a:extLst>
           </p:cNvPr>
@@ -18461,7 +18461,7 @@
             <p:cNvPr id="40" name="Freihandform 4359">
               <a:extLst>
                 <a:ext uri="{FF2B5EF4-FFF2-40B4-BE49-F238E27FC236}">
-                  <a16:creationId xmlns="" xmlns:a16="http://schemas.microsoft.com/office/drawing/2014/main" id="{351831F3-9830-4A23-8B34-11A3FCCA027E}"/>
+                  <a16:creationId xmlns:a16="http://schemas.microsoft.com/office/drawing/2014/main" xmlns="" id="{351831F3-9830-4A23-8B34-11A3FCCA027E}"/>
                 </a:ext>
               </a:extLst>
             </p:cNvPr>
@@ -19460,7 +19460,7 @@
             <p:cNvPr id="41" name="Freihandform 4360">
               <a:extLst>
                 <a:ext uri="{FF2B5EF4-FFF2-40B4-BE49-F238E27FC236}">
-                  <a16:creationId xmlns="" xmlns:a16="http://schemas.microsoft.com/office/drawing/2014/main" id="{CDB8F87B-81A2-480F-ADA8-BFB5FD890ACD}"/>
+                  <a16:creationId xmlns:a16="http://schemas.microsoft.com/office/drawing/2014/main" xmlns="" id="{CDB8F87B-81A2-480F-ADA8-BFB5FD890ACD}"/>
                 </a:ext>
               </a:extLst>
             </p:cNvPr>
@@ -20375,7 +20375,7 @@
           <p:cNvPr id="42" name="Freihandform 4346" descr="Symbol, das ein Kastengrafikdiagramm darstellt ">
             <a:extLst>
               <a:ext uri="{FF2B5EF4-FFF2-40B4-BE49-F238E27FC236}">
-                <a16:creationId xmlns="" xmlns:a16="http://schemas.microsoft.com/office/drawing/2014/main" id="{D131817A-5B27-4718-8BAC-45C9CEDA45D9}"/>
+                <a16:creationId xmlns:a16="http://schemas.microsoft.com/office/drawing/2014/main" xmlns="" id="{D131817A-5B27-4718-8BAC-45C9CEDA45D9}"/>
               </a:ext>
             </a:extLst>
           </p:cNvPr>
@@ -22090,7 +22090,7 @@
           <p:cNvPr id="2" name="Textfeld 1">
             <a:extLst>
               <a:ext uri="{FF2B5EF4-FFF2-40B4-BE49-F238E27FC236}">
-                <a16:creationId xmlns="" xmlns:a16="http://schemas.microsoft.com/office/drawing/2014/main" id="{59919A1F-B0E3-4494-8033-4C8D44E65BB2}"/>
+                <a16:creationId xmlns:a16="http://schemas.microsoft.com/office/drawing/2014/main" xmlns="" id="{59919A1F-B0E3-4494-8033-4C8D44E65BB2}"/>
               </a:ext>
             </a:extLst>
           </p:cNvPr>
@@ -22099,8 +22099,8 @@
         </p:nvSpPr>
         <p:spPr>
           <a:xfrm>
-            <a:off x="2768825" y="1443067"/>
-            <a:ext cx="6654349" cy="4524315"/>
+            <a:off x="700015" y="1258400"/>
+            <a:ext cx="6654349" cy="4893647"/>
           </a:xfrm>
           <a:prstGeom prst="rect">
             <a:avLst/>
@@ -22165,6 +22165,8 @@
               <a:rPr lang="en-US" sz="2400" dirty="0" smtClean="0"/>
               <a:t>SQLite3</a:t>
             </a:r>
+          </a:p>
+          <a:p>
             <a:endParaRPr lang="en-US" sz="2400" dirty="0"/>
           </a:p>
           <a:p>
@@ -22179,12 +22181,20 @@
               <a:buChar char="•"/>
             </a:pPr>
             <a:r>
+              <a:rPr lang="en-US" sz="2400" dirty="0" err="1"/>
+              <a:t>j</a:t>
+            </a:r>
+            <a:r>
               <a:rPr lang="en-US" sz="2400" dirty="0" err="1" smtClean="0"/>
-              <a:t>Jquery</a:t>
+              <a:t>Query</a:t>
             </a:r>
             <a:r>
               <a:rPr lang="en-US" sz="2400" dirty="0" smtClean="0"/>
-              <a:t> a JavaScript library</a:t>
+              <a:t> </a:t>
+            </a:r>
+            <a:r>
+              <a:rPr lang="en-US" sz="2400" dirty="0" smtClean="0"/>
+              <a:t>a JavaScript library</a:t>
             </a:r>
           </a:p>
           <a:p>
@@ -22207,8 +22217,8 @@
               <a:t>Rater JS </a:t>
             </a:r>
             <a:r>
-              <a:rPr lang="en-US" sz="2400" dirty="0" err="1" smtClean="0"/>
-              <a:t>Widjet</a:t>
+              <a:rPr lang="en-US" sz="2400" dirty="0" smtClean="0"/>
+              <a:t>Widget</a:t>
             </a:r>
             <a:endParaRPr lang="en-US" sz="2400" dirty="0" smtClean="0"/>
           </a:p>
@@ -22286,8 +22296,8 @@
         </p:nvSpPr>
         <p:spPr>
           <a:xfrm>
-            <a:off x="603159" y="991855"/>
-            <a:ext cx="10985679" cy="4801314"/>
+            <a:off x="603158" y="1172160"/>
+            <a:ext cx="10985679" cy="5335500"/>
           </a:xfrm>
           <a:prstGeom prst="rect">
             <a:avLst/>
@@ -22301,260 +22311,142 @@
           <a:lstStyle/>
           <a:p>
             <a:pPr marL="285750" indent="-285750">
+              <a:lnSpc>
+                <a:spcPct val="150000"/>
+              </a:lnSpc>
               <a:buFont typeface="Arial" pitchFamily="34" charset="0"/>
               <a:buChar char="•"/>
             </a:pPr>
             <a:r>
-              <a:rPr lang="en-US" dirty="0" smtClean="0"/>
-              <a:t>Add </a:t>
+              <a:rPr lang="en-US" sz="2300" dirty="0" smtClean="0"/>
+              <a:t>Show firstly the cocktail that matches more ingredients </a:t>
             </a:r>
-            <a:r>
-              <a:rPr lang="en-US" dirty="0"/>
-              <a:t>an 18+ years old confirmation when the user enters in the website </a:t>
-            </a:r>
-            <a:endParaRPr lang="en-US" dirty="0" smtClean="0"/>
           </a:p>
           <a:p>
             <a:pPr marL="285750" indent="-285750">
+              <a:lnSpc>
+                <a:spcPct val="150000"/>
+              </a:lnSpc>
               <a:buFont typeface="Arial" pitchFamily="34" charset="0"/>
               <a:buChar char="•"/>
             </a:pPr>
             <a:r>
-              <a:rPr lang="en-US" dirty="0" smtClean="0"/>
-              <a:t>Show </a:t>
+              <a:rPr lang="en-US" sz="2300" dirty="0" smtClean="0"/>
+              <a:t>Public the website online </a:t>
             </a:r>
-            <a:r>
-              <a:rPr lang="en-US" dirty="0"/>
-              <a:t>firstly the cocktail that matches more ingredients </a:t>
-            </a:r>
-            <a:endParaRPr lang="en-US" dirty="0" smtClean="0"/>
           </a:p>
           <a:p>
             <a:pPr marL="285750" indent="-285750">
+              <a:lnSpc>
+                <a:spcPct val="150000"/>
+              </a:lnSpc>
               <a:buFont typeface="Arial" pitchFamily="34" charset="0"/>
               <a:buChar char="•"/>
             </a:pPr>
             <a:r>
-              <a:rPr lang="en-US" dirty="0" smtClean="0"/>
-              <a:t>Public </a:t>
+              <a:rPr lang="en-US" sz="2300" dirty="0" smtClean="0"/>
+              <a:t>Remove banned users Reviews </a:t>
             </a:r>
-            <a:r>
-              <a:rPr lang="en-US" dirty="0"/>
-              <a:t>the website online </a:t>
-            </a:r>
-            <a:endParaRPr lang="en-US" dirty="0" smtClean="0"/>
           </a:p>
           <a:p>
             <a:pPr marL="285750" indent="-285750">
+              <a:lnSpc>
+                <a:spcPct val="150000"/>
+              </a:lnSpc>
               <a:buFont typeface="Arial" pitchFamily="34" charset="0"/>
               <a:buChar char="•"/>
             </a:pPr>
             <a:r>
-              <a:rPr lang="en-US" dirty="0" smtClean="0"/>
-              <a:t>Add </a:t>
+              <a:rPr lang="en-US" sz="2300" dirty="0" smtClean="0"/>
+              <a:t>Adding a Salt for safe encryption of the user password </a:t>
             </a:r>
-            <a:r>
-              <a:rPr lang="en-US" dirty="0"/>
-              <a:t>an SSL certificate in order to use the HTTPS protocol, instead of the HTTP one </a:t>
-            </a:r>
-            <a:endParaRPr lang="en-US" dirty="0" smtClean="0"/>
           </a:p>
           <a:p>
             <a:pPr marL="285750" indent="-285750">
+              <a:lnSpc>
+                <a:spcPct val="150000"/>
+              </a:lnSpc>
               <a:buFont typeface="Arial" pitchFamily="34" charset="0"/>
               <a:buChar char="•"/>
             </a:pPr>
             <a:r>
-              <a:rPr lang="en-US" dirty="0" smtClean="0"/>
-              <a:t>Encrypt </a:t>
+              <a:rPr lang="en-US" sz="2300" dirty="0" smtClean="0"/>
+              <a:t>Search for non-alcoholic or alcoholic Cocktails </a:t>
             </a:r>
-            <a:r>
-              <a:rPr lang="en-US" dirty="0"/>
-              <a:t>the login and registration data before sending them to the back-end </a:t>
-            </a:r>
-            <a:endParaRPr lang="en-US" dirty="0" smtClean="0"/>
           </a:p>
           <a:p>
             <a:pPr marL="285750" indent="-285750">
+              <a:lnSpc>
+                <a:spcPct val="150000"/>
+              </a:lnSpc>
               <a:buFont typeface="Arial" pitchFamily="34" charset="0"/>
               <a:buChar char="•"/>
             </a:pPr>
             <a:r>
-              <a:rPr lang="en-US" dirty="0" smtClean="0"/>
-              <a:t>Add </a:t>
+              <a:rPr lang="en-US" sz="2300" dirty="0" smtClean="0"/>
+              <a:t>Create privacy/cookie policy for the website </a:t>
             </a:r>
-            <a:r>
-              <a:rPr lang="en-US" dirty="0"/>
-              <a:t>constraints for the password length and strength </a:t>
-            </a:r>
-            <a:endParaRPr lang="en-US" dirty="0" smtClean="0"/>
           </a:p>
           <a:p>
             <a:pPr marL="285750" indent="-285750">
+              <a:lnSpc>
+                <a:spcPct val="150000"/>
+              </a:lnSpc>
               <a:buFont typeface="Arial" pitchFamily="34" charset="0"/>
               <a:buChar char="•"/>
             </a:pPr>
             <a:r>
-              <a:rPr lang="en-US" dirty="0" smtClean="0"/>
-              <a:t>Remove </a:t>
+              <a:rPr lang="en-US" sz="2300" dirty="0" smtClean="0"/>
+              <a:t>Add profile picture and friend-list feature </a:t>
             </a:r>
-            <a:r>
-              <a:rPr lang="en-US" dirty="0"/>
-              <a:t>banned users Reviews </a:t>
-            </a:r>
-            <a:endParaRPr lang="en-US" dirty="0" smtClean="0"/>
           </a:p>
           <a:p>
             <a:pPr marL="285750" indent="-285750">
+              <a:lnSpc>
+                <a:spcPct val="150000"/>
+              </a:lnSpc>
               <a:buFont typeface="Arial" pitchFamily="34" charset="0"/>
               <a:buChar char="•"/>
             </a:pPr>
             <a:r>
-              <a:rPr lang="en-US" dirty="0" smtClean="0"/>
-              <a:t>Adding </a:t>
+              <a:rPr lang="en-US" sz="2300" dirty="0" smtClean="0"/>
+              <a:t>Make Public Profile Pages </a:t>
             </a:r>
-            <a:r>
-              <a:rPr lang="en-US" dirty="0"/>
-              <a:t>a Salt for safe encryption of the user password </a:t>
-            </a:r>
-            <a:endParaRPr lang="en-US" dirty="0" smtClean="0"/>
           </a:p>
           <a:p>
             <a:pPr marL="285750" indent="-285750">
+              <a:lnSpc>
+                <a:spcPct val="150000"/>
+              </a:lnSpc>
               <a:buFont typeface="Arial" pitchFamily="34" charset="0"/>
               <a:buChar char="•"/>
             </a:pPr>
             <a:r>
-              <a:rPr lang="en-US" dirty="0" smtClean="0"/>
-              <a:t>Search </a:t>
+              <a:rPr lang="en-US" sz="2300" dirty="0" smtClean="0"/>
+              <a:t>Use </a:t>
             </a:r>
             <a:r>
-              <a:rPr lang="en-US" dirty="0"/>
-              <a:t>for non-alcoholic or alcoholic Cocktails </a:t>
+              <a:rPr lang="en-US" sz="2300" dirty="0" err="1" smtClean="0"/>
+              <a:t>OAuth</a:t>
             </a:r>
-            <a:endParaRPr lang="en-US" dirty="0" smtClean="0"/>
+            <a:r>
+              <a:rPr lang="en-US" sz="2300" dirty="0" smtClean="0"/>
+              <a:t> 2 for login </a:t>
+            </a:r>
           </a:p>
           <a:p>
             <a:pPr marL="285750" indent="-285750">
+              <a:lnSpc>
+                <a:spcPct val="150000"/>
+              </a:lnSpc>
               <a:buFont typeface="Arial" pitchFamily="34" charset="0"/>
               <a:buChar char="•"/>
             </a:pPr>
             <a:r>
-              <a:rPr lang="en-US" dirty="0" smtClean="0"/>
-              <a:t>Create </a:t>
+              <a:rPr lang="en-US" sz="2300" dirty="0" smtClean="0"/>
+              <a:t>Allowing the user to edit a cocktail from the User Interface</a:t>
             </a:r>
-            <a:r>
-              <a:rPr lang="en-US" dirty="0"/>
-              <a:t>privacy/cookie policy for the website </a:t>
-            </a:r>
-            <a:endParaRPr lang="en-US" dirty="0" smtClean="0"/>
-          </a:p>
-          <a:p>
-            <a:pPr marL="285750" indent="-285750">
-              <a:buFont typeface="Arial" pitchFamily="34" charset="0"/>
-              <a:buChar char="•"/>
-            </a:pPr>
-            <a:r>
-              <a:rPr lang="en-US" dirty="0" smtClean="0"/>
-              <a:t>Add </a:t>
-            </a:r>
-            <a:r>
-              <a:rPr lang="en-US" dirty="0"/>
-              <a:t>email, birth date to the user registration </a:t>
-            </a:r>
-            <a:endParaRPr lang="en-US" dirty="0" smtClean="0"/>
-          </a:p>
-          <a:p>
-            <a:pPr marL="285750" indent="-285750">
-              <a:buFont typeface="Arial" pitchFamily="34" charset="0"/>
-              <a:buChar char="•"/>
-            </a:pPr>
-            <a:r>
-              <a:rPr lang="en-US" dirty="0" smtClean="0"/>
-              <a:t>Add </a:t>
-            </a:r>
-            <a:r>
-              <a:rPr lang="en-US" dirty="0"/>
-              <a:t>profile picture and friend-list feature </a:t>
-            </a:r>
-            <a:endParaRPr lang="en-US" dirty="0" smtClean="0"/>
-          </a:p>
-          <a:p>
-            <a:pPr marL="285750" indent="-285750">
-              <a:buFont typeface="Arial" pitchFamily="34" charset="0"/>
-              <a:buChar char="•"/>
-            </a:pPr>
-            <a:r>
-              <a:rPr lang="en-US" dirty="0" smtClean="0"/>
-              <a:t>Make </a:t>
-            </a:r>
-            <a:r>
-              <a:rPr lang="en-US" dirty="0"/>
-              <a:t>Public Profile Pages </a:t>
-            </a:r>
-            <a:endParaRPr lang="en-US" dirty="0" smtClean="0"/>
-          </a:p>
-          <a:p>
-            <a:pPr marL="285750" indent="-285750">
-              <a:buFont typeface="Arial" pitchFamily="34" charset="0"/>
-              <a:buChar char="•"/>
-            </a:pPr>
-            <a:r>
-              <a:rPr lang="en-US" dirty="0" smtClean="0"/>
-              <a:t>Use </a:t>
-            </a:r>
-            <a:r>
-              <a:rPr lang="en-US" dirty="0" err="1"/>
-              <a:t>OAuth</a:t>
-            </a:r>
-            <a:r>
-              <a:rPr lang="en-US" dirty="0"/>
-              <a:t> 2 for login </a:t>
-            </a:r>
-            <a:endParaRPr lang="en-US" dirty="0" smtClean="0"/>
-          </a:p>
-          <a:p>
-            <a:pPr marL="285750" indent="-285750">
-              <a:buFont typeface="Arial" pitchFamily="34" charset="0"/>
-              <a:buChar char="•"/>
-            </a:pPr>
-            <a:r>
-              <a:rPr lang="en-US" dirty="0" smtClean="0"/>
-              <a:t>Edit </a:t>
-            </a:r>
-            <a:r>
-              <a:rPr lang="en-US" dirty="0"/>
-              <a:t>some API to lower the possibility of XSS </a:t>
-            </a:r>
-            <a:endParaRPr lang="en-US" dirty="0" smtClean="0"/>
-          </a:p>
-          <a:p>
-            <a:pPr marL="285750" indent="-285750">
-              <a:buFont typeface="Arial" pitchFamily="34" charset="0"/>
-              <a:buChar char="•"/>
-            </a:pPr>
-            <a:r>
-              <a:rPr lang="en-US" dirty="0" smtClean="0"/>
-              <a:t>Use </a:t>
-            </a:r>
-            <a:r>
-              <a:rPr lang="en-US" dirty="0"/>
-              <a:t>a CDN and save images on the cloud in order to lower the space needed by the website </a:t>
-            </a:r>
-          </a:p>
-          <a:p>
-            <a:pPr marL="285750" indent="-285750">
-              <a:buFont typeface="Arial" pitchFamily="34" charset="0"/>
-              <a:buChar char="•"/>
-            </a:pPr>
-            <a:r>
-              <a:rPr lang="en-US" dirty="0" smtClean="0"/>
-              <a:t>Add </a:t>
-            </a:r>
-            <a:r>
-              <a:rPr lang="en-US" dirty="0"/>
-              <a:t>the Admin user with the ability to give and remove moderator rights to users</a:t>
-            </a:r>
+            <a:endParaRPr lang="en-US" sz="2300" dirty="0"/>
           </a:p>
         </p:txBody>
       </p:sp>
@@ -22563,10 +22455,10 @@
           <p:cNvPr id="3" name="Gerader Verbinder 7">
             <a:extLst>
               <a:ext uri="{FF2B5EF4-FFF2-40B4-BE49-F238E27FC236}">
-                <a16:creationId xmlns="" xmlns:a16="http://schemas.microsoft.com/office/drawing/2014/main" id="{D0986099-F5F2-4E8B-BE17-81194861A00C}"/>
+                <a16:creationId xmlns:a16="http://schemas.microsoft.com/office/drawing/2014/main" xmlns="" id="{D0986099-F5F2-4E8B-BE17-81194861A00C}"/>
               </a:ext>
               <a:ext uri="{C183D7F6-B498-43B3-948B-1728B52AA6E4}">
-                <adec:decorative xmlns="" xmlns:adec="http://schemas.microsoft.com/office/drawing/2017/decorative" val="1"/>
+                <adec:decorative xmlns:adec="http://schemas.microsoft.com/office/drawing/2017/decorative" xmlns="" val="1"/>
               </a:ext>
             </a:extLst>
           </p:cNvPr>
@@ -22612,7 +22504,7 @@
           <p:cNvPr id="4" name="Titel 1">
             <a:extLst>
               <a:ext uri="{FF2B5EF4-FFF2-40B4-BE49-F238E27FC236}">
-                <a16:creationId xmlns="" xmlns:a16="http://schemas.microsoft.com/office/drawing/2014/main" id="{4E3F5479-058B-4FA8-92E9-18CAB8CDC5C5}"/>
+                <a16:creationId xmlns:a16="http://schemas.microsoft.com/office/drawing/2014/main" xmlns="" id="{4E3F5479-058B-4FA8-92E9-18CAB8CDC5C5}"/>
               </a:ext>
             </a:extLst>
           </p:cNvPr>
@@ -22682,10 +22574,10 @@
           <p:cNvPr id="5" name="Gerader Verbinder 13">
             <a:extLst>
               <a:ext uri="{FF2B5EF4-FFF2-40B4-BE49-F238E27FC236}">
-                <a16:creationId xmlns="" xmlns:a16="http://schemas.microsoft.com/office/drawing/2014/main" id="{83E690F4-843A-47A5-8620-4FB01C0D8E68}"/>
+                <a16:creationId xmlns:a16="http://schemas.microsoft.com/office/drawing/2014/main" xmlns="" id="{83E690F4-843A-47A5-8620-4FB01C0D8E68}"/>
               </a:ext>
               <a:ext uri="{C183D7F6-B498-43B3-948B-1728B52AA6E4}">
-                <adec:decorative xmlns="" xmlns:adec="http://schemas.microsoft.com/office/drawing/2017/decorative" val="1"/>
+                <adec:decorative xmlns:adec="http://schemas.microsoft.com/office/drawing/2017/decorative" xmlns="" val="1"/>
               </a:ext>
             </a:extLst>
           </p:cNvPr>
@@ -22768,7 +22660,7 @@
           <p:cNvPr id="4" name="Titel 3" hidden="1">
             <a:extLst>
               <a:ext uri="{FF2B5EF4-FFF2-40B4-BE49-F238E27FC236}">
-                <a16:creationId xmlns="" xmlns:a16="http://schemas.microsoft.com/office/drawing/2014/main" id="{B5981CF1-BC08-49F8-B0F9-AAF98EC67450}"/>
+                <a16:creationId xmlns:a16="http://schemas.microsoft.com/office/drawing/2014/main" xmlns="" id="{B5981CF1-BC08-49F8-B0F9-AAF98EC67450}"/>
               </a:ext>
             </a:extLst>
           </p:cNvPr>
@@ -22801,10 +22693,10 @@
           <p:cNvPr id="8" name="Gerader Verbinder 7">
             <a:extLst>
               <a:ext uri="{FF2B5EF4-FFF2-40B4-BE49-F238E27FC236}">
-                <a16:creationId xmlns="" xmlns:a16="http://schemas.microsoft.com/office/drawing/2014/main" id="{D0986099-F5F2-4E8B-BE17-81194861A00C}"/>
+                <a16:creationId xmlns:a16="http://schemas.microsoft.com/office/drawing/2014/main" xmlns="" id="{D0986099-F5F2-4E8B-BE17-81194861A00C}"/>
               </a:ext>
               <a:ext uri="{C183D7F6-B498-43B3-948B-1728B52AA6E4}">
-                <adec:decorative xmlns="" xmlns:adec="http://schemas.microsoft.com/office/drawing/2017/decorative" val="1"/>
+                <adec:decorative xmlns:adec="http://schemas.microsoft.com/office/drawing/2017/decorative" xmlns="" val="1"/>
               </a:ext>
             </a:extLst>
           </p:cNvPr>
@@ -22850,7 +22742,7 @@
           <p:cNvPr id="11" name="Titel 1">
             <a:extLst>
               <a:ext uri="{FF2B5EF4-FFF2-40B4-BE49-F238E27FC236}">
-                <a16:creationId xmlns="" xmlns:a16="http://schemas.microsoft.com/office/drawing/2014/main" id="{4E3F5479-058B-4FA8-92E9-18CAB8CDC5C5}"/>
+                <a16:creationId xmlns:a16="http://schemas.microsoft.com/office/drawing/2014/main" xmlns="" id="{4E3F5479-058B-4FA8-92E9-18CAB8CDC5C5}"/>
               </a:ext>
             </a:extLst>
           </p:cNvPr>
@@ -22920,10 +22812,10 @@
           <p:cNvPr id="14" name="Gerader Verbinder 13">
             <a:extLst>
               <a:ext uri="{FF2B5EF4-FFF2-40B4-BE49-F238E27FC236}">
-                <a16:creationId xmlns="" xmlns:a16="http://schemas.microsoft.com/office/drawing/2014/main" id="{83E690F4-843A-47A5-8620-4FB01C0D8E68}"/>
+                <a16:creationId xmlns:a16="http://schemas.microsoft.com/office/drawing/2014/main" xmlns="" id="{83E690F4-843A-47A5-8620-4FB01C0D8E68}"/>
               </a:ext>
               <a:ext uri="{C183D7F6-B498-43B3-948B-1728B52AA6E4}">
-                <adec:decorative xmlns="" xmlns:adec="http://schemas.microsoft.com/office/drawing/2017/decorative" val="1"/>
+                <adec:decorative xmlns:adec="http://schemas.microsoft.com/office/drawing/2017/decorative" xmlns="" val="1"/>
               </a:ext>
             </a:extLst>
           </p:cNvPr>
@@ -22969,7 +22861,7 @@
           <p:cNvPr id="31" name="Gruppieren 30" descr="Symbol, das ein Balkendiagramm mit einem Liniendiagramm darstellt">
             <a:extLst>
               <a:ext uri="{FF2B5EF4-FFF2-40B4-BE49-F238E27FC236}">
-                <a16:creationId xmlns="" xmlns:a16="http://schemas.microsoft.com/office/drawing/2014/main" id="{044C3643-8A0E-47C1-BEB8-C73203B5E58D}"/>
+                <a16:creationId xmlns:a16="http://schemas.microsoft.com/office/drawing/2014/main" xmlns="" id="{044C3643-8A0E-47C1-BEB8-C73203B5E58D}"/>
               </a:ext>
             </a:extLst>
           </p:cNvPr>
@@ -22992,7 +22884,7 @@
             <p:cNvPr id="32" name="Freihandform 372">
               <a:extLst>
                 <a:ext uri="{FF2B5EF4-FFF2-40B4-BE49-F238E27FC236}">
-                  <a16:creationId xmlns="" xmlns:a16="http://schemas.microsoft.com/office/drawing/2014/main" id="{56E8F5A5-5318-470B-8F42-337C264086AA}"/>
+                  <a16:creationId xmlns:a16="http://schemas.microsoft.com/office/drawing/2014/main" xmlns="" id="{56E8F5A5-5318-470B-8F42-337C264086AA}"/>
                 </a:ext>
               </a:extLst>
             </p:cNvPr>
@@ -23729,7 +23621,7 @@
             <p:cNvPr id="33" name="Freihandform 373">
               <a:extLst>
                 <a:ext uri="{FF2B5EF4-FFF2-40B4-BE49-F238E27FC236}">
-                  <a16:creationId xmlns="" xmlns:a16="http://schemas.microsoft.com/office/drawing/2014/main" id="{6AA1356D-8F1B-4281-BEC5-5B4EBF7467B1}"/>
+                  <a16:creationId xmlns:a16="http://schemas.microsoft.com/office/drawing/2014/main" xmlns="" id="{6AA1356D-8F1B-4281-BEC5-5B4EBF7467B1}"/>
                 </a:ext>
               </a:extLst>
             </p:cNvPr>
@@ -24720,7 +24612,7 @@
           <p:cNvPr id="35" name="Freihandform 4665" descr="Symbol, das einen Graph darstellt ">
             <a:extLst>
               <a:ext uri="{FF2B5EF4-FFF2-40B4-BE49-F238E27FC236}">
-                <a16:creationId xmlns="" xmlns:a16="http://schemas.microsoft.com/office/drawing/2014/main" id="{557E39B2-E017-4E5C-B53E-DDE3B9D4C92C}"/>
+                <a16:creationId xmlns:a16="http://schemas.microsoft.com/office/drawing/2014/main" xmlns="" id="{557E39B2-E017-4E5C-B53E-DDE3B9D4C92C}"/>
               </a:ext>
             </a:extLst>
           </p:cNvPr>
@@ -25913,7 +25805,7 @@
           <p:cNvPr id="36" name="Gruppieren 35" descr="Symbol, das einen Menschen und ein Zahnrad darstellt ">
             <a:extLst>
               <a:ext uri="{FF2B5EF4-FFF2-40B4-BE49-F238E27FC236}">
-                <a16:creationId xmlns="" xmlns:a16="http://schemas.microsoft.com/office/drawing/2014/main" id="{ECC5F635-1712-4572-A9EC-F94E2199DDBD}"/>
+                <a16:creationId xmlns:a16="http://schemas.microsoft.com/office/drawing/2014/main" xmlns="" id="{ECC5F635-1712-4572-A9EC-F94E2199DDBD}"/>
               </a:ext>
             </a:extLst>
           </p:cNvPr>
@@ -25936,7 +25828,7 @@
             <p:cNvPr id="37" name="Freihandform 3673">
               <a:extLst>
                 <a:ext uri="{FF2B5EF4-FFF2-40B4-BE49-F238E27FC236}">
-                  <a16:creationId xmlns="" xmlns:a16="http://schemas.microsoft.com/office/drawing/2014/main" id="{D1391604-D4EC-48A8-AE57-EDF194392FB1}"/>
+                  <a16:creationId xmlns:a16="http://schemas.microsoft.com/office/drawing/2014/main" xmlns="" id="{D1391604-D4EC-48A8-AE57-EDF194392FB1}"/>
                 </a:ext>
               </a:extLst>
             </p:cNvPr>
@@ -26671,7 +26563,7 @@
             <p:cNvPr id="38" name="Freihandform 3674">
               <a:extLst>
                 <a:ext uri="{FF2B5EF4-FFF2-40B4-BE49-F238E27FC236}">
-                  <a16:creationId xmlns="" xmlns:a16="http://schemas.microsoft.com/office/drawing/2014/main" id="{44A4D0F8-0767-41BC-BE62-0AED99EC8B25}"/>
+                  <a16:creationId xmlns:a16="http://schemas.microsoft.com/office/drawing/2014/main" xmlns="" id="{44A4D0F8-0767-41BC-BE62-0AED99EC8B25}"/>
                 </a:ext>
               </a:extLst>
             </p:cNvPr>
@@ -27478,7 +27370,7 @@
           <p:cNvPr id="39" name="Gruppieren 38" descr="Symbol, das Zahnräder darstellt ">
             <a:extLst>
               <a:ext uri="{FF2B5EF4-FFF2-40B4-BE49-F238E27FC236}">
-                <a16:creationId xmlns="" xmlns:a16="http://schemas.microsoft.com/office/drawing/2014/main" id="{5BC0E3F0-447D-4721-AB1F-C8243BA36671}"/>
+                <a16:creationId xmlns:a16="http://schemas.microsoft.com/office/drawing/2014/main" xmlns="" id="{5BC0E3F0-447D-4721-AB1F-C8243BA36671}"/>
               </a:ext>
             </a:extLst>
           </p:cNvPr>
@@ -27501,7 +27393,7 @@
             <p:cNvPr id="40" name="Freihandform 4359">
               <a:extLst>
                 <a:ext uri="{FF2B5EF4-FFF2-40B4-BE49-F238E27FC236}">
-                  <a16:creationId xmlns="" xmlns:a16="http://schemas.microsoft.com/office/drawing/2014/main" id="{351831F3-9830-4A23-8B34-11A3FCCA027E}"/>
+                  <a16:creationId xmlns:a16="http://schemas.microsoft.com/office/drawing/2014/main" xmlns="" id="{351831F3-9830-4A23-8B34-11A3FCCA027E}"/>
                 </a:ext>
               </a:extLst>
             </p:cNvPr>
@@ -28500,7 +28392,7 @@
             <p:cNvPr id="41" name="Freihandform 4360">
               <a:extLst>
                 <a:ext uri="{FF2B5EF4-FFF2-40B4-BE49-F238E27FC236}">
-                  <a16:creationId xmlns="" xmlns:a16="http://schemas.microsoft.com/office/drawing/2014/main" id="{CDB8F87B-81A2-480F-ADA8-BFB5FD890ACD}"/>
+                  <a16:creationId xmlns:a16="http://schemas.microsoft.com/office/drawing/2014/main" xmlns="" id="{CDB8F87B-81A2-480F-ADA8-BFB5FD890ACD}"/>
                 </a:ext>
               </a:extLst>
             </p:cNvPr>
@@ -29415,7 +29307,7 @@
           <p:cNvPr id="42" name="Freihandform 4346" descr="Symbol, das ein Kastengrafikdiagramm darstellt ">
             <a:extLst>
               <a:ext uri="{FF2B5EF4-FFF2-40B4-BE49-F238E27FC236}">
-                <a16:creationId xmlns="" xmlns:a16="http://schemas.microsoft.com/office/drawing/2014/main" id="{D131817A-5B27-4718-8BAC-45C9CEDA45D9}"/>
+                <a16:creationId xmlns:a16="http://schemas.microsoft.com/office/drawing/2014/main" xmlns="" id="{D131817A-5B27-4718-8BAC-45C9CEDA45D9}"/>
               </a:ext>
             </a:extLst>
           </p:cNvPr>
@@ -31130,7 +31022,7 @@
           <p:cNvPr id="3" name="Textfeld 2">
             <a:extLst>
               <a:ext uri="{FF2B5EF4-FFF2-40B4-BE49-F238E27FC236}">
-                <a16:creationId xmlns="" xmlns:a16="http://schemas.microsoft.com/office/drawing/2014/main" id="{B6F6D979-C3A9-459A-9BD4-C19EA8F6CD22}"/>
+                <a16:creationId xmlns:a16="http://schemas.microsoft.com/office/drawing/2014/main" xmlns="" id="{B6F6D979-C3A9-459A-9BD4-C19EA8F6CD22}"/>
               </a:ext>
             </a:extLst>
           </p:cNvPr>
@@ -31234,10 +31126,10 @@
           <p:cNvPr id="11" name="Gruppieren 10">
             <a:extLst>
               <a:ext uri="{FF2B5EF4-FFF2-40B4-BE49-F238E27FC236}">
-                <a16:creationId xmlns="" xmlns:a16="http://schemas.microsoft.com/office/drawing/2014/main" id="{62A21665-C64F-4BDA-B2DE-442D70605718}"/>
+                <a16:creationId xmlns:a16="http://schemas.microsoft.com/office/drawing/2014/main" xmlns="" id="{62A21665-C64F-4BDA-B2DE-442D70605718}"/>
               </a:ext>
               <a:ext uri="{C183D7F6-B498-43B3-948B-1728B52AA6E4}">
-                <adec:decorative xmlns="" xmlns:adec="http://schemas.microsoft.com/office/drawing/2017/decorative" val="1"/>
+                <adec:decorative xmlns:adec="http://schemas.microsoft.com/office/drawing/2017/decorative" xmlns="" val="1"/>
               </a:ext>
             </a:extLst>
           </p:cNvPr>
@@ -31257,7 +31149,7 @@
             <p:cNvPr id="12" name="Raute 11">
               <a:extLst>
                 <a:ext uri="{FF2B5EF4-FFF2-40B4-BE49-F238E27FC236}">
-                  <a16:creationId xmlns="" xmlns:a16="http://schemas.microsoft.com/office/drawing/2014/main" id="{7DC8B409-5FAC-4539-B25A-26BE925A48AF}"/>
+                  <a16:creationId xmlns:a16="http://schemas.microsoft.com/office/drawing/2014/main" xmlns="" id="{7DC8B409-5FAC-4539-B25A-26BE925A48AF}"/>
                 </a:ext>
               </a:extLst>
             </p:cNvPr>
@@ -31309,7 +31201,7 @@
             <p:cNvPr id="13" name="Raute 12">
               <a:extLst>
                 <a:ext uri="{FF2B5EF4-FFF2-40B4-BE49-F238E27FC236}">
-                  <a16:creationId xmlns="" xmlns:a16="http://schemas.microsoft.com/office/drawing/2014/main" id="{91498E2F-539C-46D3-AF7C-BB1DAE76B114}"/>
+                  <a16:creationId xmlns:a16="http://schemas.microsoft.com/office/drawing/2014/main" xmlns="" id="{91498E2F-539C-46D3-AF7C-BB1DAE76B114}"/>
                 </a:ext>
               </a:extLst>
             </p:cNvPr>
@@ -31362,7 +31254,7 @@
           <p:cNvPr id="15" name="Titel 1">
             <a:extLst>
               <a:ext uri="{FF2B5EF4-FFF2-40B4-BE49-F238E27FC236}">
-                <a16:creationId xmlns="" xmlns:a16="http://schemas.microsoft.com/office/drawing/2014/main" id="{FA061601-468D-486D-B8EE-42BD1BE3ADCC}"/>
+                <a16:creationId xmlns:a16="http://schemas.microsoft.com/office/drawing/2014/main" xmlns="" id="{FA061601-468D-486D-B8EE-42BD1BE3ADCC}"/>
               </a:ext>
             </a:extLst>
           </p:cNvPr>
@@ -31461,10 +31353,10 @@
           <p:cNvPr id="11" name="Gruppieren 10">
             <a:extLst>
               <a:ext uri="{FF2B5EF4-FFF2-40B4-BE49-F238E27FC236}">
-                <a16:creationId xmlns="" xmlns:a16="http://schemas.microsoft.com/office/drawing/2014/main" id="{62A21665-C64F-4BDA-B2DE-442D70605718}"/>
+                <a16:creationId xmlns:a16="http://schemas.microsoft.com/office/drawing/2014/main" xmlns="" id="{62A21665-C64F-4BDA-B2DE-442D70605718}"/>
               </a:ext>
               <a:ext uri="{C183D7F6-B498-43B3-948B-1728B52AA6E4}">
-                <adec:decorative xmlns="" xmlns:adec="http://schemas.microsoft.com/office/drawing/2017/decorative" val="1"/>
+                <adec:decorative xmlns:adec="http://schemas.microsoft.com/office/drawing/2017/decorative" xmlns="" val="1"/>
               </a:ext>
             </a:extLst>
           </p:cNvPr>
@@ -31484,7 +31376,7 @@
             <p:cNvPr id="12" name="Raute 11">
               <a:extLst>
                 <a:ext uri="{FF2B5EF4-FFF2-40B4-BE49-F238E27FC236}">
-                  <a16:creationId xmlns="" xmlns:a16="http://schemas.microsoft.com/office/drawing/2014/main" id="{7DC8B409-5FAC-4539-B25A-26BE925A48AF}"/>
+                  <a16:creationId xmlns:a16="http://schemas.microsoft.com/office/drawing/2014/main" xmlns="" id="{7DC8B409-5FAC-4539-B25A-26BE925A48AF}"/>
                 </a:ext>
               </a:extLst>
             </p:cNvPr>
@@ -31536,7 +31428,7 @@
             <p:cNvPr id="13" name="Raute 12">
               <a:extLst>
                 <a:ext uri="{FF2B5EF4-FFF2-40B4-BE49-F238E27FC236}">
-                  <a16:creationId xmlns="" xmlns:a16="http://schemas.microsoft.com/office/drawing/2014/main" id="{91498E2F-539C-46D3-AF7C-BB1DAE76B114}"/>
+                  <a16:creationId xmlns:a16="http://schemas.microsoft.com/office/drawing/2014/main" xmlns="" id="{91498E2F-539C-46D3-AF7C-BB1DAE76B114}"/>
                 </a:ext>
               </a:extLst>
             </p:cNvPr>
@@ -31840,7 +31732,7 @@
   <a:extraClrSchemeLst/>
   <a:extLst>
     <a:ext uri="{05A4C25C-085E-4340-85A3-A5531E510DB2}">
-      <thm15:themeFamily xmlns="" xmlns:thm15="http://schemas.microsoft.com/office/thememl/2012/main" name="Office_30740403_TF78455520.potx" id="{9CC58D98-8D63-4413-8A90-F6134E0D6024}" vid="{7F592C43-5E71-4209-A923-444667EDB041}"/>
+      <thm15:themeFamily xmlns:thm15="http://schemas.microsoft.com/office/thememl/2012/main" xmlns="" name="Office_30740403_TF78455520.potx" id="{9CC58D98-8D63-4413-8A90-F6134E0D6024}" vid="{7F592C43-5E71-4209-A923-444667EDB041}"/>
     </a:ext>
   </a:extLst>
 </a:theme>
@@ -32135,7 +32027,7 @@
   <a:extraClrSchemeLst/>
   <a:extLst>
     <a:ext uri="{05A4C25C-085E-4340-85A3-A5531E510DB2}">
-      <thm15:themeFamily xmlns="" xmlns:thm15="http://schemas.microsoft.com/office/thememl/2012/main" name="Office Theme" id="{62F939B6-93AF-4DB8-9C6B-D6C7DFDC589F}" vid="{4A3C46E8-61CC-4603-A589-7422A47A8E4A}"/>
+      <thm15:themeFamily xmlns:thm15="http://schemas.microsoft.com/office/thememl/2012/main" xmlns="" name="Office Theme" id="{62F939B6-93AF-4DB8-9C6B-D6C7DFDC589F}" vid="{4A3C46E8-61CC-4603-A589-7422A47A8E4A}"/>
     </a:ext>
   </a:extLst>
 </a:theme>
@@ -32430,7 +32322,7 @@
   <a:extraClrSchemeLst/>
   <a:extLst>
     <a:ext uri="{05A4C25C-085E-4340-85A3-A5531E510DB2}">
-      <thm15:themeFamily xmlns="" xmlns:thm15="http://schemas.microsoft.com/office/thememl/2012/main" name="Office Theme" id="{62F939B6-93AF-4DB8-9C6B-D6C7DFDC589F}" vid="{4A3C46E8-61CC-4603-A589-7422A47A8E4A}"/>
+      <thm15:themeFamily xmlns:thm15="http://schemas.microsoft.com/office/thememl/2012/main" xmlns="" name="Office Theme" id="{62F939B6-93AF-4DB8-9C6B-D6C7DFDC589F}" vid="{4A3C46E8-61CC-4603-A589-7422A47A8E4A}"/>
     </a:ext>
   </a:extLst>
 </a:theme>

--- a/DVA231_Project_presentation.pptx
+++ b/DVA231_Project_presentation.pptx
@@ -119,7 +119,7 @@
   </p:defaultTextStyle>
   <p:extLst>
     <p:ext uri="{EFAFB233-063F-42B5-8137-9DF3F51BA10A}">
-      <p15:sldGuideLst xmlns:p15="http://schemas.microsoft.com/office/powerpoint/2012/main" xmlns="">
+      <p15:sldGuideLst xmlns="" xmlns:p15="http://schemas.microsoft.com/office/powerpoint/2012/main">
         <p15:guide id="1" orient="horz" pos="2328" userDrawn="1">
           <p15:clr>
             <a:srgbClr val="A4A3A4"/>
@@ -153,7 +153,7 @@
       </p15:sldGuideLst>
     </p:ext>
     <p:ext uri="{2D200454-40CA-4A62-9FC3-DE9A4176ACB9}">
-      <p15:notesGuideLst xmlns:p15="http://schemas.microsoft.com/office/powerpoint/2012/main" xmlns=""/>
+      <p15:notesGuideLst xmlns="" xmlns:p15="http://schemas.microsoft.com/office/powerpoint/2012/main"/>
     </p:ext>
   </p:extLst>
 </p:presentation>
@@ -186,7 +186,7 @@
           <p:cNvPr id="2" name="Kopfzeilenplatzhalter 1">
             <a:extLst>
               <a:ext uri="{FF2B5EF4-FFF2-40B4-BE49-F238E27FC236}">
-                <a16:creationId xmlns:a16="http://schemas.microsoft.com/office/drawing/2014/main" xmlns="" id="{B46527B0-0B24-4087-B225-DB4F5C738F6E}"/>
+                <a16:creationId xmlns="" xmlns:a16="http://schemas.microsoft.com/office/drawing/2014/main" id="{B46527B0-0B24-4087-B225-DB4F5C738F6E}"/>
               </a:ext>
             </a:extLst>
           </p:cNvPr>
@@ -224,7 +224,7 @@
           <p:cNvPr id="3" name="Datumsplatzhalter 2">
             <a:extLst>
               <a:ext uri="{FF2B5EF4-FFF2-40B4-BE49-F238E27FC236}">
-                <a16:creationId xmlns:a16="http://schemas.microsoft.com/office/drawing/2014/main" xmlns="" id="{F72798E0-F322-4236-8531-A1882BFE4007}"/>
+                <a16:creationId xmlns="" xmlns:a16="http://schemas.microsoft.com/office/drawing/2014/main" id="{F72798E0-F322-4236-8531-A1882BFE4007}"/>
               </a:ext>
             </a:extLst>
           </p:cNvPr>
@@ -266,7 +266,7 @@
           <p:cNvPr id="4" name="Fußzeilenplatzhalter 3">
             <a:extLst>
               <a:ext uri="{FF2B5EF4-FFF2-40B4-BE49-F238E27FC236}">
-                <a16:creationId xmlns:a16="http://schemas.microsoft.com/office/drawing/2014/main" xmlns="" id="{B4E5881F-2FD0-41BC-8E76-C691E59E146C}"/>
+                <a16:creationId xmlns="" xmlns:a16="http://schemas.microsoft.com/office/drawing/2014/main" id="{B4E5881F-2FD0-41BC-8E76-C691E59E146C}"/>
               </a:ext>
             </a:extLst>
           </p:cNvPr>
@@ -304,7 +304,7 @@
           <p:cNvPr id="5" name="Foliennummernplatzhalter 4">
             <a:extLst>
               <a:ext uri="{FF2B5EF4-FFF2-40B4-BE49-F238E27FC236}">
-                <a16:creationId xmlns:a16="http://schemas.microsoft.com/office/drawing/2014/main" xmlns="" id="{62CA62C5-8A29-4592-9E3E-4C457F263C0A}"/>
+                <a16:creationId xmlns="" xmlns:a16="http://schemas.microsoft.com/office/drawing/2014/main" id="{62CA62C5-8A29-4592-9E3E-4C457F263C0A}"/>
               </a:ext>
             </a:extLst>
           </p:cNvPr>
@@ -1244,7 +1244,7 @@
           <p:cNvPr id="2" name="Titel 1">
             <a:extLst>
               <a:ext uri="{FF2B5EF4-FFF2-40B4-BE49-F238E27FC236}">
-                <a16:creationId xmlns:a16="http://schemas.microsoft.com/office/drawing/2014/main" xmlns="" id="{8E0F864C-44C4-4000-952D-01F31BFB3FD3}"/>
+                <a16:creationId xmlns="" xmlns:a16="http://schemas.microsoft.com/office/drawing/2014/main" id="{8E0F864C-44C4-4000-952D-01F31BFB3FD3}"/>
               </a:ext>
             </a:extLst>
           </p:cNvPr>
@@ -1283,7 +1283,7 @@
           <p:cNvPr id="3" name="Untertitel 2">
             <a:extLst>
               <a:ext uri="{FF2B5EF4-FFF2-40B4-BE49-F238E27FC236}">
-                <a16:creationId xmlns:a16="http://schemas.microsoft.com/office/drawing/2014/main" xmlns="" id="{21392E06-C914-467E-9D4F-BD763EDA2DD5}"/>
+                <a16:creationId xmlns="" xmlns:a16="http://schemas.microsoft.com/office/drawing/2014/main" id="{21392E06-C914-467E-9D4F-BD763EDA2DD5}"/>
               </a:ext>
             </a:extLst>
           </p:cNvPr>
@@ -1355,7 +1355,7 @@
           <p:cNvPr id="4" name="Datumsplatzhalter 3">
             <a:extLst>
               <a:ext uri="{FF2B5EF4-FFF2-40B4-BE49-F238E27FC236}">
-                <a16:creationId xmlns:a16="http://schemas.microsoft.com/office/drawing/2014/main" xmlns="" id="{1FBEFBAF-82E9-49AD-B2CF-7D154E024431}"/>
+                <a16:creationId xmlns="" xmlns:a16="http://schemas.microsoft.com/office/drawing/2014/main" id="{1FBEFBAF-82E9-49AD-B2CF-7D154E024431}"/>
               </a:ext>
             </a:extLst>
           </p:cNvPr>
@@ -1385,7 +1385,7 @@
           <p:cNvPr id="5" name="Fußzeilenplatzhalter 4">
             <a:extLst>
               <a:ext uri="{FF2B5EF4-FFF2-40B4-BE49-F238E27FC236}">
-                <a16:creationId xmlns:a16="http://schemas.microsoft.com/office/drawing/2014/main" xmlns="" id="{5AD8006A-94B1-44F7-972D-56767EDE3CC3}"/>
+                <a16:creationId xmlns="" xmlns:a16="http://schemas.microsoft.com/office/drawing/2014/main" id="{5AD8006A-94B1-44F7-972D-56767EDE3CC3}"/>
               </a:ext>
             </a:extLst>
           </p:cNvPr>
@@ -1411,7 +1411,7 @@
           <p:cNvPr id="6" name="Foliennummernplatzhalter 5">
             <a:extLst>
               <a:ext uri="{FF2B5EF4-FFF2-40B4-BE49-F238E27FC236}">
-                <a16:creationId xmlns:a16="http://schemas.microsoft.com/office/drawing/2014/main" xmlns="" id="{F5E7BFAB-D84B-45E1-A0BD-2516AC14F8AC}"/>
+                <a16:creationId xmlns="" xmlns:a16="http://schemas.microsoft.com/office/drawing/2014/main" id="{F5E7BFAB-D84B-45E1-A0BD-2516AC14F8AC}"/>
               </a:ext>
             </a:extLst>
           </p:cNvPr>
@@ -1471,7 +1471,7 @@
           <p:cNvPr id="2" name="Titel 1">
             <a:extLst>
               <a:ext uri="{FF2B5EF4-FFF2-40B4-BE49-F238E27FC236}">
-                <a16:creationId xmlns:a16="http://schemas.microsoft.com/office/drawing/2014/main" xmlns="" id="{65F7B869-BFB2-4C20-8AB1-46704BB3D177}"/>
+                <a16:creationId xmlns="" xmlns:a16="http://schemas.microsoft.com/office/drawing/2014/main" id="{65F7B869-BFB2-4C20-8AB1-46704BB3D177}"/>
               </a:ext>
             </a:extLst>
           </p:cNvPr>
@@ -1501,7 +1501,7 @@
           <p:cNvPr id="3" name="Vertikaler Textplatzhalter 2">
             <a:extLst>
               <a:ext uri="{FF2B5EF4-FFF2-40B4-BE49-F238E27FC236}">
-                <a16:creationId xmlns:a16="http://schemas.microsoft.com/office/drawing/2014/main" xmlns="" id="{19F007DB-4F12-4428-9C48-5120DF07046D}"/>
+                <a16:creationId xmlns="" xmlns:a16="http://schemas.microsoft.com/office/drawing/2014/main" id="{19F007DB-4F12-4428-9C48-5120DF07046D}"/>
               </a:ext>
             </a:extLst>
           </p:cNvPr>
@@ -1559,7 +1559,7 @@
           <p:cNvPr id="4" name="Datumsplatzhalter 3">
             <a:extLst>
               <a:ext uri="{FF2B5EF4-FFF2-40B4-BE49-F238E27FC236}">
-                <a16:creationId xmlns:a16="http://schemas.microsoft.com/office/drawing/2014/main" xmlns="" id="{16FFA8DA-0E31-4CA6-BBFC-2467AAD1D30B}"/>
+                <a16:creationId xmlns="" xmlns:a16="http://schemas.microsoft.com/office/drawing/2014/main" id="{16FFA8DA-0E31-4CA6-BBFC-2467AAD1D30B}"/>
               </a:ext>
             </a:extLst>
           </p:cNvPr>
@@ -1589,7 +1589,7 @@
           <p:cNvPr id="5" name="Fußzeilenplatzhalter 4">
             <a:extLst>
               <a:ext uri="{FF2B5EF4-FFF2-40B4-BE49-F238E27FC236}">
-                <a16:creationId xmlns:a16="http://schemas.microsoft.com/office/drawing/2014/main" xmlns="" id="{064974BD-9845-459A-9AAA-12731E2507C4}"/>
+                <a16:creationId xmlns="" xmlns:a16="http://schemas.microsoft.com/office/drawing/2014/main" id="{064974BD-9845-459A-9AAA-12731E2507C4}"/>
               </a:ext>
             </a:extLst>
           </p:cNvPr>
@@ -1615,7 +1615,7 @@
           <p:cNvPr id="6" name="Foliennummernplatzhalter 5">
             <a:extLst>
               <a:ext uri="{FF2B5EF4-FFF2-40B4-BE49-F238E27FC236}">
-                <a16:creationId xmlns:a16="http://schemas.microsoft.com/office/drawing/2014/main" xmlns="" id="{C2A71B0A-FDFB-4B2C-A9EC-2334C590013E}"/>
+                <a16:creationId xmlns="" xmlns:a16="http://schemas.microsoft.com/office/drawing/2014/main" id="{C2A71B0A-FDFB-4B2C-A9EC-2334C590013E}"/>
               </a:ext>
             </a:extLst>
           </p:cNvPr>
@@ -1675,7 +1675,7 @@
           <p:cNvPr id="2" name="Vertikaler Titel 1">
             <a:extLst>
               <a:ext uri="{FF2B5EF4-FFF2-40B4-BE49-F238E27FC236}">
-                <a16:creationId xmlns:a16="http://schemas.microsoft.com/office/drawing/2014/main" xmlns="" id="{E60B5D73-1652-4A8E-B5A3-101523D7290A}"/>
+                <a16:creationId xmlns="" xmlns:a16="http://schemas.microsoft.com/office/drawing/2014/main" id="{E60B5D73-1652-4A8E-B5A3-101523D7290A}"/>
               </a:ext>
             </a:extLst>
           </p:cNvPr>
@@ -1710,7 +1710,7 @@
           <p:cNvPr id="3" name="Vertikaler Textplatzhalter 2">
             <a:extLst>
               <a:ext uri="{FF2B5EF4-FFF2-40B4-BE49-F238E27FC236}">
-                <a16:creationId xmlns:a16="http://schemas.microsoft.com/office/drawing/2014/main" xmlns="" id="{A9B7FB99-7425-444D-B602-01B672BCE8C6}"/>
+                <a16:creationId xmlns="" xmlns:a16="http://schemas.microsoft.com/office/drawing/2014/main" id="{A9B7FB99-7425-444D-B602-01B672BCE8C6}"/>
               </a:ext>
             </a:extLst>
           </p:cNvPr>
@@ -1773,7 +1773,7 @@
           <p:cNvPr id="4" name="Datumsplatzhalter 3">
             <a:extLst>
               <a:ext uri="{FF2B5EF4-FFF2-40B4-BE49-F238E27FC236}">
-                <a16:creationId xmlns:a16="http://schemas.microsoft.com/office/drawing/2014/main" xmlns="" id="{00EEA9C5-552A-48A1-AB54-ED54209B3B48}"/>
+                <a16:creationId xmlns="" xmlns:a16="http://schemas.microsoft.com/office/drawing/2014/main" id="{00EEA9C5-552A-48A1-AB54-ED54209B3B48}"/>
               </a:ext>
             </a:extLst>
           </p:cNvPr>
@@ -1803,7 +1803,7 @@
           <p:cNvPr id="5" name="Fußzeilenplatzhalter 4">
             <a:extLst>
               <a:ext uri="{FF2B5EF4-FFF2-40B4-BE49-F238E27FC236}">
-                <a16:creationId xmlns:a16="http://schemas.microsoft.com/office/drawing/2014/main" xmlns="" id="{1A83AAA3-4155-48FB-8F00-16DBE0C9C256}"/>
+                <a16:creationId xmlns="" xmlns:a16="http://schemas.microsoft.com/office/drawing/2014/main" id="{1A83AAA3-4155-48FB-8F00-16DBE0C9C256}"/>
               </a:ext>
             </a:extLst>
           </p:cNvPr>
@@ -1829,7 +1829,7 @@
           <p:cNvPr id="6" name="Foliennummernplatzhalter 5">
             <a:extLst>
               <a:ext uri="{FF2B5EF4-FFF2-40B4-BE49-F238E27FC236}">
-                <a16:creationId xmlns:a16="http://schemas.microsoft.com/office/drawing/2014/main" xmlns="" id="{5D694EAE-CB3C-4DEF-A66D-583C7AAC92D8}"/>
+                <a16:creationId xmlns="" xmlns:a16="http://schemas.microsoft.com/office/drawing/2014/main" id="{5D694EAE-CB3C-4DEF-A66D-583C7AAC92D8}"/>
               </a:ext>
             </a:extLst>
           </p:cNvPr>
@@ -1889,7 +1889,7 @@
           <p:cNvPr id="2" name="Titel 1">
             <a:extLst>
               <a:ext uri="{FF2B5EF4-FFF2-40B4-BE49-F238E27FC236}">
-                <a16:creationId xmlns:a16="http://schemas.microsoft.com/office/drawing/2014/main" xmlns="" id="{4C807FBE-061D-452C-A8A6-213063CFD678}"/>
+                <a16:creationId xmlns="" xmlns:a16="http://schemas.microsoft.com/office/drawing/2014/main" id="{4C807FBE-061D-452C-A8A6-213063CFD678}"/>
               </a:ext>
             </a:extLst>
           </p:cNvPr>
@@ -1919,7 +1919,7 @@
           <p:cNvPr id="3" name="Inhaltsplatzhalter 2">
             <a:extLst>
               <a:ext uri="{FF2B5EF4-FFF2-40B4-BE49-F238E27FC236}">
-                <a16:creationId xmlns:a16="http://schemas.microsoft.com/office/drawing/2014/main" xmlns="" id="{433A3535-1708-499D-B5D2-7D8F9FD182D0}"/>
+                <a16:creationId xmlns="" xmlns:a16="http://schemas.microsoft.com/office/drawing/2014/main" id="{433A3535-1708-499D-B5D2-7D8F9FD182D0}"/>
               </a:ext>
             </a:extLst>
           </p:cNvPr>
@@ -1977,7 +1977,7 @@
           <p:cNvPr id="4" name="Datumsplatzhalter 3">
             <a:extLst>
               <a:ext uri="{FF2B5EF4-FFF2-40B4-BE49-F238E27FC236}">
-                <a16:creationId xmlns:a16="http://schemas.microsoft.com/office/drawing/2014/main" xmlns="" id="{ACB06063-A112-49AB-80C8-504D99ECD771}"/>
+                <a16:creationId xmlns="" xmlns:a16="http://schemas.microsoft.com/office/drawing/2014/main" id="{ACB06063-A112-49AB-80C8-504D99ECD771}"/>
               </a:ext>
             </a:extLst>
           </p:cNvPr>
@@ -2007,7 +2007,7 @@
           <p:cNvPr id="5" name="Fußzeilenplatzhalter 4">
             <a:extLst>
               <a:ext uri="{FF2B5EF4-FFF2-40B4-BE49-F238E27FC236}">
-                <a16:creationId xmlns:a16="http://schemas.microsoft.com/office/drawing/2014/main" xmlns="" id="{6344C8D5-F898-4318-A76D-1FBD87329198}"/>
+                <a16:creationId xmlns="" xmlns:a16="http://schemas.microsoft.com/office/drawing/2014/main" id="{6344C8D5-F898-4318-A76D-1FBD87329198}"/>
               </a:ext>
             </a:extLst>
           </p:cNvPr>
@@ -2033,7 +2033,7 @@
           <p:cNvPr id="6" name="Foliennummernplatzhalter 5">
             <a:extLst>
               <a:ext uri="{FF2B5EF4-FFF2-40B4-BE49-F238E27FC236}">
-                <a16:creationId xmlns:a16="http://schemas.microsoft.com/office/drawing/2014/main" xmlns="" id="{2976EC76-E8E8-4FFA-B671-7FA2F3EF5DEF}"/>
+                <a16:creationId xmlns="" xmlns:a16="http://schemas.microsoft.com/office/drawing/2014/main" id="{2976EC76-E8E8-4FFA-B671-7FA2F3EF5DEF}"/>
               </a:ext>
             </a:extLst>
           </p:cNvPr>
@@ -2093,7 +2093,7 @@
           <p:cNvPr id="2" name="Titel 1">
             <a:extLst>
               <a:ext uri="{FF2B5EF4-FFF2-40B4-BE49-F238E27FC236}">
-                <a16:creationId xmlns:a16="http://schemas.microsoft.com/office/drawing/2014/main" xmlns="" id="{B6C2CABF-E3C1-431A-A69C-D4881CC43F0F}"/>
+                <a16:creationId xmlns="" xmlns:a16="http://schemas.microsoft.com/office/drawing/2014/main" id="{B6C2CABF-E3C1-431A-A69C-D4881CC43F0F}"/>
               </a:ext>
             </a:extLst>
           </p:cNvPr>
@@ -2132,7 +2132,7 @@
           <p:cNvPr id="3" name="Textplatzhalter 2">
             <a:extLst>
               <a:ext uri="{FF2B5EF4-FFF2-40B4-BE49-F238E27FC236}">
-                <a16:creationId xmlns:a16="http://schemas.microsoft.com/office/drawing/2014/main" xmlns="" id="{D5584226-69DA-4211-B2C8-C29FD05A4A69}"/>
+                <a16:creationId xmlns="" xmlns:a16="http://schemas.microsoft.com/office/drawing/2014/main" id="{D5584226-69DA-4211-B2C8-C29FD05A4A69}"/>
               </a:ext>
             </a:extLst>
           </p:cNvPr>
@@ -2257,7 +2257,7 @@
           <p:cNvPr id="4" name="Datumsplatzhalter 3">
             <a:extLst>
               <a:ext uri="{FF2B5EF4-FFF2-40B4-BE49-F238E27FC236}">
-                <a16:creationId xmlns:a16="http://schemas.microsoft.com/office/drawing/2014/main" xmlns="" id="{D5FF82DB-B518-40FD-8A66-44B874C055FB}"/>
+                <a16:creationId xmlns="" xmlns:a16="http://schemas.microsoft.com/office/drawing/2014/main" id="{D5FF82DB-B518-40FD-8A66-44B874C055FB}"/>
               </a:ext>
             </a:extLst>
           </p:cNvPr>
@@ -2287,7 +2287,7 @@
           <p:cNvPr id="5" name="Fußzeilenplatzhalter 4">
             <a:extLst>
               <a:ext uri="{FF2B5EF4-FFF2-40B4-BE49-F238E27FC236}">
-                <a16:creationId xmlns:a16="http://schemas.microsoft.com/office/drawing/2014/main" xmlns="" id="{FCC1CCEE-725F-4745-837B-87EFB70E71D8}"/>
+                <a16:creationId xmlns="" xmlns:a16="http://schemas.microsoft.com/office/drawing/2014/main" id="{FCC1CCEE-725F-4745-837B-87EFB70E71D8}"/>
               </a:ext>
             </a:extLst>
           </p:cNvPr>
@@ -2313,7 +2313,7 @@
           <p:cNvPr id="6" name="Foliennummernplatzhalter 5">
             <a:extLst>
               <a:ext uri="{FF2B5EF4-FFF2-40B4-BE49-F238E27FC236}">
-                <a16:creationId xmlns:a16="http://schemas.microsoft.com/office/drawing/2014/main" xmlns="" id="{C561522A-E0E6-406B-BF30-A7C7A57294BE}"/>
+                <a16:creationId xmlns="" xmlns:a16="http://schemas.microsoft.com/office/drawing/2014/main" id="{C561522A-E0E6-406B-BF30-A7C7A57294BE}"/>
               </a:ext>
             </a:extLst>
           </p:cNvPr>
@@ -2373,7 +2373,7 @@
           <p:cNvPr id="2" name="Titel 1">
             <a:extLst>
               <a:ext uri="{FF2B5EF4-FFF2-40B4-BE49-F238E27FC236}">
-                <a16:creationId xmlns:a16="http://schemas.microsoft.com/office/drawing/2014/main" xmlns="" id="{DBCC9BDC-6F21-4EF5-A8DD-E35E27EACA58}"/>
+                <a16:creationId xmlns="" xmlns:a16="http://schemas.microsoft.com/office/drawing/2014/main" id="{DBCC9BDC-6F21-4EF5-A8DD-E35E27EACA58}"/>
               </a:ext>
             </a:extLst>
           </p:cNvPr>
@@ -2403,7 +2403,7 @@
           <p:cNvPr id="3" name="Inhaltsplatzhalter 2">
             <a:extLst>
               <a:ext uri="{FF2B5EF4-FFF2-40B4-BE49-F238E27FC236}">
-                <a16:creationId xmlns:a16="http://schemas.microsoft.com/office/drawing/2014/main" xmlns="" id="{6B968D5F-2AB6-42D3-A54E-AB3E60325170}"/>
+                <a16:creationId xmlns="" xmlns:a16="http://schemas.microsoft.com/office/drawing/2014/main" id="{6B968D5F-2AB6-42D3-A54E-AB3E60325170}"/>
               </a:ext>
             </a:extLst>
           </p:cNvPr>
@@ -2466,7 +2466,7 @@
           <p:cNvPr id="4" name="Inhaltsplatzhalter 3">
             <a:extLst>
               <a:ext uri="{FF2B5EF4-FFF2-40B4-BE49-F238E27FC236}">
-                <a16:creationId xmlns:a16="http://schemas.microsoft.com/office/drawing/2014/main" xmlns="" id="{465AB07F-D5F7-402A-AE4E-027BF1CA9127}"/>
+                <a16:creationId xmlns="" xmlns:a16="http://schemas.microsoft.com/office/drawing/2014/main" id="{465AB07F-D5F7-402A-AE4E-027BF1CA9127}"/>
               </a:ext>
             </a:extLst>
           </p:cNvPr>
@@ -2529,7 +2529,7 @@
           <p:cNvPr id="5" name="Datumsplatzhalter 4">
             <a:extLst>
               <a:ext uri="{FF2B5EF4-FFF2-40B4-BE49-F238E27FC236}">
-                <a16:creationId xmlns:a16="http://schemas.microsoft.com/office/drawing/2014/main" xmlns="" id="{85108EDC-3863-43B9-93C7-37465DC73B28}"/>
+                <a16:creationId xmlns="" xmlns:a16="http://schemas.microsoft.com/office/drawing/2014/main" id="{85108EDC-3863-43B9-93C7-37465DC73B28}"/>
               </a:ext>
             </a:extLst>
           </p:cNvPr>
@@ -2559,7 +2559,7 @@
           <p:cNvPr id="6" name="Fußzeilenplatzhalter 5">
             <a:extLst>
               <a:ext uri="{FF2B5EF4-FFF2-40B4-BE49-F238E27FC236}">
-                <a16:creationId xmlns:a16="http://schemas.microsoft.com/office/drawing/2014/main" xmlns="" id="{A777D452-958D-4159-A9A4-16DD29680A04}"/>
+                <a16:creationId xmlns="" xmlns:a16="http://schemas.microsoft.com/office/drawing/2014/main" id="{A777D452-958D-4159-A9A4-16DD29680A04}"/>
               </a:ext>
             </a:extLst>
           </p:cNvPr>
@@ -2585,7 +2585,7 @@
           <p:cNvPr id="7" name="Foliennummernplatzhalter 6">
             <a:extLst>
               <a:ext uri="{FF2B5EF4-FFF2-40B4-BE49-F238E27FC236}">
-                <a16:creationId xmlns:a16="http://schemas.microsoft.com/office/drawing/2014/main" xmlns="" id="{289654B6-1460-48B9-AC7E-592F68BAB276}"/>
+                <a16:creationId xmlns="" xmlns:a16="http://schemas.microsoft.com/office/drawing/2014/main" id="{289654B6-1460-48B9-AC7E-592F68BAB276}"/>
               </a:ext>
             </a:extLst>
           </p:cNvPr>
@@ -2645,7 +2645,7 @@
           <p:cNvPr id="2" name="Titel 1">
             <a:extLst>
               <a:ext uri="{FF2B5EF4-FFF2-40B4-BE49-F238E27FC236}">
-                <a16:creationId xmlns:a16="http://schemas.microsoft.com/office/drawing/2014/main" xmlns="" id="{7EE8C848-926A-4FD3-A311-A100A2662BE1}"/>
+                <a16:creationId xmlns="" xmlns:a16="http://schemas.microsoft.com/office/drawing/2014/main" id="{7EE8C848-926A-4FD3-A311-A100A2662BE1}"/>
               </a:ext>
             </a:extLst>
           </p:cNvPr>
@@ -2680,7 +2680,7 @@
           <p:cNvPr id="3" name="Textplatzhalter 2">
             <a:extLst>
               <a:ext uri="{FF2B5EF4-FFF2-40B4-BE49-F238E27FC236}">
-                <a16:creationId xmlns:a16="http://schemas.microsoft.com/office/drawing/2014/main" xmlns="" id="{3C8ECD90-B4F0-4DFB-BB3D-F2310207896F}"/>
+                <a16:creationId xmlns="" xmlns:a16="http://schemas.microsoft.com/office/drawing/2014/main" id="{3C8ECD90-B4F0-4DFB-BB3D-F2310207896F}"/>
               </a:ext>
             </a:extLst>
           </p:cNvPr>
@@ -2751,7 +2751,7 @@
           <p:cNvPr id="4" name="Inhaltsplatzhalter 3">
             <a:extLst>
               <a:ext uri="{FF2B5EF4-FFF2-40B4-BE49-F238E27FC236}">
-                <a16:creationId xmlns:a16="http://schemas.microsoft.com/office/drawing/2014/main" xmlns="" id="{335A6C3A-033E-474B-AB97-D8291A04E7DD}"/>
+                <a16:creationId xmlns="" xmlns:a16="http://schemas.microsoft.com/office/drawing/2014/main" id="{335A6C3A-033E-474B-AB97-D8291A04E7DD}"/>
               </a:ext>
             </a:extLst>
           </p:cNvPr>
@@ -2814,7 +2814,7 @@
           <p:cNvPr id="5" name="Textplatzhalter 4">
             <a:extLst>
               <a:ext uri="{FF2B5EF4-FFF2-40B4-BE49-F238E27FC236}">
-                <a16:creationId xmlns:a16="http://schemas.microsoft.com/office/drawing/2014/main" xmlns="" id="{A532B928-3A23-4FCA-AD1F-E45A467B54F5}"/>
+                <a16:creationId xmlns="" xmlns:a16="http://schemas.microsoft.com/office/drawing/2014/main" id="{A532B928-3A23-4FCA-AD1F-E45A467B54F5}"/>
               </a:ext>
             </a:extLst>
           </p:cNvPr>
@@ -2885,7 +2885,7 @@
           <p:cNvPr id="6" name="Inhaltsplatzhalter 5">
             <a:extLst>
               <a:ext uri="{FF2B5EF4-FFF2-40B4-BE49-F238E27FC236}">
-                <a16:creationId xmlns:a16="http://schemas.microsoft.com/office/drawing/2014/main" xmlns="" id="{3BDC8376-6FC6-4A11-B0DB-9A148E9C00E2}"/>
+                <a16:creationId xmlns="" xmlns:a16="http://schemas.microsoft.com/office/drawing/2014/main" id="{3BDC8376-6FC6-4A11-B0DB-9A148E9C00E2}"/>
               </a:ext>
             </a:extLst>
           </p:cNvPr>
@@ -2948,7 +2948,7 @@
           <p:cNvPr id="7" name="Datumsplatzhalter 6">
             <a:extLst>
               <a:ext uri="{FF2B5EF4-FFF2-40B4-BE49-F238E27FC236}">
-                <a16:creationId xmlns:a16="http://schemas.microsoft.com/office/drawing/2014/main" xmlns="" id="{6E80206F-8846-425C-A56E-16FFBA442014}"/>
+                <a16:creationId xmlns="" xmlns:a16="http://schemas.microsoft.com/office/drawing/2014/main" id="{6E80206F-8846-425C-A56E-16FFBA442014}"/>
               </a:ext>
             </a:extLst>
           </p:cNvPr>
@@ -2978,7 +2978,7 @@
           <p:cNvPr id="8" name="Fußzeilenplatzhalter 7">
             <a:extLst>
               <a:ext uri="{FF2B5EF4-FFF2-40B4-BE49-F238E27FC236}">
-                <a16:creationId xmlns:a16="http://schemas.microsoft.com/office/drawing/2014/main" xmlns="" id="{6A45E89F-12CF-4561-A5F2-1E05783A3063}"/>
+                <a16:creationId xmlns="" xmlns:a16="http://schemas.microsoft.com/office/drawing/2014/main" id="{6A45E89F-12CF-4561-A5F2-1E05783A3063}"/>
               </a:ext>
             </a:extLst>
           </p:cNvPr>
@@ -3004,7 +3004,7 @@
           <p:cNvPr id="9" name="Foliennummernplatzhalter 8">
             <a:extLst>
               <a:ext uri="{FF2B5EF4-FFF2-40B4-BE49-F238E27FC236}">
-                <a16:creationId xmlns:a16="http://schemas.microsoft.com/office/drawing/2014/main" xmlns="" id="{9EB4DFE4-927C-43B1-A061-5CB97FFB33BE}"/>
+                <a16:creationId xmlns="" xmlns:a16="http://schemas.microsoft.com/office/drawing/2014/main" id="{9EB4DFE4-927C-43B1-A061-5CB97FFB33BE}"/>
               </a:ext>
             </a:extLst>
           </p:cNvPr>
@@ -3064,7 +3064,7 @@
           <p:cNvPr id="2" name="Titel 1">
             <a:extLst>
               <a:ext uri="{FF2B5EF4-FFF2-40B4-BE49-F238E27FC236}">
-                <a16:creationId xmlns:a16="http://schemas.microsoft.com/office/drawing/2014/main" xmlns="" id="{B560E367-8DA0-4655-BCBC-F4280D8642CD}"/>
+                <a16:creationId xmlns="" xmlns:a16="http://schemas.microsoft.com/office/drawing/2014/main" id="{B560E367-8DA0-4655-BCBC-F4280D8642CD}"/>
               </a:ext>
             </a:extLst>
           </p:cNvPr>
@@ -3094,7 +3094,7 @@
           <p:cNvPr id="3" name="Datumsplatzhalter 2">
             <a:extLst>
               <a:ext uri="{FF2B5EF4-FFF2-40B4-BE49-F238E27FC236}">
-                <a16:creationId xmlns:a16="http://schemas.microsoft.com/office/drawing/2014/main" xmlns="" id="{2FEF9592-AA3C-4CF8-A5DB-4D010195A438}"/>
+                <a16:creationId xmlns="" xmlns:a16="http://schemas.microsoft.com/office/drawing/2014/main" id="{2FEF9592-AA3C-4CF8-A5DB-4D010195A438}"/>
               </a:ext>
             </a:extLst>
           </p:cNvPr>
@@ -3124,7 +3124,7 @@
           <p:cNvPr id="4" name="Fußzeilenplatzhalter 3">
             <a:extLst>
               <a:ext uri="{FF2B5EF4-FFF2-40B4-BE49-F238E27FC236}">
-                <a16:creationId xmlns:a16="http://schemas.microsoft.com/office/drawing/2014/main" xmlns="" id="{3C2C9377-F93E-4515-852A-264707755154}"/>
+                <a16:creationId xmlns="" xmlns:a16="http://schemas.microsoft.com/office/drawing/2014/main" id="{3C2C9377-F93E-4515-852A-264707755154}"/>
               </a:ext>
             </a:extLst>
           </p:cNvPr>
@@ -3150,7 +3150,7 @@
           <p:cNvPr id="5" name="Foliennummernplatzhalter 4">
             <a:extLst>
               <a:ext uri="{FF2B5EF4-FFF2-40B4-BE49-F238E27FC236}">
-                <a16:creationId xmlns:a16="http://schemas.microsoft.com/office/drawing/2014/main" xmlns="" id="{9AED076D-476B-42BA-8795-14FE6C1E6974}"/>
+                <a16:creationId xmlns="" xmlns:a16="http://schemas.microsoft.com/office/drawing/2014/main" id="{9AED076D-476B-42BA-8795-14FE6C1E6974}"/>
               </a:ext>
             </a:extLst>
           </p:cNvPr>
@@ -3210,7 +3210,7 @@
           <p:cNvPr id="2" name="Datumsplatzhalter 1">
             <a:extLst>
               <a:ext uri="{FF2B5EF4-FFF2-40B4-BE49-F238E27FC236}">
-                <a16:creationId xmlns:a16="http://schemas.microsoft.com/office/drawing/2014/main" xmlns="" id="{1EA599B4-6AB2-4190-82B5-7667EE1E922A}"/>
+                <a16:creationId xmlns="" xmlns:a16="http://schemas.microsoft.com/office/drawing/2014/main" id="{1EA599B4-6AB2-4190-82B5-7667EE1E922A}"/>
               </a:ext>
             </a:extLst>
           </p:cNvPr>
@@ -3240,7 +3240,7 @@
           <p:cNvPr id="3" name="Fußzeilenplatzhalter 2">
             <a:extLst>
               <a:ext uri="{FF2B5EF4-FFF2-40B4-BE49-F238E27FC236}">
-                <a16:creationId xmlns:a16="http://schemas.microsoft.com/office/drawing/2014/main" xmlns="" id="{1B8FBFB3-AD86-4E39-B8AE-B4EC14528156}"/>
+                <a16:creationId xmlns="" xmlns:a16="http://schemas.microsoft.com/office/drawing/2014/main" id="{1B8FBFB3-AD86-4E39-B8AE-B4EC14528156}"/>
               </a:ext>
             </a:extLst>
           </p:cNvPr>
@@ -3266,7 +3266,7 @@
           <p:cNvPr id="4" name="Foliennummernplatzhalter 3">
             <a:extLst>
               <a:ext uri="{FF2B5EF4-FFF2-40B4-BE49-F238E27FC236}">
-                <a16:creationId xmlns:a16="http://schemas.microsoft.com/office/drawing/2014/main" xmlns="" id="{B9A4AF55-C114-4B60-9A20-56B00A11B3BF}"/>
+                <a16:creationId xmlns="" xmlns:a16="http://schemas.microsoft.com/office/drawing/2014/main" id="{B9A4AF55-C114-4B60-9A20-56B00A11B3BF}"/>
               </a:ext>
             </a:extLst>
           </p:cNvPr>
@@ -3326,7 +3326,7 @@
           <p:cNvPr id="2" name="Titel 1">
             <a:extLst>
               <a:ext uri="{FF2B5EF4-FFF2-40B4-BE49-F238E27FC236}">
-                <a16:creationId xmlns:a16="http://schemas.microsoft.com/office/drawing/2014/main" xmlns="" id="{70883DA1-5CB8-405D-9613-8A9B7BC5664C}"/>
+                <a16:creationId xmlns="" xmlns:a16="http://schemas.microsoft.com/office/drawing/2014/main" id="{70883DA1-5CB8-405D-9613-8A9B7BC5664C}"/>
               </a:ext>
             </a:extLst>
           </p:cNvPr>
@@ -3365,7 +3365,7 @@
           <p:cNvPr id="3" name="Inhaltsplatzhalter 2">
             <a:extLst>
               <a:ext uri="{FF2B5EF4-FFF2-40B4-BE49-F238E27FC236}">
-                <a16:creationId xmlns:a16="http://schemas.microsoft.com/office/drawing/2014/main" xmlns="" id="{9842BB15-A24D-42E9-9CAE-BB827226301E}"/>
+                <a16:creationId xmlns="" xmlns:a16="http://schemas.microsoft.com/office/drawing/2014/main" id="{9842BB15-A24D-42E9-9CAE-BB827226301E}"/>
               </a:ext>
             </a:extLst>
           </p:cNvPr>
@@ -3456,7 +3456,7 @@
           <p:cNvPr id="4" name="Textplatzhalter 3">
             <a:extLst>
               <a:ext uri="{FF2B5EF4-FFF2-40B4-BE49-F238E27FC236}">
-                <a16:creationId xmlns:a16="http://schemas.microsoft.com/office/drawing/2014/main" xmlns="" id="{78F0849D-D3C3-462A-9751-4EAB0B9145E4}"/>
+                <a16:creationId xmlns="" xmlns:a16="http://schemas.microsoft.com/office/drawing/2014/main" id="{78F0849D-D3C3-462A-9751-4EAB0B9145E4}"/>
               </a:ext>
             </a:extLst>
           </p:cNvPr>
@@ -3527,7 +3527,7 @@
           <p:cNvPr id="5" name="Datumsplatzhalter 4">
             <a:extLst>
               <a:ext uri="{FF2B5EF4-FFF2-40B4-BE49-F238E27FC236}">
-                <a16:creationId xmlns:a16="http://schemas.microsoft.com/office/drawing/2014/main" xmlns="" id="{F180DD20-7A20-4574-98A4-427795876739}"/>
+                <a16:creationId xmlns="" xmlns:a16="http://schemas.microsoft.com/office/drawing/2014/main" id="{F180DD20-7A20-4574-98A4-427795876739}"/>
               </a:ext>
             </a:extLst>
           </p:cNvPr>
@@ -3557,7 +3557,7 @@
           <p:cNvPr id="6" name="Fußzeilenplatzhalter 5">
             <a:extLst>
               <a:ext uri="{FF2B5EF4-FFF2-40B4-BE49-F238E27FC236}">
-                <a16:creationId xmlns:a16="http://schemas.microsoft.com/office/drawing/2014/main" xmlns="" id="{54D0ED2B-71C4-421A-9DB0-676E00C10BDC}"/>
+                <a16:creationId xmlns="" xmlns:a16="http://schemas.microsoft.com/office/drawing/2014/main" id="{54D0ED2B-71C4-421A-9DB0-676E00C10BDC}"/>
               </a:ext>
             </a:extLst>
           </p:cNvPr>
@@ -3583,7 +3583,7 @@
           <p:cNvPr id="7" name="Foliennummernplatzhalter 6">
             <a:extLst>
               <a:ext uri="{FF2B5EF4-FFF2-40B4-BE49-F238E27FC236}">
-                <a16:creationId xmlns:a16="http://schemas.microsoft.com/office/drawing/2014/main" xmlns="" id="{78C4572A-ADFC-4C53-BCA2-42BDF693BC4D}"/>
+                <a16:creationId xmlns="" xmlns:a16="http://schemas.microsoft.com/office/drawing/2014/main" id="{78C4572A-ADFC-4C53-BCA2-42BDF693BC4D}"/>
               </a:ext>
             </a:extLst>
           </p:cNvPr>
@@ -3643,7 +3643,7 @@
           <p:cNvPr id="2" name="Titel 1">
             <a:extLst>
               <a:ext uri="{FF2B5EF4-FFF2-40B4-BE49-F238E27FC236}">
-                <a16:creationId xmlns:a16="http://schemas.microsoft.com/office/drawing/2014/main" xmlns="" id="{028F5C67-EEEC-4AB0-9653-0F80D6B10941}"/>
+                <a16:creationId xmlns="" xmlns:a16="http://schemas.microsoft.com/office/drawing/2014/main" id="{028F5C67-EEEC-4AB0-9653-0F80D6B10941}"/>
               </a:ext>
             </a:extLst>
           </p:cNvPr>
@@ -3682,7 +3682,7 @@
           <p:cNvPr id="3" name="Bildplatzhalter 2">
             <a:extLst>
               <a:ext uri="{FF2B5EF4-FFF2-40B4-BE49-F238E27FC236}">
-                <a16:creationId xmlns:a16="http://schemas.microsoft.com/office/drawing/2014/main" xmlns="" id="{1DD50D6D-5277-4324-AF23-5FAF007834EB}"/>
+                <a16:creationId xmlns="" xmlns:a16="http://schemas.microsoft.com/office/drawing/2014/main" id="{1DD50D6D-5277-4324-AF23-5FAF007834EB}"/>
               </a:ext>
             </a:extLst>
           </p:cNvPr>
@@ -3753,7 +3753,7 @@
           <p:cNvPr id="4" name="Textplatzhalter 3">
             <a:extLst>
               <a:ext uri="{FF2B5EF4-FFF2-40B4-BE49-F238E27FC236}">
-                <a16:creationId xmlns:a16="http://schemas.microsoft.com/office/drawing/2014/main" xmlns="" id="{75275657-2BF9-4761-96B6-50EE3CFCFAD0}"/>
+                <a16:creationId xmlns="" xmlns:a16="http://schemas.microsoft.com/office/drawing/2014/main" id="{75275657-2BF9-4761-96B6-50EE3CFCFAD0}"/>
               </a:ext>
             </a:extLst>
           </p:cNvPr>
@@ -3824,7 +3824,7 @@
           <p:cNvPr id="5" name="Datumsplatzhalter 4">
             <a:extLst>
               <a:ext uri="{FF2B5EF4-FFF2-40B4-BE49-F238E27FC236}">
-                <a16:creationId xmlns:a16="http://schemas.microsoft.com/office/drawing/2014/main" xmlns="" id="{5C3C3F7B-A4C8-4F9D-8165-BC5186EA0929}"/>
+                <a16:creationId xmlns="" xmlns:a16="http://schemas.microsoft.com/office/drawing/2014/main" id="{5C3C3F7B-A4C8-4F9D-8165-BC5186EA0929}"/>
               </a:ext>
             </a:extLst>
           </p:cNvPr>
@@ -3854,7 +3854,7 @@
           <p:cNvPr id="6" name="Fußzeilenplatzhalter 5">
             <a:extLst>
               <a:ext uri="{FF2B5EF4-FFF2-40B4-BE49-F238E27FC236}">
-                <a16:creationId xmlns:a16="http://schemas.microsoft.com/office/drawing/2014/main" xmlns="" id="{DE696EA5-2FA2-464D-982F-C53E6426A843}"/>
+                <a16:creationId xmlns="" xmlns:a16="http://schemas.microsoft.com/office/drawing/2014/main" id="{DE696EA5-2FA2-464D-982F-C53E6426A843}"/>
               </a:ext>
             </a:extLst>
           </p:cNvPr>
@@ -3880,7 +3880,7 @@
           <p:cNvPr id="7" name="Foliennummernplatzhalter 6">
             <a:extLst>
               <a:ext uri="{FF2B5EF4-FFF2-40B4-BE49-F238E27FC236}">
-                <a16:creationId xmlns:a16="http://schemas.microsoft.com/office/drawing/2014/main" xmlns="" id="{8911B398-191B-4AB1-86ED-00D0046EACF5}"/>
+                <a16:creationId xmlns="" xmlns:a16="http://schemas.microsoft.com/office/drawing/2014/main" id="{8911B398-191B-4AB1-86ED-00D0046EACF5}"/>
               </a:ext>
             </a:extLst>
           </p:cNvPr>
@@ -3945,7 +3945,7 @@
           <p:cNvPr id="2" name="Titelplatzhalter 1">
             <a:extLst>
               <a:ext uri="{FF2B5EF4-FFF2-40B4-BE49-F238E27FC236}">
-                <a16:creationId xmlns:a16="http://schemas.microsoft.com/office/drawing/2014/main" xmlns="" id="{7B3445CA-54C1-4DDE-A216-DD2414E3F593}"/>
+                <a16:creationId xmlns="" xmlns:a16="http://schemas.microsoft.com/office/drawing/2014/main" id="{7B3445CA-54C1-4DDE-A216-DD2414E3F593}"/>
               </a:ext>
             </a:extLst>
           </p:cNvPr>
@@ -3984,7 +3984,7 @@
           <p:cNvPr id="3" name="Textplatzhalter 2">
             <a:extLst>
               <a:ext uri="{FF2B5EF4-FFF2-40B4-BE49-F238E27FC236}">
-                <a16:creationId xmlns:a16="http://schemas.microsoft.com/office/drawing/2014/main" xmlns="" id="{0306395A-6879-4E93-B24E-067F88AC1D69}"/>
+                <a16:creationId xmlns="" xmlns:a16="http://schemas.microsoft.com/office/drawing/2014/main" id="{0306395A-6879-4E93-B24E-067F88AC1D69}"/>
               </a:ext>
             </a:extLst>
           </p:cNvPr>
@@ -4051,7 +4051,7 @@
           <p:cNvPr id="4" name="Datumsplatzhalter 3">
             <a:extLst>
               <a:ext uri="{FF2B5EF4-FFF2-40B4-BE49-F238E27FC236}">
-                <a16:creationId xmlns:a16="http://schemas.microsoft.com/office/drawing/2014/main" xmlns="" id="{9450FF5B-A6A6-4F0F-AA5D-3F0F69A43AEB}"/>
+                <a16:creationId xmlns="" xmlns:a16="http://schemas.microsoft.com/office/drawing/2014/main" id="{9450FF5B-A6A6-4F0F-AA5D-3F0F69A43AEB}"/>
               </a:ext>
             </a:extLst>
           </p:cNvPr>
@@ -4099,7 +4099,7 @@
           <p:cNvPr id="5" name="Fußzeilenplatzhalter 4">
             <a:extLst>
               <a:ext uri="{FF2B5EF4-FFF2-40B4-BE49-F238E27FC236}">
-                <a16:creationId xmlns:a16="http://schemas.microsoft.com/office/drawing/2014/main" xmlns="" id="{FA798FAA-76CC-42EF-8BE0-466A41BBAB09}"/>
+                <a16:creationId xmlns="" xmlns:a16="http://schemas.microsoft.com/office/drawing/2014/main" id="{FA798FAA-76CC-42EF-8BE0-466A41BBAB09}"/>
               </a:ext>
             </a:extLst>
           </p:cNvPr>
@@ -4143,7 +4143,7 @@
           <p:cNvPr id="6" name="Foliennummernplatzhalter 5">
             <a:extLst>
               <a:ext uri="{FF2B5EF4-FFF2-40B4-BE49-F238E27FC236}">
-                <a16:creationId xmlns:a16="http://schemas.microsoft.com/office/drawing/2014/main" xmlns="" id="{5149FF02-6890-4E10-B958-1097AD32C6FA}"/>
+                <a16:creationId xmlns="" xmlns:a16="http://schemas.microsoft.com/office/drawing/2014/main" id="{5149FF02-6890-4E10-B958-1097AD32C6FA}"/>
               </a:ext>
             </a:extLst>
           </p:cNvPr>
@@ -4527,10 +4527,65 @@
       </p:grpSpPr>
       <p:sp>
         <p:nvSpPr>
+          <p:cNvPr id="7" name="Rettangolo 6"/>
+          <p:cNvSpPr/>
+          <p:nvPr/>
+        </p:nvSpPr>
+        <p:spPr>
+          <a:xfrm>
+            <a:off x="1" y="3121635"/>
+            <a:ext cx="12192000" cy="1918953"/>
+          </a:xfrm>
+          <a:prstGeom prst="rect">
+            <a:avLst/>
+          </a:prstGeom>
+          <a:solidFill>
+            <a:schemeClr val="bg1"/>
+          </a:solidFill>
+          <a:ln>
+            <a:solidFill>
+              <a:schemeClr val="bg1"/>
+            </a:solidFill>
+          </a:ln>
+          <a:effectLst>
+            <a:outerShdw blurRad="50800" dist="38100" dir="2700000" algn="tl" rotWithShape="0">
+              <a:prstClr val="black">
+                <a:alpha val="40000"/>
+              </a:prstClr>
+            </a:outerShdw>
+          </a:effectLst>
+        </p:spPr>
+        <p:style>
+          <a:lnRef idx="2">
+            <a:schemeClr val="accent1">
+              <a:shade val="50000"/>
+            </a:schemeClr>
+          </a:lnRef>
+          <a:fillRef idx="1">
+            <a:schemeClr val="accent1"/>
+          </a:fillRef>
+          <a:effectRef idx="0">
+            <a:schemeClr val="accent1"/>
+          </a:effectRef>
+          <a:fontRef idx="minor">
+            <a:schemeClr val="lt1"/>
+          </a:fontRef>
+        </p:style>
+        <p:txBody>
+          <a:bodyPr rtlCol="0" anchor="ctr"/>
+          <a:lstStyle/>
+          <a:p>
+            <a:pPr algn="ctr"/>
+            <a:endParaRPr lang="en-US"/>
+          </a:p>
+        </p:txBody>
+      </p:sp>
+      <p:sp>
+        <p:nvSpPr>
           <p:cNvPr id="2" name="Titel 1">
             <a:extLst>
               <a:ext uri="{FF2B5EF4-FFF2-40B4-BE49-F238E27FC236}">
-                <a16:creationId xmlns:a16="http://schemas.microsoft.com/office/drawing/2014/main" xmlns="" id="{C4300AEF-1595-4419-801B-6E36A33BB8CF}"/>
+                <a16:creationId xmlns="" xmlns:a16="http://schemas.microsoft.com/office/drawing/2014/main" id="{C4300AEF-1595-4419-801B-6E36A33BB8CF}"/>
               </a:ext>
             </a:extLst>
           </p:cNvPr>
@@ -4543,24 +4598,74 @@
         </p:nvSpPr>
         <p:spPr>
           <a:xfrm>
-            <a:off x="1523999" y="2640542"/>
-            <a:ext cx="9144000" cy="2991588"/>
+            <a:off x="1" y="2437004"/>
+            <a:ext cx="12192000" cy="3171637"/>
           </a:xfrm>
         </p:spPr>
         <p:txBody>
-          <a:bodyPr lIns="0" tIns="0" rIns="0" bIns="0" rtlCol="0" anchor="t">
+          <a:bodyPr wrap="square" lIns="0" tIns="0" rIns="0" bIns="0" rtlCol="0" anchor="t">
             <a:spAutoFit/>
           </a:bodyPr>
           <a:lstStyle/>
           <a:p>
             <a:pPr rtl="0"/>
             <a:r>
+              <a:rPr lang="en-US" sz="4000" b="1" dirty="0" smtClean="0">
+                <a:solidFill>
+                  <a:schemeClr val="bg1">
+                    <a:lumMod val="85000"/>
+                  </a:schemeClr>
+                </a:solidFill>
+              </a:rPr>
+              <a:t>DVA 231 Web </a:t>
+            </a:r>
+            <a:r>
+              <a:rPr lang="en-US" sz="4000" b="1" dirty="0" smtClean="0">
+                <a:solidFill>
+                  <a:schemeClr val="bg1">
+                    <a:lumMod val="85000"/>
+                  </a:schemeClr>
+                </a:solidFill>
+              </a:rPr>
+              <a:t>Development</a:t>
+            </a:r>
+            <a:r>
+              <a:rPr lang="en-US" sz="4000" b="1" dirty="0" smtClean="0">
+                <a:solidFill>
+                  <a:schemeClr val="bg1"/>
+                </a:solidFill>
+              </a:rPr>
+              <a:t/>
+            </a:r>
+            <a:br>
+              <a:rPr lang="en-US" sz="4000" b="1" dirty="0" smtClean="0">
+                <a:solidFill>
+                  <a:schemeClr val="bg1"/>
+                </a:solidFill>
+              </a:rPr>
+            </a:br>
+            <a:r>
+              <a:rPr lang="en-US" sz="4000" b="1" dirty="0" smtClean="0">
+                <a:solidFill>
+                  <a:schemeClr val="bg1"/>
+                </a:solidFill>
+              </a:rPr>
+              <a:t/>
+            </a:r>
+            <a:br>
+              <a:rPr lang="en-US" sz="4000" b="1" dirty="0" smtClean="0">
+                <a:solidFill>
+                  <a:schemeClr val="bg1"/>
+                </a:solidFill>
+              </a:rPr>
+            </a:br>
+            <a:r>
               <a:rPr lang="en-US" sz="4800" b="1" dirty="0" smtClean="0">
                 <a:solidFill>
                   <a:schemeClr val="bg1"/>
                 </a:solidFill>
               </a:rPr>
-              <a:t>DVA 231 Web Development</a:t>
+              <a:t/>
             </a:r>
             <a:br>
               <a:rPr lang="en-US" sz="4800" b="1" dirty="0" smtClean="0">
@@ -4570,7 +4675,7 @@
               </a:rPr>
             </a:br>
             <a:r>
-              <a:rPr lang="en-US" dirty="0" smtClean="0">
+              <a:rPr lang="en-US" sz="3500" b="1" dirty="0" smtClean="0">
                 <a:solidFill>
                   <a:schemeClr val="bg1"/>
                 </a:solidFill>
@@ -4578,29 +4683,14 @@
               <a:t/>
             </a:r>
             <a:br>
-              <a:rPr lang="en-US" dirty="0" smtClean="0">
+              <a:rPr lang="en-US" sz="3500" b="1" dirty="0" smtClean="0">
                 <a:solidFill>
                   <a:schemeClr val="bg1"/>
                 </a:solidFill>
               </a:rPr>
             </a:br>
             <a:r>
-              <a:rPr lang="en-US" sz="3600" dirty="0" smtClean="0">
-                <a:solidFill>
-                  <a:schemeClr val="accent4"/>
-                </a:solidFill>
-              </a:rPr>
-              <a:t>Project Presentation</a:t>
-            </a:r>
-            <a:br>
-              <a:rPr lang="en-US" sz="3600" dirty="0" smtClean="0">
-                <a:solidFill>
-                  <a:schemeClr val="accent4"/>
-                </a:solidFill>
-              </a:rPr>
-            </a:br>
-            <a:r>
-              <a:rPr lang="en-US" sz="3600" dirty="0" smtClean="0">
+              <a:rPr lang="en-US" sz="3600" dirty="0">
                 <a:solidFill>
                   <a:schemeClr val="accent4"/>
                 </a:solidFill>
@@ -4608,21 +4698,29 @@
               <a:t/>
             </a:r>
             <a:br>
-              <a:rPr lang="en-US" sz="3600" dirty="0" smtClean="0">
+              <a:rPr lang="en-US" sz="3600" dirty="0">
                 <a:solidFill>
                   <a:schemeClr val="accent4"/>
                 </a:solidFill>
               </a:rPr>
             </a:br>
             <a:r>
-              <a:rPr lang="en-US" sz="3600" dirty="0" smtClean="0">
+              <a:rPr lang="en-US" sz="3000" dirty="0" smtClean="0">
                 <a:solidFill>
                   <a:schemeClr val="accent4"/>
                 </a:solidFill>
               </a:rPr>
-              <a:t>Project-Group 3</a:t>
+              <a:t>Group </a:t>
             </a:r>
-            <a:endParaRPr lang="en-US" dirty="0">
+            <a:r>
+              <a:rPr lang="en-US" sz="3000" dirty="0" smtClean="0">
+                <a:solidFill>
+                  <a:schemeClr val="accent4"/>
+                </a:solidFill>
+              </a:rPr>
+              <a:t>3</a:t>
+            </a:r>
+            <a:endParaRPr lang="en-US" sz="3000" dirty="0">
               <a:solidFill>
                 <a:schemeClr val="accent4"/>
               </a:solidFill>
@@ -4635,10 +4733,10 @@
           <p:cNvPr id="4" name="Raute 3">
             <a:extLst>
               <a:ext uri="{FF2B5EF4-FFF2-40B4-BE49-F238E27FC236}">
-                <a16:creationId xmlns:a16="http://schemas.microsoft.com/office/drawing/2014/main" xmlns="" id="{1C59176D-59A8-4C02-B448-EE01232FB3E7}"/>
+                <a16:creationId xmlns="" xmlns:a16="http://schemas.microsoft.com/office/drawing/2014/main" id="{1C59176D-59A8-4C02-B448-EE01232FB3E7}"/>
               </a:ext>
               <a:ext uri="{C183D7F6-B498-43B3-948B-1728B52AA6E4}">
-                <adec:decorative xmlns:adec="http://schemas.microsoft.com/office/drawing/2017/decorative" xmlns="" val="1"/>
+                <adec:decorative xmlns="" xmlns:adec="http://schemas.microsoft.com/office/drawing/2017/decorative" val="1"/>
               </a:ext>
             </a:extLst>
           </p:cNvPr>
@@ -4690,10 +4788,10 @@
           <p:cNvPr id="5" name="Raute 4">
             <a:extLst>
               <a:ext uri="{FF2B5EF4-FFF2-40B4-BE49-F238E27FC236}">
-                <a16:creationId xmlns:a16="http://schemas.microsoft.com/office/drawing/2014/main" xmlns="" id="{A50B1817-3C7F-41BC-8557-7A00C928EE16}"/>
+                <a16:creationId xmlns="" xmlns:a16="http://schemas.microsoft.com/office/drawing/2014/main" id="{A50B1817-3C7F-41BC-8557-7A00C928EE16}"/>
               </a:ext>
               <a:ext uri="{C183D7F6-B498-43B3-948B-1728B52AA6E4}">
-                <adec:decorative xmlns:adec="http://schemas.microsoft.com/office/drawing/2017/decorative" xmlns="" val="1"/>
+                <adec:decorative xmlns="" xmlns:adec="http://schemas.microsoft.com/office/drawing/2017/decorative" val="1"/>
               </a:ext>
             </a:extLst>
           </p:cNvPr>
@@ -4740,6 +4838,146 @@
           </a:p>
         </p:txBody>
       </p:sp>
+      <p:pic>
+        <p:nvPicPr>
+          <p:cNvPr id="1026" name="Picture 2" descr="C:\Users\Admin\Desktop\tmp\logo.png"/>
+          <p:cNvPicPr>
+            <a:picLocks noChangeAspect="1" noChangeArrowheads="1"/>
+          </p:cNvPicPr>
+          <p:nvPr/>
+        </p:nvPicPr>
+        <p:blipFill>
+          <a:blip r:embed="rId3">
+            <a:extLst>
+              <a:ext uri="{28A0092B-C50C-407E-A947-70E740481C1C}">
+                <a14:useLocalDpi xmlns:a14="http://schemas.microsoft.com/office/drawing/2010/main" val="0"/>
+              </a:ext>
+            </a:extLst>
+          </a:blip>
+          <a:srcRect/>
+          <a:stretch>
+            <a:fillRect/>
+          </a:stretch>
+        </p:blipFill>
+        <p:spPr bwMode="auto">
+          <a:xfrm>
+            <a:off x="4775840" y="3422797"/>
+            <a:ext cx="2640321" cy="1316628"/>
+          </a:xfrm>
+          <a:prstGeom prst="rect">
+            <a:avLst/>
+          </a:prstGeom>
+          <a:noFill/>
+          <a:extLst>
+            <a:ext uri="{909E8E84-426E-40DD-AFC4-6F175D3DCCD1}">
+              <a14:hiddenFill xmlns:a14="http://schemas.microsoft.com/office/drawing/2010/main">
+                <a:solidFill>
+                  <a:srgbClr val="FFFFFF"/>
+                </a:solidFill>
+              </a14:hiddenFill>
+            </a:ext>
+          </a:extLst>
+        </p:spPr>
+      </p:pic>
+      <p:sp>
+        <p:nvSpPr>
+          <p:cNvPr id="6" name="CasellaDiTesto 5"/>
+          <p:cNvSpPr txBox="1"/>
+          <p:nvPr/>
+        </p:nvSpPr>
+        <p:spPr>
+          <a:xfrm>
+            <a:off x="193183" y="6286559"/>
+            <a:ext cx="6678466" cy="369332"/>
+          </a:xfrm>
+          <a:prstGeom prst="rect">
+            <a:avLst/>
+          </a:prstGeom>
+          <a:noFill/>
+        </p:spPr>
+        <p:txBody>
+          <a:bodyPr wrap="square" rtlCol="0">
+            <a:spAutoFit/>
+          </a:bodyPr>
+          <a:lstStyle/>
+          <a:p>
+            <a:r>
+              <a:rPr lang="en-US" dirty="0">
+                <a:solidFill>
+                  <a:schemeClr val="accent4"/>
+                </a:solidFill>
+                <a:latin typeface="+mj-lt"/>
+                <a:ea typeface="+mj-ea"/>
+                <a:cs typeface="+mj-cs"/>
+              </a:rPr>
+              <a:t>Ernest </a:t>
+            </a:r>
+            <a:r>
+              <a:rPr lang="en-US" dirty="0" err="1" smtClean="0">
+                <a:solidFill>
+                  <a:schemeClr val="accent4"/>
+                </a:solidFill>
+                <a:latin typeface="+mj-lt"/>
+                <a:ea typeface="+mj-ea"/>
+                <a:cs typeface="+mj-cs"/>
+              </a:rPr>
+              <a:t>Pokropek</a:t>
+            </a:r>
+            <a:r>
+              <a:rPr lang="en-US" dirty="0" smtClean="0">
+                <a:solidFill>
+                  <a:schemeClr val="accent4"/>
+                </a:solidFill>
+                <a:latin typeface="+mj-lt"/>
+                <a:ea typeface="+mj-ea"/>
+                <a:cs typeface="+mj-cs"/>
+              </a:rPr>
+              <a:t> - Lukas </a:t>
+            </a:r>
+            <a:r>
+              <a:rPr lang="en-US" dirty="0" err="1" smtClean="0">
+                <a:solidFill>
+                  <a:schemeClr val="accent4"/>
+                </a:solidFill>
+                <a:latin typeface="+mj-lt"/>
+                <a:ea typeface="+mj-ea"/>
+                <a:cs typeface="+mj-cs"/>
+              </a:rPr>
+              <a:t>Schnittcher</a:t>
+            </a:r>
+            <a:r>
+              <a:rPr lang="en-US" dirty="0" smtClean="0">
+                <a:solidFill>
+                  <a:schemeClr val="accent4"/>
+                </a:solidFill>
+                <a:latin typeface="+mj-lt"/>
+                <a:ea typeface="+mj-ea"/>
+                <a:cs typeface="+mj-cs"/>
+              </a:rPr>
+              <a:t> - Francesco </a:t>
+            </a:r>
+            <a:r>
+              <a:rPr lang="en-US" dirty="0" err="1">
+                <a:solidFill>
+                  <a:schemeClr val="accent4"/>
+                </a:solidFill>
+                <a:latin typeface="+mj-lt"/>
+                <a:ea typeface="+mj-ea"/>
+                <a:cs typeface="+mj-cs"/>
+              </a:rPr>
+              <a:t>Moschella</a:t>
+            </a:r>
+            <a:endParaRPr lang="en-US" dirty="0">
+              <a:solidFill>
+                <a:schemeClr val="accent4"/>
+              </a:solidFill>
+              <a:latin typeface="+mj-lt"/>
+              <a:ea typeface="+mj-ea"/>
+              <a:cs typeface="+mj-cs"/>
+            </a:endParaRPr>
+          </a:p>
+        </p:txBody>
+      </p:sp>
     </p:spTree>
     <p:extLst>
       <p:ext uri="{BB962C8B-B14F-4D97-AF65-F5344CB8AC3E}">
@@ -4782,7 +5020,7 @@
           <p:cNvPr id="4" name="Titel 3" hidden="1">
             <a:extLst>
               <a:ext uri="{FF2B5EF4-FFF2-40B4-BE49-F238E27FC236}">
-                <a16:creationId xmlns:a16="http://schemas.microsoft.com/office/drawing/2014/main" xmlns="" id="{B5981CF1-BC08-49F8-B0F9-AAF98EC67450}"/>
+                <a16:creationId xmlns="" xmlns:a16="http://schemas.microsoft.com/office/drawing/2014/main" id="{B5981CF1-BC08-49F8-B0F9-AAF98EC67450}"/>
               </a:ext>
             </a:extLst>
           </p:cNvPr>
@@ -4815,10 +5053,10 @@
           <p:cNvPr id="8" name="Gerader Verbinder 7">
             <a:extLst>
               <a:ext uri="{FF2B5EF4-FFF2-40B4-BE49-F238E27FC236}">
-                <a16:creationId xmlns:a16="http://schemas.microsoft.com/office/drawing/2014/main" xmlns="" id="{D0986099-F5F2-4E8B-BE17-81194861A00C}"/>
+                <a16:creationId xmlns="" xmlns:a16="http://schemas.microsoft.com/office/drawing/2014/main" id="{D0986099-F5F2-4E8B-BE17-81194861A00C}"/>
               </a:ext>
               <a:ext uri="{C183D7F6-B498-43B3-948B-1728B52AA6E4}">
-                <adec:decorative xmlns:adec="http://schemas.microsoft.com/office/drawing/2017/decorative" xmlns="" val="1"/>
+                <adec:decorative xmlns="" xmlns:adec="http://schemas.microsoft.com/office/drawing/2017/decorative" val="1"/>
               </a:ext>
             </a:extLst>
           </p:cNvPr>
@@ -4864,7 +5102,7 @@
           <p:cNvPr id="11" name="Titel 1">
             <a:extLst>
               <a:ext uri="{FF2B5EF4-FFF2-40B4-BE49-F238E27FC236}">
-                <a16:creationId xmlns:a16="http://schemas.microsoft.com/office/drawing/2014/main" xmlns="" id="{4E3F5479-058B-4FA8-92E9-18CAB8CDC5C5}"/>
+                <a16:creationId xmlns="" xmlns:a16="http://schemas.microsoft.com/office/drawing/2014/main" id="{4E3F5479-058B-4FA8-92E9-18CAB8CDC5C5}"/>
               </a:ext>
             </a:extLst>
           </p:cNvPr>
@@ -4945,10 +5183,10 @@
           <p:cNvPr id="14" name="Gerader Verbinder 13">
             <a:extLst>
               <a:ext uri="{FF2B5EF4-FFF2-40B4-BE49-F238E27FC236}">
-                <a16:creationId xmlns:a16="http://schemas.microsoft.com/office/drawing/2014/main" xmlns="" id="{83E690F4-843A-47A5-8620-4FB01C0D8E68}"/>
+                <a16:creationId xmlns="" xmlns:a16="http://schemas.microsoft.com/office/drawing/2014/main" id="{83E690F4-843A-47A5-8620-4FB01C0D8E68}"/>
               </a:ext>
               <a:ext uri="{C183D7F6-B498-43B3-948B-1728B52AA6E4}">
-                <adec:decorative xmlns:adec="http://schemas.microsoft.com/office/drawing/2017/decorative" xmlns="" val="1"/>
+                <adec:decorative xmlns="" xmlns:adec="http://schemas.microsoft.com/office/drawing/2017/decorative" val="1"/>
               </a:ext>
             </a:extLst>
           </p:cNvPr>
@@ -4994,7 +5232,7 @@
           <p:cNvPr id="31" name="Gruppieren 30" descr="Symbol, das ein Balkendiagramm mit einem Liniendiagramm darstellt">
             <a:extLst>
               <a:ext uri="{FF2B5EF4-FFF2-40B4-BE49-F238E27FC236}">
-                <a16:creationId xmlns:a16="http://schemas.microsoft.com/office/drawing/2014/main" xmlns="" id="{044C3643-8A0E-47C1-BEB8-C73203B5E58D}"/>
+                <a16:creationId xmlns="" xmlns:a16="http://schemas.microsoft.com/office/drawing/2014/main" id="{044C3643-8A0E-47C1-BEB8-C73203B5E58D}"/>
               </a:ext>
             </a:extLst>
           </p:cNvPr>
@@ -5017,7 +5255,7 @@
             <p:cNvPr id="32" name="Freihandform 372">
               <a:extLst>
                 <a:ext uri="{FF2B5EF4-FFF2-40B4-BE49-F238E27FC236}">
-                  <a16:creationId xmlns:a16="http://schemas.microsoft.com/office/drawing/2014/main" xmlns="" id="{56E8F5A5-5318-470B-8F42-337C264086AA}"/>
+                  <a16:creationId xmlns="" xmlns:a16="http://schemas.microsoft.com/office/drawing/2014/main" id="{56E8F5A5-5318-470B-8F42-337C264086AA}"/>
                 </a:ext>
               </a:extLst>
             </p:cNvPr>
@@ -5754,7 +5992,7 @@
             <p:cNvPr id="33" name="Freihandform 373">
               <a:extLst>
                 <a:ext uri="{FF2B5EF4-FFF2-40B4-BE49-F238E27FC236}">
-                  <a16:creationId xmlns:a16="http://schemas.microsoft.com/office/drawing/2014/main" xmlns="" id="{6AA1356D-8F1B-4281-BEC5-5B4EBF7467B1}"/>
+                  <a16:creationId xmlns="" xmlns:a16="http://schemas.microsoft.com/office/drawing/2014/main" id="{6AA1356D-8F1B-4281-BEC5-5B4EBF7467B1}"/>
                 </a:ext>
               </a:extLst>
             </p:cNvPr>
@@ -6745,7 +6983,7 @@
           <p:cNvPr id="35" name="Freihandform 4665" descr="Symbol, das einen Graph darstellt ">
             <a:extLst>
               <a:ext uri="{FF2B5EF4-FFF2-40B4-BE49-F238E27FC236}">
-                <a16:creationId xmlns:a16="http://schemas.microsoft.com/office/drawing/2014/main" xmlns="" id="{557E39B2-E017-4E5C-B53E-DDE3B9D4C92C}"/>
+                <a16:creationId xmlns="" xmlns:a16="http://schemas.microsoft.com/office/drawing/2014/main" id="{557E39B2-E017-4E5C-B53E-DDE3B9D4C92C}"/>
               </a:ext>
             </a:extLst>
           </p:cNvPr>
@@ -7938,7 +8176,7 @@
           <p:cNvPr id="36" name="Gruppieren 35" descr="Symbol, das einen Menschen und ein Zahnrad darstellt ">
             <a:extLst>
               <a:ext uri="{FF2B5EF4-FFF2-40B4-BE49-F238E27FC236}">
-                <a16:creationId xmlns:a16="http://schemas.microsoft.com/office/drawing/2014/main" xmlns="" id="{ECC5F635-1712-4572-A9EC-F94E2199DDBD}"/>
+                <a16:creationId xmlns="" xmlns:a16="http://schemas.microsoft.com/office/drawing/2014/main" id="{ECC5F635-1712-4572-A9EC-F94E2199DDBD}"/>
               </a:ext>
             </a:extLst>
           </p:cNvPr>
@@ -7961,7 +8199,7 @@
             <p:cNvPr id="37" name="Freihandform 3673">
               <a:extLst>
                 <a:ext uri="{FF2B5EF4-FFF2-40B4-BE49-F238E27FC236}">
-                  <a16:creationId xmlns:a16="http://schemas.microsoft.com/office/drawing/2014/main" xmlns="" id="{D1391604-D4EC-48A8-AE57-EDF194392FB1}"/>
+                  <a16:creationId xmlns="" xmlns:a16="http://schemas.microsoft.com/office/drawing/2014/main" id="{D1391604-D4EC-48A8-AE57-EDF194392FB1}"/>
                 </a:ext>
               </a:extLst>
             </p:cNvPr>
@@ -8696,7 +8934,7 @@
             <p:cNvPr id="38" name="Freihandform 3674">
               <a:extLst>
                 <a:ext uri="{FF2B5EF4-FFF2-40B4-BE49-F238E27FC236}">
-                  <a16:creationId xmlns:a16="http://schemas.microsoft.com/office/drawing/2014/main" xmlns="" id="{44A4D0F8-0767-41BC-BE62-0AED99EC8B25}"/>
+                  <a16:creationId xmlns="" xmlns:a16="http://schemas.microsoft.com/office/drawing/2014/main" id="{44A4D0F8-0767-41BC-BE62-0AED99EC8B25}"/>
                 </a:ext>
               </a:extLst>
             </p:cNvPr>
@@ -9503,7 +9741,7 @@
           <p:cNvPr id="39" name="Gruppieren 38" descr="Symbol, das Zahnräder darstellt ">
             <a:extLst>
               <a:ext uri="{FF2B5EF4-FFF2-40B4-BE49-F238E27FC236}">
-                <a16:creationId xmlns:a16="http://schemas.microsoft.com/office/drawing/2014/main" xmlns="" id="{5BC0E3F0-447D-4721-AB1F-C8243BA36671}"/>
+                <a16:creationId xmlns="" xmlns:a16="http://schemas.microsoft.com/office/drawing/2014/main" id="{5BC0E3F0-447D-4721-AB1F-C8243BA36671}"/>
               </a:ext>
             </a:extLst>
           </p:cNvPr>
@@ -9526,7 +9764,7 @@
             <p:cNvPr id="40" name="Freihandform 4359">
               <a:extLst>
                 <a:ext uri="{FF2B5EF4-FFF2-40B4-BE49-F238E27FC236}">
-                  <a16:creationId xmlns:a16="http://schemas.microsoft.com/office/drawing/2014/main" xmlns="" id="{351831F3-9830-4A23-8B34-11A3FCCA027E}"/>
+                  <a16:creationId xmlns="" xmlns:a16="http://schemas.microsoft.com/office/drawing/2014/main" id="{351831F3-9830-4A23-8B34-11A3FCCA027E}"/>
                 </a:ext>
               </a:extLst>
             </p:cNvPr>
@@ -10525,7 +10763,7 @@
             <p:cNvPr id="41" name="Freihandform 4360">
               <a:extLst>
                 <a:ext uri="{FF2B5EF4-FFF2-40B4-BE49-F238E27FC236}">
-                  <a16:creationId xmlns:a16="http://schemas.microsoft.com/office/drawing/2014/main" xmlns="" id="{CDB8F87B-81A2-480F-ADA8-BFB5FD890ACD}"/>
+                  <a16:creationId xmlns="" xmlns:a16="http://schemas.microsoft.com/office/drawing/2014/main" id="{CDB8F87B-81A2-480F-ADA8-BFB5FD890ACD}"/>
                 </a:ext>
               </a:extLst>
             </p:cNvPr>
@@ -11440,7 +11678,7 @@
           <p:cNvPr id="42" name="Freihandform 4346" descr="Symbol, das ein Kastengrafikdiagramm darstellt ">
             <a:extLst>
               <a:ext uri="{FF2B5EF4-FFF2-40B4-BE49-F238E27FC236}">
-                <a16:creationId xmlns:a16="http://schemas.microsoft.com/office/drawing/2014/main" xmlns="" id="{D131817A-5B27-4718-8BAC-45C9CEDA45D9}"/>
+                <a16:creationId xmlns="" xmlns:a16="http://schemas.microsoft.com/office/drawing/2014/main" id="{D131817A-5B27-4718-8BAC-45C9CEDA45D9}"/>
               </a:ext>
             </a:extLst>
           </p:cNvPr>
@@ -13155,7 +13393,7 @@
           <p:cNvPr id="2" name="Textfeld 1">
             <a:extLst>
               <a:ext uri="{FF2B5EF4-FFF2-40B4-BE49-F238E27FC236}">
-                <a16:creationId xmlns:a16="http://schemas.microsoft.com/office/drawing/2014/main" xmlns="" id="{59919A1F-B0E3-4494-8033-4C8D44E65BB2}"/>
+                <a16:creationId xmlns="" xmlns:a16="http://schemas.microsoft.com/office/drawing/2014/main" id="{59919A1F-B0E3-4494-8033-4C8D44E65BB2}"/>
               </a:ext>
             </a:extLst>
           </p:cNvPr>
@@ -13294,20 +13532,46 @@
           </a:p>
           <a:p>
             <a:r>
-              <a:rPr lang="en-US" dirty="0" smtClean="0"/>
-              <a:t>For Data we use: </a:t>
-            </a:r>
-            <a:r>
-              <a:rPr lang="en-US" dirty="0" smtClean="0">
-                <a:hlinkClick r:id="rId3"/>
-              </a:rPr>
-              <a:t>https://www.thecocktaildb.com/about.php</a:t>
+              <a:rPr lang="en-US" dirty="0"/>
+              <a:t>For Data we use</a:t>
             </a:r>
             <a:r>
               <a:rPr lang="en-US" dirty="0" smtClean="0"/>
+              <a:t>: </a:t>
+            </a:r>
+            <a:r>
+              <a:rPr lang="en-US" u="sng" dirty="0" smtClean="0">
+                <a:solidFill>
+                  <a:srgbClr val="0033CC"/>
+                </a:solidFill>
+              </a:rPr>
+              <a:t>https</a:t>
+            </a:r>
+            <a:r>
+              <a:rPr lang="en-US" u="sng" dirty="0">
+                <a:solidFill>
+                  <a:srgbClr val="0033CC"/>
+                </a:solidFill>
+              </a:rPr>
+              <a:t>://</a:t>
+            </a:r>
+            <a:r>
+              <a:rPr lang="en-US" u="sng" dirty="0" smtClean="0">
+                <a:solidFill>
+                  <a:srgbClr val="0033CC"/>
+                </a:solidFill>
+              </a:rPr>
+              <a:t>www.thecocktaildb.com/about.php</a:t>
+            </a:r>
+            <a:r>
+              <a:rPr lang="en-US" u="sng" dirty="0" smtClean="0">
+                <a:solidFill>
+                  <a:schemeClr val="accent5"/>
+                </a:solidFill>
+              </a:rPr>
               <a:t> </a:t>
             </a:r>
-            <a:endParaRPr lang="en-US" dirty="0"/>
+            <a:endParaRPr lang="en-US" u="sng" dirty="0"/>
           </a:p>
         </p:txBody>
       </p:sp>
@@ -13316,7 +13580,7 @@
           <p:cNvPr id="5" name="Gruppieren 4">
             <a:extLst>
               <a:ext uri="{FF2B5EF4-FFF2-40B4-BE49-F238E27FC236}">
-                <a16:creationId xmlns:a16="http://schemas.microsoft.com/office/drawing/2014/main" xmlns="" id="{578740F7-8698-4ECA-8037-3100C8714F83}"/>
+                <a16:creationId xmlns="" xmlns:a16="http://schemas.microsoft.com/office/drawing/2014/main" id="{578740F7-8698-4ECA-8037-3100C8714F83}"/>
               </a:ext>
             </a:extLst>
           </p:cNvPr>
@@ -13334,10 +13598,10 @@
         <p:pic>
           <p:nvPicPr>
             <p:cNvPr id="17" name="Grafik 16" descr="Ein Bild, das Person, haltend, lächelnd, Front enthält.&#10;&#10;Automatisch generierte Beschreibung">
-              <a:hlinkClick r:id="rId4"/>
+              <a:hlinkClick r:id="rId3"/>
               <a:extLst>
                 <a:ext uri="{FF2B5EF4-FFF2-40B4-BE49-F238E27FC236}">
-                  <a16:creationId xmlns:a16="http://schemas.microsoft.com/office/drawing/2014/main" xmlns="" id="{7CA7C01B-3349-49FB-A04B-6B5278F6A4B6}"/>
+                  <a16:creationId xmlns="" xmlns:a16="http://schemas.microsoft.com/office/drawing/2014/main" id="{7CA7C01B-3349-49FB-A04B-6B5278F6A4B6}"/>
                 </a:ext>
               </a:extLst>
             </p:cNvPr>
@@ -13347,7 +13611,7 @@
             <p:nvPr/>
           </p:nvPicPr>
           <p:blipFill>
-            <a:blip r:embed="rId5">
+            <a:blip r:embed="rId4">
               <a:extLst>
                 <a:ext uri="{28A0092B-C50C-407E-A947-70E740481C1C}">
                   <a14:useLocalDpi xmlns:a14="http://schemas.microsoft.com/office/drawing/2010/main" val="0"/>
@@ -13373,7 +13637,7 @@
             <p:cNvPr id="3" name="Textfeld 2">
               <a:extLst>
                 <a:ext uri="{FF2B5EF4-FFF2-40B4-BE49-F238E27FC236}">
-                  <a16:creationId xmlns:a16="http://schemas.microsoft.com/office/drawing/2014/main" xmlns="" id="{4FE7F08F-8B70-4C59-9FB2-378E2789EC1A}"/>
+                  <a16:creationId xmlns="" xmlns:a16="http://schemas.microsoft.com/office/drawing/2014/main" id="{4FE7F08F-8B70-4C59-9FB2-378E2789EC1A}"/>
                 </a:ext>
               </a:extLst>
             </p:cNvPr>
@@ -13405,6 +13669,47 @@
           </p:txBody>
         </p:sp>
       </p:grpSp>
+      <p:pic>
+        <p:nvPicPr>
+          <p:cNvPr id="21" name="Picture 2" descr="C:\Users\Admin\Desktop\tmp\logo.png"/>
+          <p:cNvPicPr>
+            <a:picLocks noChangeAspect="1" noChangeArrowheads="1"/>
+          </p:cNvPicPr>
+          <p:nvPr/>
+        </p:nvPicPr>
+        <p:blipFill>
+          <a:blip r:embed="rId5" cstate="print">
+            <a:extLst>
+              <a:ext uri="{28A0092B-C50C-407E-A947-70E740481C1C}">
+                <a14:useLocalDpi xmlns:a14="http://schemas.microsoft.com/office/drawing/2010/main" val="0"/>
+              </a:ext>
+            </a:extLst>
+          </a:blip>
+          <a:srcRect/>
+          <a:stretch>
+            <a:fillRect/>
+          </a:stretch>
+        </p:blipFill>
+        <p:spPr bwMode="auto">
+          <a:xfrm>
+            <a:off x="9744335" y="5473521"/>
+            <a:ext cx="1779587" cy="887413"/>
+          </a:xfrm>
+          <a:prstGeom prst="rect">
+            <a:avLst/>
+          </a:prstGeom>
+          <a:noFill/>
+          <a:extLst>
+            <a:ext uri="{909E8E84-426E-40DD-AFC4-6F175D3DCCD1}">
+              <a14:hiddenFill xmlns:a14="http://schemas.microsoft.com/office/drawing/2010/main">
+                <a:solidFill>
+                  <a:srgbClr val="FFFFFF"/>
+                </a:solidFill>
+              </a14:hiddenFill>
+            </a:ext>
+          </a:extLst>
+        </p:spPr>
+      </p:pic>
     </p:spTree>
     <p:extLst>
       <p:ext uri="{BB962C8B-B14F-4D97-AF65-F5344CB8AC3E}">
@@ -13447,10 +13752,10 @@
           <p:cNvPr id="2" name="Gerader Verbinder 7">
             <a:extLst>
               <a:ext uri="{FF2B5EF4-FFF2-40B4-BE49-F238E27FC236}">
-                <a16:creationId xmlns:a16="http://schemas.microsoft.com/office/drawing/2014/main" xmlns="" id="{D0986099-F5F2-4E8B-BE17-81194861A00C}"/>
+                <a16:creationId xmlns="" xmlns:a16="http://schemas.microsoft.com/office/drawing/2014/main" id="{D0986099-F5F2-4E8B-BE17-81194861A00C}"/>
               </a:ext>
               <a:ext uri="{C183D7F6-B498-43B3-948B-1728B52AA6E4}">
-                <adec:decorative xmlns:adec="http://schemas.microsoft.com/office/drawing/2017/decorative" xmlns="" val="1"/>
+                <adec:decorative xmlns="" xmlns:adec="http://schemas.microsoft.com/office/drawing/2017/decorative" val="1"/>
               </a:ext>
             </a:extLst>
           </p:cNvPr>
@@ -13496,7 +13801,7 @@
           <p:cNvPr id="3" name="Titel 1">
             <a:extLst>
               <a:ext uri="{FF2B5EF4-FFF2-40B4-BE49-F238E27FC236}">
-                <a16:creationId xmlns:a16="http://schemas.microsoft.com/office/drawing/2014/main" xmlns="" id="{4E3F5479-058B-4FA8-92E9-18CAB8CDC5C5}"/>
+                <a16:creationId xmlns="" xmlns:a16="http://schemas.microsoft.com/office/drawing/2014/main" id="{4E3F5479-058B-4FA8-92E9-18CAB8CDC5C5}"/>
               </a:ext>
             </a:extLst>
           </p:cNvPr>
@@ -13566,10 +13871,10 @@
           <p:cNvPr id="4" name="Gerader Verbinder 13">
             <a:extLst>
               <a:ext uri="{FF2B5EF4-FFF2-40B4-BE49-F238E27FC236}">
-                <a16:creationId xmlns:a16="http://schemas.microsoft.com/office/drawing/2014/main" xmlns="" id="{83E690F4-843A-47A5-8620-4FB01C0D8E68}"/>
+                <a16:creationId xmlns="" xmlns:a16="http://schemas.microsoft.com/office/drawing/2014/main" id="{83E690F4-843A-47A5-8620-4FB01C0D8E68}"/>
               </a:ext>
               <a:ext uri="{C183D7F6-B498-43B3-948B-1728B52AA6E4}">
-                <adec:decorative xmlns:adec="http://schemas.microsoft.com/office/drawing/2017/decorative" xmlns="" val="1"/>
+                <adec:decorative xmlns="" xmlns:adec="http://schemas.microsoft.com/office/drawing/2017/decorative" val="1"/>
               </a:ext>
             </a:extLst>
           </p:cNvPr>
@@ -13686,6 +13991,47 @@
           </a:p>
         </p:txBody>
       </p:sp>
+      <p:pic>
+        <p:nvPicPr>
+          <p:cNvPr id="6" name="Picture 2" descr="C:\Users\Admin\Desktop\tmp\logo.png"/>
+          <p:cNvPicPr>
+            <a:picLocks noChangeAspect="1" noChangeArrowheads="1"/>
+          </p:cNvPicPr>
+          <p:nvPr/>
+        </p:nvPicPr>
+        <p:blipFill>
+          <a:blip r:embed="rId2" cstate="print">
+            <a:extLst>
+              <a:ext uri="{28A0092B-C50C-407E-A947-70E740481C1C}">
+                <a14:useLocalDpi xmlns:a14="http://schemas.microsoft.com/office/drawing/2010/main" val="0"/>
+              </a:ext>
+            </a:extLst>
+          </a:blip>
+          <a:srcRect/>
+          <a:stretch>
+            <a:fillRect/>
+          </a:stretch>
+        </p:blipFill>
+        <p:spPr bwMode="auto">
+          <a:xfrm>
+            <a:off x="9744335" y="5473521"/>
+            <a:ext cx="1779587" cy="887413"/>
+          </a:xfrm>
+          <a:prstGeom prst="rect">
+            <a:avLst/>
+          </a:prstGeom>
+          <a:noFill/>
+          <a:extLst>
+            <a:ext uri="{909E8E84-426E-40DD-AFC4-6F175D3DCCD1}">
+              <a14:hiddenFill xmlns:a14="http://schemas.microsoft.com/office/drawing/2010/main">
+                <a:solidFill>
+                  <a:srgbClr val="FFFFFF"/>
+                </a:solidFill>
+              </a14:hiddenFill>
+            </a:ext>
+          </a:extLst>
+        </p:spPr>
+      </p:pic>
     </p:spTree>
     <p:extLst>
       <p:ext uri="{BB962C8B-B14F-4D97-AF65-F5344CB8AC3E}">
@@ -13728,7 +14074,7 @@
           <p:cNvPr id="4" name="Titel 3" hidden="1">
             <a:extLst>
               <a:ext uri="{FF2B5EF4-FFF2-40B4-BE49-F238E27FC236}">
-                <a16:creationId xmlns:a16="http://schemas.microsoft.com/office/drawing/2014/main" xmlns="" id="{B5981CF1-BC08-49F8-B0F9-AAF98EC67450}"/>
+                <a16:creationId xmlns="" xmlns:a16="http://schemas.microsoft.com/office/drawing/2014/main" id="{B5981CF1-BC08-49F8-B0F9-AAF98EC67450}"/>
               </a:ext>
             </a:extLst>
           </p:cNvPr>
@@ -13761,10 +14107,10 @@
           <p:cNvPr id="8" name="Gerader Verbinder 7">
             <a:extLst>
               <a:ext uri="{FF2B5EF4-FFF2-40B4-BE49-F238E27FC236}">
-                <a16:creationId xmlns:a16="http://schemas.microsoft.com/office/drawing/2014/main" xmlns="" id="{D0986099-F5F2-4E8B-BE17-81194861A00C}"/>
+                <a16:creationId xmlns="" xmlns:a16="http://schemas.microsoft.com/office/drawing/2014/main" id="{D0986099-F5F2-4E8B-BE17-81194861A00C}"/>
               </a:ext>
               <a:ext uri="{C183D7F6-B498-43B3-948B-1728B52AA6E4}">
-                <adec:decorative xmlns:adec="http://schemas.microsoft.com/office/drawing/2017/decorative" xmlns="" val="1"/>
+                <adec:decorative xmlns="" xmlns:adec="http://schemas.microsoft.com/office/drawing/2017/decorative" val="1"/>
               </a:ext>
             </a:extLst>
           </p:cNvPr>
@@ -13810,7 +14156,7 @@
           <p:cNvPr id="11" name="Titel 1">
             <a:extLst>
               <a:ext uri="{FF2B5EF4-FFF2-40B4-BE49-F238E27FC236}">
-                <a16:creationId xmlns:a16="http://schemas.microsoft.com/office/drawing/2014/main" xmlns="" id="{4E3F5479-058B-4FA8-92E9-18CAB8CDC5C5}"/>
+                <a16:creationId xmlns="" xmlns:a16="http://schemas.microsoft.com/office/drawing/2014/main" id="{4E3F5479-058B-4FA8-92E9-18CAB8CDC5C5}"/>
               </a:ext>
             </a:extLst>
           </p:cNvPr>
@@ -13880,10 +14226,10 @@
           <p:cNvPr id="14" name="Gerader Verbinder 13">
             <a:extLst>
               <a:ext uri="{FF2B5EF4-FFF2-40B4-BE49-F238E27FC236}">
-                <a16:creationId xmlns:a16="http://schemas.microsoft.com/office/drawing/2014/main" xmlns="" id="{83E690F4-843A-47A5-8620-4FB01C0D8E68}"/>
+                <a16:creationId xmlns="" xmlns:a16="http://schemas.microsoft.com/office/drawing/2014/main" id="{83E690F4-843A-47A5-8620-4FB01C0D8E68}"/>
               </a:ext>
               <a:ext uri="{C183D7F6-B498-43B3-948B-1728B52AA6E4}">
-                <adec:decorative xmlns:adec="http://schemas.microsoft.com/office/drawing/2017/decorative" xmlns="" val="1"/>
+                <adec:decorative xmlns="" xmlns:adec="http://schemas.microsoft.com/office/drawing/2017/decorative" val="1"/>
               </a:ext>
             </a:extLst>
           </p:cNvPr>
@@ -13929,7 +14275,7 @@
           <p:cNvPr id="31" name="Gruppieren 30" descr="Symbol, das ein Balkendiagramm mit einem Liniendiagramm darstellt">
             <a:extLst>
               <a:ext uri="{FF2B5EF4-FFF2-40B4-BE49-F238E27FC236}">
-                <a16:creationId xmlns:a16="http://schemas.microsoft.com/office/drawing/2014/main" xmlns="" id="{044C3643-8A0E-47C1-BEB8-C73203B5E58D}"/>
+                <a16:creationId xmlns="" xmlns:a16="http://schemas.microsoft.com/office/drawing/2014/main" id="{044C3643-8A0E-47C1-BEB8-C73203B5E58D}"/>
               </a:ext>
             </a:extLst>
           </p:cNvPr>
@@ -13952,7 +14298,7 @@
             <p:cNvPr id="32" name="Freihandform 372">
               <a:extLst>
                 <a:ext uri="{FF2B5EF4-FFF2-40B4-BE49-F238E27FC236}">
-                  <a16:creationId xmlns:a16="http://schemas.microsoft.com/office/drawing/2014/main" xmlns="" id="{56E8F5A5-5318-470B-8F42-337C264086AA}"/>
+                  <a16:creationId xmlns="" xmlns:a16="http://schemas.microsoft.com/office/drawing/2014/main" id="{56E8F5A5-5318-470B-8F42-337C264086AA}"/>
                 </a:ext>
               </a:extLst>
             </p:cNvPr>
@@ -14689,7 +15035,7 @@
             <p:cNvPr id="33" name="Freihandform 373">
               <a:extLst>
                 <a:ext uri="{FF2B5EF4-FFF2-40B4-BE49-F238E27FC236}">
-                  <a16:creationId xmlns:a16="http://schemas.microsoft.com/office/drawing/2014/main" xmlns="" id="{6AA1356D-8F1B-4281-BEC5-5B4EBF7467B1}"/>
+                  <a16:creationId xmlns="" xmlns:a16="http://schemas.microsoft.com/office/drawing/2014/main" id="{6AA1356D-8F1B-4281-BEC5-5B4EBF7467B1}"/>
                 </a:ext>
               </a:extLst>
             </p:cNvPr>
@@ -15680,7 +16026,7 @@
           <p:cNvPr id="35" name="Freihandform 4665" descr="Symbol, das einen Graph darstellt ">
             <a:extLst>
               <a:ext uri="{FF2B5EF4-FFF2-40B4-BE49-F238E27FC236}">
-                <a16:creationId xmlns:a16="http://schemas.microsoft.com/office/drawing/2014/main" xmlns="" id="{557E39B2-E017-4E5C-B53E-DDE3B9D4C92C}"/>
+                <a16:creationId xmlns="" xmlns:a16="http://schemas.microsoft.com/office/drawing/2014/main" id="{557E39B2-E017-4E5C-B53E-DDE3B9D4C92C}"/>
               </a:ext>
             </a:extLst>
           </p:cNvPr>
@@ -16873,7 +17219,7 @@
           <p:cNvPr id="36" name="Gruppieren 35" descr="Symbol, das einen Menschen und ein Zahnrad darstellt ">
             <a:extLst>
               <a:ext uri="{FF2B5EF4-FFF2-40B4-BE49-F238E27FC236}">
-                <a16:creationId xmlns:a16="http://schemas.microsoft.com/office/drawing/2014/main" xmlns="" id="{ECC5F635-1712-4572-A9EC-F94E2199DDBD}"/>
+                <a16:creationId xmlns="" xmlns:a16="http://schemas.microsoft.com/office/drawing/2014/main" id="{ECC5F635-1712-4572-A9EC-F94E2199DDBD}"/>
               </a:ext>
             </a:extLst>
           </p:cNvPr>
@@ -16896,7 +17242,7 @@
             <p:cNvPr id="37" name="Freihandform 3673">
               <a:extLst>
                 <a:ext uri="{FF2B5EF4-FFF2-40B4-BE49-F238E27FC236}">
-                  <a16:creationId xmlns:a16="http://schemas.microsoft.com/office/drawing/2014/main" xmlns="" id="{D1391604-D4EC-48A8-AE57-EDF194392FB1}"/>
+                  <a16:creationId xmlns="" xmlns:a16="http://schemas.microsoft.com/office/drawing/2014/main" id="{D1391604-D4EC-48A8-AE57-EDF194392FB1}"/>
                 </a:ext>
               </a:extLst>
             </p:cNvPr>
@@ -17631,7 +17977,7 @@
             <p:cNvPr id="38" name="Freihandform 3674">
               <a:extLst>
                 <a:ext uri="{FF2B5EF4-FFF2-40B4-BE49-F238E27FC236}">
-                  <a16:creationId xmlns:a16="http://schemas.microsoft.com/office/drawing/2014/main" xmlns="" id="{44A4D0F8-0767-41BC-BE62-0AED99EC8B25}"/>
+                  <a16:creationId xmlns="" xmlns:a16="http://schemas.microsoft.com/office/drawing/2014/main" id="{44A4D0F8-0767-41BC-BE62-0AED99EC8B25}"/>
                 </a:ext>
               </a:extLst>
             </p:cNvPr>
@@ -18438,7 +18784,7 @@
           <p:cNvPr id="39" name="Gruppieren 38" descr="Symbol, das Zahnräder darstellt ">
             <a:extLst>
               <a:ext uri="{FF2B5EF4-FFF2-40B4-BE49-F238E27FC236}">
-                <a16:creationId xmlns:a16="http://schemas.microsoft.com/office/drawing/2014/main" xmlns="" id="{5BC0E3F0-447D-4721-AB1F-C8243BA36671}"/>
+                <a16:creationId xmlns="" xmlns:a16="http://schemas.microsoft.com/office/drawing/2014/main" id="{5BC0E3F0-447D-4721-AB1F-C8243BA36671}"/>
               </a:ext>
             </a:extLst>
           </p:cNvPr>
@@ -18461,7 +18807,7 @@
             <p:cNvPr id="40" name="Freihandform 4359">
               <a:extLst>
                 <a:ext uri="{FF2B5EF4-FFF2-40B4-BE49-F238E27FC236}">
-                  <a16:creationId xmlns:a16="http://schemas.microsoft.com/office/drawing/2014/main" xmlns="" id="{351831F3-9830-4A23-8B34-11A3FCCA027E}"/>
+                  <a16:creationId xmlns="" xmlns:a16="http://schemas.microsoft.com/office/drawing/2014/main" id="{351831F3-9830-4A23-8B34-11A3FCCA027E}"/>
                 </a:ext>
               </a:extLst>
             </p:cNvPr>
@@ -19460,7 +19806,7 @@
             <p:cNvPr id="41" name="Freihandform 4360">
               <a:extLst>
                 <a:ext uri="{FF2B5EF4-FFF2-40B4-BE49-F238E27FC236}">
-                  <a16:creationId xmlns:a16="http://schemas.microsoft.com/office/drawing/2014/main" xmlns="" id="{CDB8F87B-81A2-480F-ADA8-BFB5FD890ACD}"/>
+                  <a16:creationId xmlns="" xmlns:a16="http://schemas.microsoft.com/office/drawing/2014/main" id="{CDB8F87B-81A2-480F-ADA8-BFB5FD890ACD}"/>
                 </a:ext>
               </a:extLst>
             </p:cNvPr>
@@ -20375,7 +20721,7 @@
           <p:cNvPr id="42" name="Freihandform 4346" descr="Symbol, das ein Kastengrafikdiagramm darstellt ">
             <a:extLst>
               <a:ext uri="{FF2B5EF4-FFF2-40B4-BE49-F238E27FC236}">
-                <a16:creationId xmlns:a16="http://schemas.microsoft.com/office/drawing/2014/main" xmlns="" id="{D131817A-5B27-4718-8BAC-45C9CEDA45D9}"/>
+                <a16:creationId xmlns="" xmlns:a16="http://schemas.microsoft.com/office/drawing/2014/main" id="{D131817A-5B27-4718-8BAC-45C9CEDA45D9}"/>
               </a:ext>
             </a:extLst>
           </p:cNvPr>
@@ -22090,7 +22436,7 @@
           <p:cNvPr id="2" name="Textfeld 1">
             <a:extLst>
               <a:ext uri="{FF2B5EF4-FFF2-40B4-BE49-F238E27FC236}">
-                <a16:creationId xmlns:a16="http://schemas.microsoft.com/office/drawing/2014/main" xmlns="" id="{59919A1F-B0E3-4494-8033-4C8D44E65BB2}"/>
+                <a16:creationId xmlns="" xmlns:a16="http://schemas.microsoft.com/office/drawing/2014/main" id="{59919A1F-B0E3-4494-8033-4C8D44E65BB2}"/>
               </a:ext>
             </a:extLst>
           </p:cNvPr>
@@ -22190,11 +22536,7 @@
             </a:r>
             <a:r>
               <a:rPr lang="en-US" sz="2400" dirty="0" smtClean="0"/>
-              <a:t> </a:t>
-            </a:r>
-            <a:r>
-              <a:rPr lang="en-US" sz="2400" dirty="0" smtClean="0"/>
-              <a:t>a JavaScript library</a:t>
+              <a:t> a JavaScript library</a:t>
             </a:r>
           </a:p>
           <a:p>
@@ -22214,13 +22556,8 @@
             </a:pPr>
             <a:r>
               <a:rPr lang="en-US" sz="2400" dirty="0" smtClean="0"/>
-              <a:t>Rater JS </a:t>
+              <a:t>Rater JS Widget</a:t>
             </a:r>
-            <a:r>
-              <a:rPr lang="en-US" sz="2400" dirty="0" smtClean="0"/>
-              <a:t>Widget</a:t>
-            </a:r>
-            <a:endParaRPr lang="en-US" sz="2400" dirty="0" smtClean="0"/>
           </a:p>
           <a:p>
             <a:pPr marL="342900" indent="-342900">
@@ -22251,6 +22588,47 @@
           </a:p>
         </p:txBody>
       </p:sp>
+      <p:pic>
+        <p:nvPicPr>
+          <p:cNvPr id="18" name="Picture 2" descr="C:\Users\Admin\Desktop\tmp\logo.png"/>
+          <p:cNvPicPr>
+            <a:picLocks noChangeAspect="1" noChangeArrowheads="1"/>
+          </p:cNvPicPr>
+          <p:nvPr/>
+        </p:nvPicPr>
+        <p:blipFill>
+          <a:blip r:embed="rId3" cstate="print">
+            <a:extLst>
+              <a:ext uri="{28A0092B-C50C-407E-A947-70E740481C1C}">
+                <a14:useLocalDpi xmlns:a14="http://schemas.microsoft.com/office/drawing/2010/main" val="0"/>
+              </a:ext>
+            </a:extLst>
+          </a:blip>
+          <a:srcRect/>
+          <a:stretch>
+            <a:fillRect/>
+          </a:stretch>
+        </p:blipFill>
+        <p:spPr bwMode="auto">
+          <a:xfrm>
+            <a:off x="9744335" y="5473521"/>
+            <a:ext cx="1779587" cy="887413"/>
+          </a:xfrm>
+          <a:prstGeom prst="rect">
+            <a:avLst/>
+          </a:prstGeom>
+          <a:noFill/>
+          <a:extLst>
+            <a:ext uri="{909E8E84-426E-40DD-AFC4-6F175D3DCCD1}">
+              <a14:hiddenFill xmlns:a14="http://schemas.microsoft.com/office/drawing/2010/main">
+                <a:solidFill>
+                  <a:srgbClr val="FFFFFF"/>
+                </a:solidFill>
+              </a14:hiddenFill>
+            </a:ext>
+          </a:extLst>
+        </p:spPr>
+      </p:pic>
     </p:spTree>
     <p:extLst>
       <p:ext uri="{BB962C8B-B14F-4D97-AF65-F5344CB8AC3E}">
@@ -22455,10 +22833,10 @@
           <p:cNvPr id="3" name="Gerader Verbinder 7">
             <a:extLst>
               <a:ext uri="{FF2B5EF4-FFF2-40B4-BE49-F238E27FC236}">
-                <a16:creationId xmlns:a16="http://schemas.microsoft.com/office/drawing/2014/main" xmlns="" id="{D0986099-F5F2-4E8B-BE17-81194861A00C}"/>
+                <a16:creationId xmlns="" xmlns:a16="http://schemas.microsoft.com/office/drawing/2014/main" id="{D0986099-F5F2-4E8B-BE17-81194861A00C}"/>
               </a:ext>
               <a:ext uri="{C183D7F6-B498-43B3-948B-1728B52AA6E4}">
-                <adec:decorative xmlns:adec="http://schemas.microsoft.com/office/drawing/2017/decorative" xmlns="" val="1"/>
+                <adec:decorative xmlns="" xmlns:adec="http://schemas.microsoft.com/office/drawing/2017/decorative" val="1"/>
               </a:ext>
             </a:extLst>
           </p:cNvPr>
@@ -22504,7 +22882,7 @@
           <p:cNvPr id="4" name="Titel 1">
             <a:extLst>
               <a:ext uri="{FF2B5EF4-FFF2-40B4-BE49-F238E27FC236}">
-                <a16:creationId xmlns:a16="http://schemas.microsoft.com/office/drawing/2014/main" xmlns="" id="{4E3F5479-058B-4FA8-92E9-18CAB8CDC5C5}"/>
+                <a16:creationId xmlns="" xmlns:a16="http://schemas.microsoft.com/office/drawing/2014/main" id="{4E3F5479-058B-4FA8-92E9-18CAB8CDC5C5}"/>
               </a:ext>
             </a:extLst>
           </p:cNvPr>
@@ -22574,10 +22952,10 @@
           <p:cNvPr id="5" name="Gerader Verbinder 13">
             <a:extLst>
               <a:ext uri="{FF2B5EF4-FFF2-40B4-BE49-F238E27FC236}">
-                <a16:creationId xmlns:a16="http://schemas.microsoft.com/office/drawing/2014/main" xmlns="" id="{83E690F4-843A-47A5-8620-4FB01C0D8E68}"/>
+                <a16:creationId xmlns="" xmlns:a16="http://schemas.microsoft.com/office/drawing/2014/main" id="{83E690F4-843A-47A5-8620-4FB01C0D8E68}"/>
               </a:ext>
               <a:ext uri="{C183D7F6-B498-43B3-948B-1728B52AA6E4}">
-                <adec:decorative xmlns:adec="http://schemas.microsoft.com/office/drawing/2017/decorative" xmlns="" val="1"/>
+                <adec:decorative xmlns="" xmlns:adec="http://schemas.microsoft.com/office/drawing/2017/decorative" val="1"/>
               </a:ext>
             </a:extLst>
           </p:cNvPr>
@@ -22618,6 +22996,47 @@
           </a:fontRef>
         </p:style>
       </p:cxnSp>
+      <p:pic>
+        <p:nvPicPr>
+          <p:cNvPr id="6" name="Picture 2" descr="C:\Users\Admin\Desktop\tmp\logo.png"/>
+          <p:cNvPicPr>
+            <a:picLocks noChangeAspect="1" noChangeArrowheads="1"/>
+          </p:cNvPicPr>
+          <p:nvPr/>
+        </p:nvPicPr>
+        <p:blipFill>
+          <a:blip r:embed="rId2" cstate="print">
+            <a:extLst>
+              <a:ext uri="{28A0092B-C50C-407E-A947-70E740481C1C}">
+                <a14:useLocalDpi xmlns:a14="http://schemas.microsoft.com/office/drawing/2010/main" val="0"/>
+              </a:ext>
+            </a:extLst>
+          </a:blip>
+          <a:srcRect/>
+          <a:stretch>
+            <a:fillRect/>
+          </a:stretch>
+        </p:blipFill>
+        <p:spPr bwMode="auto">
+          <a:xfrm>
+            <a:off x="9744335" y="5473521"/>
+            <a:ext cx="1779587" cy="887413"/>
+          </a:xfrm>
+          <a:prstGeom prst="rect">
+            <a:avLst/>
+          </a:prstGeom>
+          <a:noFill/>
+          <a:extLst>
+            <a:ext uri="{909E8E84-426E-40DD-AFC4-6F175D3DCCD1}">
+              <a14:hiddenFill xmlns:a14="http://schemas.microsoft.com/office/drawing/2010/main">
+                <a:solidFill>
+                  <a:srgbClr val="FFFFFF"/>
+                </a:solidFill>
+              </a14:hiddenFill>
+            </a:ext>
+          </a:extLst>
+        </p:spPr>
+      </p:pic>
     </p:spTree>
     <p:extLst>
       <p:ext uri="{BB962C8B-B14F-4D97-AF65-F5344CB8AC3E}">
@@ -22660,7 +23079,7 @@
           <p:cNvPr id="4" name="Titel 3" hidden="1">
             <a:extLst>
               <a:ext uri="{FF2B5EF4-FFF2-40B4-BE49-F238E27FC236}">
-                <a16:creationId xmlns:a16="http://schemas.microsoft.com/office/drawing/2014/main" xmlns="" id="{B5981CF1-BC08-49F8-B0F9-AAF98EC67450}"/>
+                <a16:creationId xmlns="" xmlns:a16="http://schemas.microsoft.com/office/drawing/2014/main" id="{B5981CF1-BC08-49F8-B0F9-AAF98EC67450}"/>
               </a:ext>
             </a:extLst>
           </p:cNvPr>
@@ -22693,10 +23112,10 @@
           <p:cNvPr id="8" name="Gerader Verbinder 7">
             <a:extLst>
               <a:ext uri="{FF2B5EF4-FFF2-40B4-BE49-F238E27FC236}">
-                <a16:creationId xmlns:a16="http://schemas.microsoft.com/office/drawing/2014/main" xmlns="" id="{D0986099-F5F2-4E8B-BE17-81194861A00C}"/>
+                <a16:creationId xmlns="" xmlns:a16="http://schemas.microsoft.com/office/drawing/2014/main" id="{D0986099-F5F2-4E8B-BE17-81194861A00C}"/>
               </a:ext>
               <a:ext uri="{C183D7F6-B498-43B3-948B-1728B52AA6E4}">
-                <adec:decorative xmlns:adec="http://schemas.microsoft.com/office/drawing/2017/decorative" xmlns="" val="1"/>
+                <adec:decorative xmlns="" xmlns:adec="http://schemas.microsoft.com/office/drawing/2017/decorative" val="1"/>
               </a:ext>
             </a:extLst>
           </p:cNvPr>
@@ -22742,7 +23161,7 @@
           <p:cNvPr id="11" name="Titel 1">
             <a:extLst>
               <a:ext uri="{FF2B5EF4-FFF2-40B4-BE49-F238E27FC236}">
-                <a16:creationId xmlns:a16="http://schemas.microsoft.com/office/drawing/2014/main" xmlns="" id="{4E3F5479-058B-4FA8-92E9-18CAB8CDC5C5}"/>
+                <a16:creationId xmlns="" xmlns:a16="http://schemas.microsoft.com/office/drawing/2014/main" id="{4E3F5479-058B-4FA8-92E9-18CAB8CDC5C5}"/>
               </a:ext>
             </a:extLst>
           </p:cNvPr>
@@ -22812,10 +23231,10 @@
           <p:cNvPr id="14" name="Gerader Verbinder 13">
             <a:extLst>
               <a:ext uri="{FF2B5EF4-FFF2-40B4-BE49-F238E27FC236}">
-                <a16:creationId xmlns:a16="http://schemas.microsoft.com/office/drawing/2014/main" xmlns="" id="{83E690F4-843A-47A5-8620-4FB01C0D8E68}"/>
+                <a16:creationId xmlns="" xmlns:a16="http://schemas.microsoft.com/office/drawing/2014/main" id="{83E690F4-843A-47A5-8620-4FB01C0D8E68}"/>
               </a:ext>
               <a:ext uri="{C183D7F6-B498-43B3-948B-1728B52AA6E4}">
-                <adec:decorative xmlns:adec="http://schemas.microsoft.com/office/drawing/2017/decorative" xmlns="" val="1"/>
+                <adec:decorative xmlns="" xmlns:adec="http://schemas.microsoft.com/office/drawing/2017/decorative" val="1"/>
               </a:ext>
             </a:extLst>
           </p:cNvPr>
@@ -22861,7 +23280,7 @@
           <p:cNvPr id="31" name="Gruppieren 30" descr="Symbol, das ein Balkendiagramm mit einem Liniendiagramm darstellt">
             <a:extLst>
               <a:ext uri="{FF2B5EF4-FFF2-40B4-BE49-F238E27FC236}">
-                <a16:creationId xmlns:a16="http://schemas.microsoft.com/office/drawing/2014/main" xmlns="" id="{044C3643-8A0E-47C1-BEB8-C73203B5E58D}"/>
+                <a16:creationId xmlns="" xmlns:a16="http://schemas.microsoft.com/office/drawing/2014/main" id="{044C3643-8A0E-47C1-BEB8-C73203B5E58D}"/>
               </a:ext>
             </a:extLst>
           </p:cNvPr>
@@ -22884,7 +23303,7 @@
             <p:cNvPr id="32" name="Freihandform 372">
               <a:extLst>
                 <a:ext uri="{FF2B5EF4-FFF2-40B4-BE49-F238E27FC236}">
-                  <a16:creationId xmlns:a16="http://schemas.microsoft.com/office/drawing/2014/main" xmlns="" id="{56E8F5A5-5318-470B-8F42-337C264086AA}"/>
+                  <a16:creationId xmlns="" xmlns:a16="http://schemas.microsoft.com/office/drawing/2014/main" id="{56E8F5A5-5318-470B-8F42-337C264086AA}"/>
                 </a:ext>
               </a:extLst>
             </p:cNvPr>
@@ -23621,7 +24040,7 @@
             <p:cNvPr id="33" name="Freihandform 373">
               <a:extLst>
                 <a:ext uri="{FF2B5EF4-FFF2-40B4-BE49-F238E27FC236}">
-                  <a16:creationId xmlns:a16="http://schemas.microsoft.com/office/drawing/2014/main" xmlns="" id="{6AA1356D-8F1B-4281-BEC5-5B4EBF7467B1}"/>
+                  <a16:creationId xmlns="" xmlns:a16="http://schemas.microsoft.com/office/drawing/2014/main" id="{6AA1356D-8F1B-4281-BEC5-5B4EBF7467B1}"/>
                 </a:ext>
               </a:extLst>
             </p:cNvPr>
@@ -24612,7 +25031,7 @@
           <p:cNvPr id="35" name="Freihandform 4665" descr="Symbol, das einen Graph darstellt ">
             <a:extLst>
               <a:ext uri="{FF2B5EF4-FFF2-40B4-BE49-F238E27FC236}">
-                <a16:creationId xmlns:a16="http://schemas.microsoft.com/office/drawing/2014/main" xmlns="" id="{557E39B2-E017-4E5C-B53E-DDE3B9D4C92C}"/>
+                <a16:creationId xmlns="" xmlns:a16="http://schemas.microsoft.com/office/drawing/2014/main" id="{557E39B2-E017-4E5C-B53E-DDE3B9D4C92C}"/>
               </a:ext>
             </a:extLst>
           </p:cNvPr>
@@ -25805,7 +26224,7 @@
           <p:cNvPr id="36" name="Gruppieren 35" descr="Symbol, das einen Menschen und ein Zahnrad darstellt ">
             <a:extLst>
               <a:ext uri="{FF2B5EF4-FFF2-40B4-BE49-F238E27FC236}">
-                <a16:creationId xmlns:a16="http://schemas.microsoft.com/office/drawing/2014/main" xmlns="" id="{ECC5F635-1712-4572-A9EC-F94E2199DDBD}"/>
+                <a16:creationId xmlns="" xmlns:a16="http://schemas.microsoft.com/office/drawing/2014/main" id="{ECC5F635-1712-4572-A9EC-F94E2199DDBD}"/>
               </a:ext>
             </a:extLst>
           </p:cNvPr>
@@ -25828,7 +26247,7 @@
             <p:cNvPr id="37" name="Freihandform 3673">
               <a:extLst>
                 <a:ext uri="{FF2B5EF4-FFF2-40B4-BE49-F238E27FC236}">
-                  <a16:creationId xmlns:a16="http://schemas.microsoft.com/office/drawing/2014/main" xmlns="" id="{D1391604-D4EC-48A8-AE57-EDF194392FB1}"/>
+                  <a16:creationId xmlns="" xmlns:a16="http://schemas.microsoft.com/office/drawing/2014/main" id="{D1391604-D4EC-48A8-AE57-EDF194392FB1}"/>
                 </a:ext>
               </a:extLst>
             </p:cNvPr>
@@ -26563,7 +26982,7 @@
             <p:cNvPr id="38" name="Freihandform 3674">
               <a:extLst>
                 <a:ext uri="{FF2B5EF4-FFF2-40B4-BE49-F238E27FC236}">
-                  <a16:creationId xmlns:a16="http://schemas.microsoft.com/office/drawing/2014/main" xmlns="" id="{44A4D0F8-0767-41BC-BE62-0AED99EC8B25}"/>
+                  <a16:creationId xmlns="" xmlns:a16="http://schemas.microsoft.com/office/drawing/2014/main" id="{44A4D0F8-0767-41BC-BE62-0AED99EC8B25}"/>
                 </a:ext>
               </a:extLst>
             </p:cNvPr>
@@ -27370,7 +27789,7 @@
           <p:cNvPr id="39" name="Gruppieren 38" descr="Symbol, das Zahnräder darstellt ">
             <a:extLst>
               <a:ext uri="{FF2B5EF4-FFF2-40B4-BE49-F238E27FC236}">
-                <a16:creationId xmlns:a16="http://schemas.microsoft.com/office/drawing/2014/main" xmlns="" id="{5BC0E3F0-447D-4721-AB1F-C8243BA36671}"/>
+                <a16:creationId xmlns="" xmlns:a16="http://schemas.microsoft.com/office/drawing/2014/main" id="{5BC0E3F0-447D-4721-AB1F-C8243BA36671}"/>
               </a:ext>
             </a:extLst>
           </p:cNvPr>
@@ -27393,7 +27812,7 @@
             <p:cNvPr id="40" name="Freihandform 4359">
               <a:extLst>
                 <a:ext uri="{FF2B5EF4-FFF2-40B4-BE49-F238E27FC236}">
-                  <a16:creationId xmlns:a16="http://schemas.microsoft.com/office/drawing/2014/main" xmlns="" id="{351831F3-9830-4A23-8B34-11A3FCCA027E}"/>
+                  <a16:creationId xmlns="" xmlns:a16="http://schemas.microsoft.com/office/drawing/2014/main" id="{351831F3-9830-4A23-8B34-11A3FCCA027E}"/>
                 </a:ext>
               </a:extLst>
             </p:cNvPr>
@@ -28392,7 +28811,7 @@
             <p:cNvPr id="41" name="Freihandform 4360">
               <a:extLst>
                 <a:ext uri="{FF2B5EF4-FFF2-40B4-BE49-F238E27FC236}">
-                  <a16:creationId xmlns:a16="http://schemas.microsoft.com/office/drawing/2014/main" xmlns="" id="{CDB8F87B-81A2-480F-ADA8-BFB5FD890ACD}"/>
+                  <a16:creationId xmlns="" xmlns:a16="http://schemas.microsoft.com/office/drawing/2014/main" id="{CDB8F87B-81A2-480F-ADA8-BFB5FD890ACD}"/>
                 </a:ext>
               </a:extLst>
             </p:cNvPr>
@@ -29307,7 +29726,7 @@
           <p:cNvPr id="42" name="Freihandform 4346" descr="Symbol, das ein Kastengrafikdiagramm darstellt ">
             <a:extLst>
               <a:ext uri="{FF2B5EF4-FFF2-40B4-BE49-F238E27FC236}">
-                <a16:creationId xmlns:a16="http://schemas.microsoft.com/office/drawing/2014/main" xmlns="" id="{D131817A-5B27-4718-8BAC-45C9CEDA45D9}"/>
+                <a16:creationId xmlns="" xmlns:a16="http://schemas.microsoft.com/office/drawing/2014/main" id="{D131817A-5B27-4718-8BAC-45C9CEDA45D9}"/>
               </a:ext>
             </a:extLst>
           </p:cNvPr>
@@ -31022,7 +31441,7 @@
           <p:cNvPr id="3" name="Textfeld 2">
             <a:extLst>
               <a:ext uri="{FF2B5EF4-FFF2-40B4-BE49-F238E27FC236}">
-                <a16:creationId xmlns:a16="http://schemas.microsoft.com/office/drawing/2014/main" xmlns="" id="{B6F6D979-C3A9-459A-9BD4-C19EA8F6CD22}"/>
+                <a16:creationId xmlns="" xmlns:a16="http://schemas.microsoft.com/office/drawing/2014/main" id="{B6F6D979-C3A9-459A-9BD4-C19EA8F6CD22}"/>
               </a:ext>
             </a:extLst>
           </p:cNvPr>
@@ -31067,6 +31486,47 @@
           </a:p>
         </p:txBody>
       </p:sp>
+      <p:pic>
+        <p:nvPicPr>
+          <p:cNvPr id="18" name="Picture 2" descr="C:\Users\Admin\Desktop\tmp\logo.png"/>
+          <p:cNvPicPr>
+            <a:picLocks noChangeAspect="1" noChangeArrowheads="1"/>
+          </p:cNvPicPr>
+          <p:nvPr/>
+        </p:nvPicPr>
+        <p:blipFill>
+          <a:blip r:embed="rId4" cstate="print">
+            <a:extLst>
+              <a:ext uri="{28A0092B-C50C-407E-A947-70E740481C1C}">
+                <a14:useLocalDpi xmlns:a14="http://schemas.microsoft.com/office/drawing/2010/main" val="0"/>
+              </a:ext>
+            </a:extLst>
+          </a:blip>
+          <a:srcRect/>
+          <a:stretch>
+            <a:fillRect/>
+          </a:stretch>
+        </p:blipFill>
+        <p:spPr bwMode="auto">
+          <a:xfrm>
+            <a:off x="9744335" y="5473521"/>
+            <a:ext cx="1779587" cy="887413"/>
+          </a:xfrm>
+          <a:prstGeom prst="rect">
+            <a:avLst/>
+          </a:prstGeom>
+          <a:noFill/>
+          <a:extLst>
+            <a:ext uri="{909E8E84-426E-40DD-AFC4-6F175D3DCCD1}">
+              <a14:hiddenFill xmlns:a14="http://schemas.microsoft.com/office/drawing/2010/main">
+                <a:solidFill>
+                  <a:srgbClr val="FFFFFF"/>
+                </a:solidFill>
+              </a14:hiddenFill>
+            </a:ext>
+          </a:extLst>
+        </p:spPr>
+      </p:pic>
     </p:spTree>
     <p:extLst>
       <p:ext uri="{BB962C8B-B14F-4D97-AF65-F5344CB8AC3E}">
@@ -31126,10 +31586,10 @@
           <p:cNvPr id="11" name="Gruppieren 10">
             <a:extLst>
               <a:ext uri="{FF2B5EF4-FFF2-40B4-BE49-F238E27FC236}">
-                <a16:creationId xmlns:a16="http://schemas.microsoft.com/office/drawing/2014/main" xmlns="" id="{62A21665-C64F-4BDA-B2DE-442D70605718}"/>
+                <a16:creationId xmlns="" xmlns:a16="http://schemas.microsoft.com/office/drawing/2014/main" id="{62A21665-C64F-4BDA-B2DE-442D70605718}"/>
               </a:ext>
               <a:ext uri="{C183D7F6-B498-43B3-948B-1728B52AA6E4}">
-                <adec:decorative xmlns:adec="http://schemas.microsoft.com/office/drawing/2017/decorative" xmlns="" val="1"/>
+                <adec:decorative xmlns="" xmlns:adec="http://schemas.microsoft.com/office/drawing/2017/decorative" val="1"/>
               </a:ext>
             </a:extLst>
           </p:cNvPr>
@@ -31149,7 +31609,7 @@
             <p:cNvPr id="12" name="Raute 11">
               <a:extLst>
                 <a:ext uri="{FF2B5EF4-FFF2-40B4-BE49-F238E27FC236}">
-                  <a16:creationId xmlns:a16="http://schemas.microsoft.com/office/drawing/2014/main" xmlns="" id="{7DC8B409-5FAC-4539-B25A-26BE925A48AF}"/>
+                  <a16:creationId xmlns="" xmlns:a16="http://schemas.microsoft.com/office/drawing/2014/main" id="{7DC8B409-5FAC-4539-B25A-26BE925A48AF}"/>
                 </a:ext>
               </a:extLst>
             </p:cNvPr>
@@ -31201,7 +31661,7 @@
             <p:cNvPr id="13" name="Raute 12">
               <a:extLst>
                 <a:ext uri="{FF2B5EF4-FFF2-40B4-BE49-F238E27FC236}">
-                  <a16:creationId xmlns:a16="http://schemas.microsoft.com/office/drawing/2014/main" xmlns="" id="{91498E2F-539C-46D3-AF7C-BB1DAE76B114}"/>
+                  <a16:creationId xmlns="" xmlns:a16="http://schemas.microsoft.com/office/drawing/2014/main" id="{91498E2F-539C-46D3-AF7C-BB1DAE76B114}"/>
                 </a:ext>
               </a:extLst>
             </p:cNvPr>
@@ -31254,7 +31714,7 @@
           <p:cNvPr id="15" name="Titel 1">
             <a:extLst>
               <a:ext uri="{FF2B5EF4-FFF2-40B4-BE49-F238E27FC236}">
-                <a16:creationId xmlns:a16="http://schemas.microsoft.com/office/drawing/2014/main" xmlns="" id="{FA061601-468D-486D-B8EE-42BD1BE3ADCC}"/>
+                <a16:creationId xmlns="" xmlns:a16="http://schemas.microsoft.com/office/drawing/2014/main" id="{FA061601-468D-486D-B8EE-42BD1BE3ADCC}"/>
               </a:ext>
             </a:extLst>
           </p:cNvPr>
@@ -31294,6 +31754,47 @@
           </a:p>
         </p:txBody>
       </p:sp>
+      <p:pic>
+        <p:nvPicPr>
+          <p:cNvPr id="6" name="Picture 2" descr="C:\Users\Admin\Desktop\tmp\logo.png"/>
+          <p:cNvPicPr>
+            <a:picLocks noChangeAspect="1" noChangeArrowheads="1"/>
+          </p:cNvPicPr>
+          <p:nvPr/>
+        </p:nvPicPr>
+        <p:blipFill>
+          <a:blip r:embed="rId3" cstate="print">
+            <a:extLst>
+              <a:ext uri="{28A0092B-C50C-407E-A947-70E740481C1C}">
+                <a14:useLocalDpi xmlns:a14="http://schemas.microsoft.com/office/drawing/2010/main" val="0"/>
+              </a:ext>
+            </a:extLst>
+          </a:blip>
+          <a:srcRect/>
+          <a:stretch>
+            <a:fillRect/>
+          </a:stretch>
+        </p:blipFill>
+        <p:spPr bwMode="auto">
+          <a:xfrm>
+            <a:off x="9744335" y="5473521"/>
+            <a:ext cx="1779587" cy="887413"/>
+          </a:xfrm>
+          <a:prstGeom prst="rect">
+            <a:avLst/>
+          </a:prstGeom>
+          <a:noFill/>
+          <a:extLst>
+            <a:ext uri="{909E8E84-426E-40DD-AFC4-6F175D3DCCD1}">
+              <a14:hiddenFill xmlns:a14="http://schemas.microsoft.com/office/drawing/2010/main">
+                <a:solidFill>
+                  <a:srgbClr val="FFFFFF"/>
+                </a:solidFill>
+              </a14:hiddenFill>
+            </a:ext>
+          </a:extLst>
+        </p:spPr>
+      </p:pic>
     </p:spTree>
     <p:extLst>
       <p:ext uri="{BB962C8B-B14F-4D97-AF65-F5344CB8AC3E}">
@@ -31353,10 +31854,10 @@
           <p:cNvPr id="11" name="Gruppieren 10">
             <a:extLst>
               <a:ext uri="{FF2B5EF4-FFF2-40B4-BE49-F238E27FC236}">
-                <a16:creationId xmlns:a16="http://schemas.microsoft.com/office/drawing/2014/main" xmlns="" id="{62A21665-C64F-4BDA-B2DE-442D70605718}"/>
+                <a16:creationId xmlns="" xmlns:a16="http://schemas.microsoft.com/office/drawing/2014/main" id="{62A21665-C64F-4BDA-B2DE-442D70605718}"/>
               </a:ext>
               <a:ext uri="{C183D7F6-B498-43B3-948B-1728B52AA6E4}">
-                <adec:decorative xmlns:adec="http://schemas.microsoft.com/office/drawing/2017/decorative" xmlns="" val="1"/>
+                <adec:decorative xmlns="" xmlns:adec="http://schemas.microsoft.com/office/drawing/2017/decorative" val="1"/>
               </a:ext>
             </a:extLst>
           </p:cNvPr>
@@ -31376,7 +31877,7 @@
             <p:cNvPr id="12" name="Raute 11">
               <a:extLst>
                 <a:ext uri="{FF2B5EF4-FFF2-40B4-BE49-F238E27FC236}">
-                  <a16:creationId xmlns:a16="http://schemas.microsoft.com/office/drawing/2014/main" xmlns="" id="{7DC8B409-5FAC-4539-B25A-26BE925A48AF}"/>
+                  <a16:creationId xmlns="" xmlns:a16="http://schemas.microsoft.com/office/drawing/2014/main" id="{7DC8B409-5FAC-4539-B25A-26BE925A48AF}"/>
                 </a:ext>
               </a:extLst>
             </p:cNvPr>
@@ -31428,7 +31929,7 @@
             <p:cNvPr id="13" name="Raute 12">
               <a:extLst>
                 <a:ext uri="{FF2B5EF4-FFF2-40B4-BE49-F238E27FC236}">
-                  <a16:creationId xmlns:a16="http://schemas.microsoft.com/office/drawing/2014/main" xmlns="" id="{91498E2F-539C-46D3-AF7C-BB1DAE76B114}"/>
+                  <a16:creationId xmlns="" xmlns:a16="http://schemas.microsoft.com/office/drawing/2014/main" id="{91498E2F-539C-46D3-AF7C-BB1DAE76B114}"/>
                 </a:ext>
               </a:extLst>
             </p:cNvPr>
@@ -31732,7 +32233,7 @@
   <a:extraClrSchemeLst/>
   <a:extLst>
     <a:ext uri="{05A4C25C-085E-4340-85A3-A5531E510DB2}">
-      <thm15:themeFamily xmlns:thm15="http://schemas.microsoft.com/office/thememl/2012/main" xmlns="" name="Office_30740403_TF78455520.potx" id="{9CC58D98-8D63-4413-8A90-F6134E0D6024}" vid="{7F592C43-5E71-4209-A923-444667EDB041}"/>
+      <thm15:themeFamily xmlns="" xmlns:thm15="http://schemas.microsoft.com/office/thememl/2012/main" name="Office_30740403_TF78455520.potx" id="{9CC58D98-8D63-4413-8A90-F6134E0D6024}" vid="{7F592C43-5E71-4209-A923-444667EDB041}"/>
     </a:ext>
   </a:extLst>
 </a:theme>
@@ -32027,7 +32528,7 @@
   <a:extraClrSchemeLst/>
   <a:extLst>
     <a:ext uri="{05A4C25C-085E-4340-85A3-A5531E510DB2}">
-      <thm15:themeFamily xmlns:thm15="http://schemas.microsoft.com/office/thememl/2012/main" xmlns="" name="Office Theme" id="{62F939B6-93AF-4DB8-9C6B-D6C7DFDC589F}" vid="{4A3C46E8-61CC-4603-A589-7422A47A8E4A}"/>
+      <thm15:themeFamily xmlns="" xmlns:thm15="http://schemas.microsoft.com/office/thememl/2012/main" name="Office Theme" id="{62F939B6-93AF-4DB8-9C6B-D6C7DFDC589F}" vid="{4A3C46E8-61CC-4603-A589-7422A47A8E4A}"/>
     </a:ext>
   </a:extLst>
 </a:theme>
@@ -32322,7 +32823,7 @@
   <a:extraClrSchemeLst/>
   <a:extLst>
     <a:ext uri="{05A4C25C-085E-4340-85A3-A5531E510DB2}">
-      <thm15:themeFamily xmlns:thm15="http://schemas.microsoft.com/office/thememl/2012/main" xmlns="" name="Office Theme" id="{62F939B6-93AF-4DB8-9C6B-D6C7DFDC589F}" vid="{4A3C46E8-61CC-4603-A589-7422A47A8E4A}"/>
+      <thm15:themeFamily xmlns="" xmlns:thm15="http://schemas.microsoft.com/office/thememl/2012/main" name="Office Theme" id="{62F939B6-93AF-4DB8-9C6B-D6C7DFDC589F}" vid="{4A3C46E8-61CC-4603-A589-7422A47A8E4A}"/>
     </a:ext>
   </a:extLst>
 </a:theme>
